--- a/cuhk-csc-1004/slides/CSC1004 Tutorial 3.pptx
+++ b/cuhk-csc-1004/slides/CSC1004 Tutorial 3.pptx
@@ -5,25 +5,25 @@
     <p:sldMasterId id="2147483648" r:id="rId1"/>
   </p:sldMasterIdLst>
   <p:notesMasterIdLst>
-    <p:notesMasterId r:id="rId13"/>
+    <p:notesMasterId r:id="rId4"/>
   </p:notesMasterIdLst>
   <p:sldIdLst>
-    <p:sldId id="257" r:id="rId2"/>
-    <p:sldId id="334" r:id="rId3"/>
-    <p:sldId id="335" r:id="rId4"/>
-    <p:sldId id="336" r:id="rId5"/>
-    <p:sldId id="337" r:id="rId6"/>
-    <p:sldId id="338" r:id="rId7"/>
-    <p:sldId id="341" r:id="rId8"/>
-    <p:sldId id="340" r:id="rId9"/>
-    <p:sldId id="342" r:id="rId10"/>
-    <p:sldId id="343" r:id="rId11"/>
-    <p:sldId id="262" r:id="rId12"/>
+    <p:sldId id="257" r:id="rId3"/>
+    <p:sldId id="334" r:id="rId5"/>
+    <p:sldId id="335" r:id="rId6"/>
+    <p:sldId id="336" r:id="rId7"/>
+    <p:sldId id="337" r:id="rId8"/>
+    <p:sldId id="338" r:id="rId9"/>
+    <p:sldId id="341" r:id="rId10"/>
+    <p:sldId id="340" r:id="rId11"/>
+    <p:sldId id="342" r:id="rId12"/>
+    <p:sldId id="343" r:id="rId13"/>
+    <p:sldId id="262" r:id="rId14"/>
   </p:sldIdLst>
   <p:sldSz cx="12192000" cy="6858000"/>
   <p:notesSz cx="6858000" cy="9144000"/>
   <p:custDataLst>
-    <p:tags r:id="rId14"/>
+    <p:tags r:id="rId19"/>
   </p:custDataLst>
   <p:defaultTextStyle>
     <a:lvl1pPr marL="0" lvl="0" algn="l" defTabSz="914400">
@@ -32,7 +32,7 @@
           <a:schemeClr val="tx1"/>
         </a:solidFill>
         <a:latin typeface="Calibri" panose="020F0502020204030204"/>
-        <a:ea typeface="宋体" panose="02010600030101010101" pitchFamily="2" charset="-122"/>
+        <a:ea typeface="宋体" pitchFamily="2" charset="-122"/>
       </a:defRPr>
     </a:lvl1pPr>
     <a:lvl2pPr marL="457200" lvl="1" algn="l" defTabSz="914400">
@@ -41,7 +41,7 @@
           <a:schemeClr val="tx1"/>
         </a:solidFill>
         <a:latin typeface="Calibri" panose="020F0502020204030204"/>
-        <a:ea typeface="宋体" panose="02010600030101010101" pitchFamily="2" charset="-122"/>
+        <a:ea typeface="宋体" pitchFamily="2" charset="-122"/>
       </a:defRPr>
     </a:lvl2pPr>
     <a:lvl3pPr marL="914400" lvl="2" algn="l" defTabSz="914400">
@@ -50,7 +50,7 @@
           <a:schemeClr val="tx1"/>
         </a:solidFill>
         <a:latin typeface="Calibri" panose="020F0502020204030204"/>
-        <a:ea typeface="宋体" panose="02010600030101010101" pitchFamily="2" charset="-122"/>
+        <a:ea typeface="宋体" pitchFamily="2" charset="-122"/>
       </a:defRPr>
     </a:lvl3pPr>
     <a:lvl4pPr marL="1371600" lvl="3" algn="l" defTabSz="914400">
@@ -59,7 +59,7 @@
           <a:schemeClr val="tx1"/>
         </a:solidFill>
         <a:latin typeface="Calibri" panose="020F0502020204030204"/>
-        <a:ea typeface="宋体" panose="02010600030101010101" pitchFamily="2" charset="-122"/>
+        <a:ea typeface="宋体" pitchFamily="2" charset="-122"/>
       </a:defRPr>
     </a:lvl4pPr>
     <a:lvl5pPr marL="1828800" lvl="4" algn="l" defTabSz="914400">
@@ -68,7 +68,7 @@
           <a:schemeClr val="tx1"/>
         </a:solidFill>
         <a:latin typeface="Calibri" panose="020F0502020204030204"/>
-        <a:ea typeface="宋体" panose="02010600030101010101" pitchFamily="2" charset="-122"/>
+        <a:ea typeface="宋体" pitchFamily="2" charset="-122"/>
       </a:defRPr>
     </a:lvl5pPr>
     <a:lvl6pPr marL="2286000" lvl="5" algn="l" defTabSz="914400">
@@ -77,7 +77,7 @@
           <a:schemeClr val="tx1"/>
         </a:solidFill>
         <a:latin typeface="Calibri" panose="020F0502020204030204"/>
-        <a:ea typeface="宋体" panose="02010600030101010101" pitchFamily="2" charset="-122"/>
+        <a:ea typeface="宋体" pitchFamily="2" charset="-122"/>
       </a:defRPr>
     </a:lvl6pPr>
     <a:lvl7pPr marL="2743200" lvl="6" algn="l" defTabSz="914400">
@@ -86,7 +86,7 @@
           <a:schemeClr val="tx1"/>
         </a:solidFill>
         <a:latin typeface="Calibri" panose="020F0502020204030204"/>
-        <a:ea typeface="宋体" panose="02010600030101010101" pitchFamily="2" charset="-122"/>
+        <a:ea typeface="宋体" pitchFamily="2" charset="-122"/>
       </a:defRPr>
     </a:lvl7pPr>
     <a:lvl8pPr marL="3200400" lvl="7" algn="l" defTabSz="914400">
@@ -95,7 +95,7 @@
           <a:schemeClr val="tx1"/>
         </a:solidFill>
         <a:latin typeface="Calibri" panose="020F0502020204030204"/>
-        <a:ea typeface="宋体" panose="02010600030101010101" pitchFamily="2" charset="-122"/>
+        <a:ea typeface="宋体" pitchFamily="2" charset="-122"/>
       </a:defRPr>
     </a:lvl8pPr>
     <a:lvl9pPr marL="3657600" lvl="8" algn="l" defTabSz="914400">
@@ -104,15 +104,10 @@
           <a:schemeClr val="tx1"/>
         </a:solidFill>
         <a:latin typeface="Calibri" panose="020F0502020204030204"/>
-        <a:ea typeface="宋体" panose="02010600030101010101" pitchFamily="2" charset="-122"/>
+        <a:ea typeface="宋体" pitchFamily="2" charset="-122"/>
       </a:defRPr>
     </a:lvl9pPr>
   </p:defaultTextStyle>
-  <p:extLst>
-    <p:ext uri="{EFAFB233-063F-42B5-8137-9DF3F51BA10A}">
-      <p15:sldGuideLst xmlns:p15="http://schemas.microsoft.com/office/powerpoint/2012/main"/>
-    </p:ext>
-  </p:extLst>
 </p:presentation>
 </file>
 
@@ -204,7 +199,6 @@
           <a:p>
             <a:fld id="{78F13B20-8BB8-B74B-ADB5-DA5707988F1E}" type="datetimeFigureOut">
               <a:rPr lang="zh-CN" altLang="en-US"/>
-              <a:t>2024/1/27</a:t>
             </a:fld>
             <a:endParaRPr kumimoji="1" lang="zh-CN" altLang="en-US"/>
           </a:p>
@@ -274,6 +268,7 @@
 第四级
 第五级</a:t>
             </a:r>
+            <a:endParaRPr kumimoji="1" lang="zh-CN" altLang="en-US"/>
           </a:p>
         </p:txBody>
       </p:sp>
@@ -337,7 +332,6 @@
           <a:p>
             <a:fld id="{1B28674F-E567-AA4B-8C16-788D7CE21C4F}" type="slidenum">
               <a:rPr/>
-              <a:t>‹#›</a:t>
             </a:fld>
             <a:endParaRPr kumimoji="1" lang="zh-CN" altLang="en-US"/>
           </a:p>
@@ -648,6 +642,7 @@
               <a:rPr lang="zh-CN"/>
               <a:t>单击此处编辑母版副标题样式</a:t>
             </a:r>
+            <a:endParaRPr lang="zh-CN"/>
           </a:p>
         </p:txBody>
       </p:sp>
@@ -716,6 +711,7 @@
               <a:rPr lang="zh-CN"/>
               <a:t>单击此处编辑母版标题样式</a:t>
             </a:r>
+            <a:endParaRPr lang="zh-CN"/>
           </a:p>
         </p:txBody>
       </p:sp>
@@ -887,6 +883,7 @@
               <a:rPr lang="zh-TW"/>
               <a:t>按一下以編輯母片文字樣式</a:t>
             </a:r>
+            <a:endParaRPr lang="zh-TW"/>
           </a:p>
           <a:p>
             <a:pPr lvl="1"/>
@@ -894,6 +891,7 @@
               <a:rPr lang="zh-TW"/>
               <a:t>第二層</a:t>
             </a:r>
+            <a:endParaRPr lang="zh-TW"/>
           </a:p>
           <a:p>
             <a:pPr lvl="2"/>
@@ -901,6 +899,7 @@
               <a:rPr lang="zh-TW"/>
               <a:t>第三層</a:t>
             </a:r>
+            <a:endParaRPr lang="zh-TW"/>
           </a:p>
           <a:p>
             <a:pPr lvl="3"/>
@@ -908,6 +907,7 @@
               <a:rPr lang="zh-TW"/>
               <a:t>第四層</a:t>
             </a:r>
+            <a:endParaRPr lang="zh-TW"/>
           </a:p>
           <a:p>
             <a:pPr lvl="4"/>
@@ -1097,6 +1097,7 @@
               <a:rPr lang="zh-CN"/>
               <a:t>单击此处编辑母版标题样式</a:t>
             </a:r>
+            <a:endParaRPr lang="zh-CN"/>
           </a:p>
         </p:txBody>
       </p:sp>
@@ -1130,6 +1131,7 @@
               <a:rPr lang="zh-CN"/>
               <a:t>单击此处编辑母版文本样式</a:t>
             </a:r>
+            <a:endParaRPr lang="zh-CN"/>
           </a:p>
           <a:p>
             <a:pPr lvl="1"/>
@@ -1137,6 +1139,7 @@
               <a:rPr lang="zh-CN"/>
               <a:t>二级</a:t>
             </a:r>
+            <a:endParaRPr lang="zh-CN"/>
           </a:p>
           <a:p>
             <a:pPr lvl="2"/>
@@ -1144,6 +1147,7 @@
               <a:rPr lang="zh-CN"/>
               <a:t>三级</a:t>
             </a:r>
+            <a:endParaRPr lang="zh-CN"/>
           </a:p>
           <a:p>
             <a:pPr lvl="3"/>
@@ -1151,6 +1155,7 @@
               <a:rPr lang="zh-CN"/>
               <a:t>四级</a:t>
             </a:r>
+            <a:endParaRPr lang="zh-CN"/>
           </a:p>
           <a:p>
             <a:pPr lvl="4"/>
@@ -1158,6 +1163,7 @@
               <a:rPr lang="zh-CN"/>
               <a:t>五级</a:t>
             </a:r>
+            <a:endParaRPr lang="zh-CN"/>
           </a:p>
         </p:txBody>
       </p:sp>
@@ -1183,7 +1189,7 @@
             <a:schemeClr val="tx1"/>
           </a:solidFill>
           <a:latin typeface="Calibri Light" panose="020F0302020204030204"/>
-          <a:ea typeface="宋体" panose="02010600030101010101" pitchFamily="2" charset="-122"/>
+          <a:ea typeface="宋体" pitchFamily="2" charset="-122"/>
         </a:defRPr>
       </a:lvl1pPr>
     </p:titleStyle>
@@ -1195,14 +1201,14 @@
         <a:spcBef>
           <a:spcPts val="1000"/>
         </a:spcBef>
-        <a:buFont typeface="Arial" panose="020B0604020202020204"/>
+        <a:buFont typeface="Arial" panose="020B0604020202090204"/>
         <a:buChar char="•"/>
         <a:defRPr sz="2800" kern="1200">
           <a:solidFill>
             <a:schemeClr val="tx1"/>
           </a:solidFill>
           <a:latin typeface="Calibri" panose="020F0502020204030204"/>
-          <a:ea typeface="宋体" panose="02010600030101010101" pitchFamily="2" charset="-122"/>
+          <a:ea typeface="宋体" pitchFamily="2" charset="-122"/>
         </a:defRPr>
       </a:lvl1pPr>
       <a:lvl2pPr marL="685800" lvl="1" indent="-228600" algn="l" defTabSz="914400">
@@ -1212,14 +1218,14 @@
         <a:spcBef>
           <a:spcPts val="500"/>
         </a:spcBef>
-        <a:buFont typeface="Arial" panose="020B0604020202020204"/>
+        <a:buFont typeface="Arial" panose="020B0604020202090204"/>
         <a:buChar char="•"/>
         <a:defRPr sz="2400" kern="1200">
           <a:solidFill>
             <a:schemeClr val="tx1"/>
           </a:solidFill>
           <a:latin typeface="Calibri" panose="020F0502020204030204"/>
-          <a:ea typeface="宋体" panose="02010600030101010101" pitchFamily="2" charset="-122"/>
+          <a:ea typeface="宋体" pitchFamily="2" charset="-122"/>
         </a:defRPr>
       </a:lvl2pPr>
       <a:lvl3pPr marL="1143000" lvl="2" indent="-228600" algn="l" defTabSz="914400">
@@ -1229,14 +1235,14 @@
         <a:spcBef>
           <a:spcPts val="500"/>
         </a:spcBef>
-        <a:buFont typeface="Arial" panose="020B0604020202020204"/>
+        <a:buFont typeface="Arial" panose="020B0604020202090204"/>
         <a:buChar char="•"/>
         <a:defRPr sz="2000" kern="1200">
           <a:solidFill>
             <a:schemeClr val="tx1"/>
           </a:solidFill>
           <a:latin typeface="Calibri" panose="020F0502020204030204"/>
-          <a:ea typeface="宋体" panose="02010600030101010101" pitchFamily="2" charset="-122"/>
+          <a:ea typeface="宋体" pitchFamily="2" charset="-122"/>
         </a:defRPr>
       </a:lvl3pPr>
       <a:lvl4pPr marL="1600200" lvl="3" indent="-228600" algn="l" defTabSz="914400">
@@ -1246,14 +1252,14 @@
         <a:spcBef>
           <a:spcPts val="500"/>
         </a:spcBef>
-        <a:buFont typeface="Arial" panose="020B0604020202020204"/>
+        <a:buFont typeface="Arial" panose="020B0604020202090204"/>
         <a:buChar char="•"/>
         <a:defRPr sz="1800" kern="1200">
           <a:solidFill>
             <a:schemeClr val="tx1"/>
           </a:solidFill>
           <a:latin typeface="Calibri" panose="020F0502020204030204"/>
-          <a:ea typeface="宋体" panose="02010600030101010101" pitchFamily="2" charset="-122"/>
+          <a:ea typeface="宋体" pitchFamily="2" charset="-122"/>
         </a:defRPr>
       </a:lvl4pPr>
       <a:lvl5pPr marL="2057400" lvl="4" indent="-228600" algn="l" defTabSz="914400">
@@ -1263,14 +1269,14 @@
         <a:spcBef>
           <a:spcPts val="500"/>
         </a:spcBef>
-        <a:buFont typeface="Arial" panose="020B0604020202020204"/>
+        <a:buFont typeface="Arial" panose="020B0604020202090204"/>
         <a:buChar char="•"/>
         <a:defRPr sz="1800" kern="1200">
           <a:solidFill>
             <a:schemeClr val="tx1"/>
           </a:solidFill>
           <a:latin typeface="Calibri" panose="020F0502020204030204"/>
-          <a:ea typeface="宋体" panose="02010600030101010101" pitchFamily="2" charset="-122"/>
+          <a:ea typeface="宋体" pitchFamily="2" charset="-122"/>
         </a:defRPr>
       </a:lvl5pPr>
       <a:lvl6pPr marL="2514600" lvl="5" indent="-228600" algn="l" defTabSz="914400">
@@ -1280,14 +1286,14 @@
         <a:spcBef>
           <a:spcPts val="500"/>
         </a:spcBef>
-        <a:buFont typeface="Arial" panose="020B0604020202020204"/>
+        <a:buFont typeface="Arial" panose="020B0604020202090204"/>
         <a:buChar char="•"/>
         <a:defRPr sz="1800" kern="1200">
           <a:solidFill>
             <a:schemeClr val="tx1"/>
           </a:solidFill>
           <a:latin typeface="Calibri" panose="020F0502020204030204"/>
-          <a:ea typeface="宋体" panose="02010600030101010101" pitchFamily="2" charset="-122"/>
+          <a:ea typeface="宋体" pitchFamily="2" charset="-122"/>
         </a:defRPr>
       </a:lvl6pPr>
       <a:lvl7pPr marL="2971800" lvl="6" indent="-228600" algn="l" defTabSz="914400">
@@ -1297,14 +1303,14 @@
         <a:spcBef>
           <a:spcPts val="500"/>
         </a:spcBef>
-        <a:buFont typeface="Arial" panose="020B0604020202020204"/>
+        <a:buFont typeface="Arial" panose="020B0604020202090204"/>
         <a:buChar char="•"/>
         <a:defRPr sz="1800" kern="1200">
           <a:solidFill>
             <a:schemeClr val="tx1"/>
           </a:solidFill>
           <a:latin typeface="Calibri" panose="020F0502020204030204"/>
-          <a:ea typeface="宋体" panose="02010600030101010101" pitchFamily="2" charset="-122"/>
+          <a:ea typeface="宋体" pitchFamily="2" charset="-122"/>
         </a:defRPr>
       </a:lvl7pPr>
       <a:lvl8pPr marL="3429000" lvl="7" indent="-228600" algn="l" defTabSz="914400">
@@ -1314,14 +1320,14 @@
         <a:spcBef>
           <a:spcPts val="500"/>
         </a:spcBef>
-        <a:buFont typeface="Arial" panose="020B0604020202020204"/>
+        <a:buFont typeface="Arial" panose="020B0604020202090204"/>
         <a:buChar char="•"/>
         <a:defRPr sz="1800" kern="1200">
           <a:solidFill>
             <a:schemeClr val="tx1"/>
           </a:solidFill>
           <a:latin typeface="Calibri" panose="020F0502020204030204"/>
-          <a:ea typeface="宋体" panose="02010600030101010101" pitchFamily="2" charset="-122"/>
+          <a:ea typeface="宋体" pitchFamily="2" charset="-122"/>
         </a:defRPr>
       </a:lvl8pPr>
       <a:lvl9pPr marL="3886200" lvl="8" indent="-228600" algn="l" defTabSz="914400">
@@ -1331,14 +1337,14 @@
         <a:spcBef>
           <a:spcPts val="500"/>
         </a:spcBef>
-        <a:buFont typeface="Arial" panose="020B0604020202020204"/>
+        <a:buFont typeface="Arial" panose="020B0604020202090204"/>
         <a:buChar char="•"/>
         <a:defRPr sz="1800" kern="1200">
           <a:solidFill>
             <a:schemeClr val="tx1"/>
           </a:solidFill>
           <a:latin typeface="Calibri" panose="020F0502020204030204"/>
-          <a:ea typeface="宋体" panose="02010600030101010101" pitchFamily="2" charset="-122"/>
+          <a:ea typeface="宋体" pitchFamily="2" charset="-122"/>
         </a:defRPr>
       </a:lvl9pPr>
     </p:bodyStyle>
@@ -1349,7 +1355,7 @@
             <a:schemeClr val="tx1"/>
           </a:solidFill>
           <a:latin typeface="Calibri" panose="020F0502020204030204"/>
-          <a:ea typeface="宋体" panose="02010600030101010101" pitchFamily="2" charset="-122"/>
+          <a:ea typeface="宋体" pitchFamily="2" charset="-122"/>
         </a:defRPr>
       </a:lvl1pPr>
       <a:lvl2pPr marL="457200" lvl="1" algn="l" defTabSz="914400">
@@ -1358,7 +1364,7 @@
             <a:schemeClr val="tx1"/>
           </a:solidFill>
           <a:latin typeface="Calibri" panose="020F0502020204030204"/>
-          <a:ea typeface="宋体" panose="02010600030101010101" pitchFamily="2" charset="-122"/>
+          <a:ea typeface="宋体" pitchFamily="2" charset="-122"/>
         </a:defRPr>
       </a:lvl2pPr>
       <a:lvl3pPr marL="914400" lvl="2" algn="l" defTabSz="914400">
@@ -1367,7 +1373,7 @@
             <a:schemeClr val="tx1"/>
           </a:solidFill>
           <a:latin typeface="Calibri" panose="020F0502020204030204"/>
-          <a:ea typeface="宋体" panose="02010600030101010101" pitchFamily="2" charset="-122"/>
+          <a:ea typeface="宋体" pitchFamily="2" charset="-122"/>
         </a:defRPr>
       </a:lvl3pPr>
       <a:lvl4pPr marL="1371600" lvl="3" algn="l" defTabSz="914400">
@@ -1376,7 +1382,7 @@
             <a:schemeClr val="tx1"/>
           </a:solidFill>
           <a:latin typeface="Calibri" panose="020F0502020204030204"/>
-          <a:ea typeface="宋体" panose="02010600030101010101" pitchFamily="2" charset="-122"/>
+          <a:ea typeface="宋体" pitchFamily="2" charset="-122"/>
         </a:defRPr>
       </a:lvl4pPr>
       <a:lvl5pPr marL="1828800" lvl="4" algn="l" defTabSz="914400">
@@ -1385,7 +1391,7 @@
             <a:schemeClr val="tx1"/>
           </a:solidFill>
           <a:latin typeface="Calibri" panose="020F0502020204030204"/>
-          <a:ea typeface="宋体" panose="02010600030101010101" pitchFamily="2" charset="-122"/>
+          <a:ea typeface="宋体" pitchFamily="2" charset="-122"/>
         </a:defRPr>
       </a:lvl5pPr>
       <a:lvl6pPr marL="2286000" lvl="5" algn="l" defTabSz="914400">
@@ -1394,7 +1400,7 @@
             <a:schemeClr val="tx1"/>
           </a:solidFill>
           <a:latin typeface="Calibri" panose="020F0502020204030204"/>
-          <a:ea typeface="宋体" panose="02010600030101010101" pitchFamily="2" charset="-122"/>
+          <a:ea typeface="宋体" pitchFamily="2" charset="-122"/>
         </a:defRPr>
       </a:lvl6pPr>
       <a:lvl7pPr marL="2743200" lvl="6" algn="l" defTabSz="914400">
@@ -1403,7 +1409,7 @@
             <a:schemeClr val="tx1"/>
           </a:solidFill>
           <a:latin typeface="Calibri" panose="020F0502020204030204"/>
-          <a:ea typeface="宋体" panose="02010600030101010101" pitchFamily="2" charset="-122"/>
+          <a:ea typeface="宋体" pitchFamily="2" charset="-122"/>
         </a:defRPr>
       </a:lvl7pPr>
       <a:lvl8pPr marL="3200400" lvl="7" algn="l" defTabSz="914400">
@@ -1412,7 +1418,7 @@
             <a:schemeClr val="tx1"/>
           </a:solidFill>
           <a:latin typeface="Calibri" panose="020F0502020204030204"/>
-          <a:ea typeface="宋体" panose="02010600030101010101" pitchFamily="2" charset="-122"/>
+          <a:ea typeface="宋体" pitchFamily="2" charset="-122"/>
         </a:defRPr>
       </a:lvl8pPr>
       <a:lvl9pPr marL="3657600" lvl="8" algn="l" defTabSz="914400">
@@ -1421,7 +1427,7 @@
             <a:schemeClr val="tx1"/>
           </a:solidFill>
           <a:latin typeface="Calibri" panose="020F0502020204030204"/>
-          <a:ea typeface="宋体" panose="02010600030101010101" pitchFamily="2" charset="-122"/>
+          <a:ea typeface="宋体" pitchFamily="2" charset="-122"/>
         </a:defRPr>
       </a:lvl9pPr>
     </p:otherStyle>
@@ -1483,7 +1489,7 @@
               <a:rPr lang="en-US" altLang="zh-CN" sz="2400" dirty="0">
                 <a:latin typeface="Calibri" panose="020F0502020204030204"/>
               </a:rPr>
-              <a:t>Zhihan Ning</a:t>
+              <a:t>Shihao Hong</a:t>
             </a:r>
             <a:endParaRPr lang="zh-CN" sz="3600" dirty="0">
               <a:latin typeface="Calibri" panose="020F0502020204030204"/>
@@ -1518,20 +1524,14 @@
       </p:grpSpPr>
       <p:pic>
         <p:nvPicPr>
-          <p:cNvPr id="25" name="图片 24">
-            <a:extLst>
-              <a:ext uri="{FF2B5EF4-FFF2-40B4-BE49-F238E27FC236}">
-                <a16:creationId xmlns:a16="http://schemas.microsoft.com/office/drawing/2014/main" id="{D118DAF6-55A8-5AE8-974C-DF52A60F4760}"/>
-              </a:ext>
-            </a:extLst>
-          </p:cNvPr>
+          <p:cNvPr id="25" name="图片 24"/>
           <p:cNvPicPr>
             <a:picLocks noChangeAspect="1"/>
           </p:cNvPicPr>
           <p:nvPr/>
         </p:nvPicPr>
         <p:blipFill>
-          <a:blip r:embed="rId2"/>
+          <a:blip r:embed="rId1"/>
           <a:stretch>
             <a:fillRect/>
           </a:stretch>
@@ -1573,13 +1573,7 @@
       </p:sp>
       <p:sp>
         <p:nvSpPr>
-          <p:cNvPr id="2" name="文本框 1">
-            <a:extLst>
-              <a:ext uri="{FF2B5EF4-FFF2-40B4-BE49-F238E27FC236}">
-                <a16:creationId xmlns:a16="http://schemas.microsoft.com/office/drawing/2014/main" id="{033100C0-1433-7D72-A7D3-BB65F6A92211}"/>
-              </a:ext>
-            </a:extLst>
-          </p:cNvPr>
+          <p:cNvPr id="2" name="文本框 1"/>
           <p:cNvSpPr txBox="1"/>
           <p:nvPr/>
         </p:nvSpPr>
@@ -1611,8 +1605,8 @@
               </a:buClr>
             </a:pPr>
             <a:endParaRPr lang="en-US" altLang="zh-CN" dirty="0">
-              <a:latin typeface="Times New Roman" panose="02020603050405020304" pitchFamily="18" charset="0"/>
-              <a:cs typeface="Times New Roman" panose="02020603050405020304" pitchFamily="18" charset="0"/>
+              <a:latin typeface="Times New Roman" panose="02020503050405090304" pitchFamily="18" charset="0"/>
+              <a:cs typeface="Times New Roman" panose="02020503050405090304" pitchFamily="18" charset="0"/>
             </a:endParaRPr>
           </a:p>
           <a:p>
@@ -1628,8 +1622,8 @@
               </a:buClr>
             </a:pPr>
             <a:endParaRPr lang="en-US" altLang="zh-CN" dirty="0">
-              <a:latin typeface="Times New Roman" panose="02020603050405020304" pitchFamily="18" charset="0"/>
-              <a:cs typeface="Times New Roman" panose="02020603050405020304" pitchFamily="18" charset="0"/>
+              <a:latin typeface="Times New Roman" panose="02020503050405090304" pitchFamily="18" charset="0"/>
+              <a:cs typeface="Times New Roman" panose="02020503050405090304" pitchFamily="18" charset="0"/>
             </a:endParaRPr>
           </a:p>
           <a:p>
@@ -1645,8 +1639,8 @@
               </a:buClr>
             </a:pPr>
             <a:endParaRPr lang="en-US" altLang="zh-CN" dirty="0">
-              <a:latin typeface="Times New Roman" panose="02020603050405020304" pitchFamily="18" charset="0"/>
-              <a:cs typeface="Times New Roman" panose="02020603050405020304" pitchFamily="18" charset="0"/>
+              <a:latin typeface="Times New Roman" panose="02020503050405090304" pitchFamily="18" charset="0"/>
+              <a:cs typeface="Times New Roman" panose="02020503050405090304" pitchFamily="18" charset="0"/>
             </a:endParaRPr>
           </a:p>
           <a:p>
@@ -1664,8 +1658,8 @@
               <a:buChar char="u"/>
             </a:pPr>
             <a:endParaRPr lang="en-US" altLang="zh-CN" dirty="0">
-              <a:latin typeface="Times New Roman" panose="02020603050405020304" pitchFamily="18" charset="0"/>
-              <a:cs typeface="Times New Roman" panose="02020603050405020304" pitchFamily="18" charset="0"/>
+              <a:latin typeface="Times New Roman" panose="02020503050405090304" pitchFamily="18" charset="0"/>
+              <a:cs typeface="Times New Roman" panose="02020503050405090304" pitchFamily="18" charset="0"/>
             </a:endParaRPr>
           </a:p>
           <a:p>
@@ -1683,8 +1677,8 @@
               <a:buChar char="u"/>
             </a:pPr>
             <a:endParaRPr lang="en-US" altLang="zh-CN" dirty="0">
-              <a:latin typeface="Times New Roman" panose="02020603050405020304" pitchFamily="18" charset="0"/>
-              <a:cs typeface="Times New Roman" panose="02020603050405020304" pitchFamily="18" charset="0"/>
+              <a:latin typeface="Times New Roman" panose="02020503050405090304" pitchFamily="18" charset="0"/>
+              <a:cs typeface="Times New Roman" panose="02020503050405090304" pitchFamily="18" charset="0"/>
             </a:endParaRPr>
           </a:p>
           <a:p>
@@ -1702,8 +1696,8 @@
               <a:buChar char="u"/>
             </a:pPr>
             <a:endParaRPr lang="en-US" altLang="zh-CN" dirty="0">
-              <a:latin typeface="Times New Roman" panose="02020603050405020304" pitchFamily="18" charset="0"/>
-              <a:cs typeface="Times New Roman" panose="02020603050405020304" pitchFamily="18" charset="0"/>
+              <a:latin typeface="Times New Roman" panose="02020503050405090304" pitchFamily="18" charset="0"/>
+              <a:cs typeface="Times New Roman" panose="02020503050405090304" pitchFamily="18" charset="0"/>
             </a:endParaRPr>
           </a:p>
           <a:p>
@@ -1719,8 +1713,8 @@
               </a:buClr>
             </a:pPr>
             <a:endParaRPr lang="en-US" altLang="zh-CN" dirty="0">
-              <a:latin typeface="Times New Roman" panose="02020603050405020304" pitchFamily="18" charset="0"/>
-              <a:cs typeface="Times New Roman" panose="02020603050405020304" pitchFamily="18" charset="0"/>
+              <a:latin typeface="Times New Roman" panose="02020503050405090304" pitchFamily="18" charset="0"/>
+              <a:cs typeface="Times New Roman" panose="02020503050405090304" pitchFamily="18" charset="0"/>
             </a:endParaRPr>
           </a:p>
           <a:p>
@@ -1739,11 +1733,15 @@
             </a:pPr>
             <a:r>
               <a:rPr lang="en-US" altLang="zh-CN" dirty="0">
-                <a:latin typeface="Times New Roman" panose="02020603050405020304" pitchFamily="18" charset="0"/>
-                <a:cs typeface="Times New Roman" panose="02020603050405020304" pitchFamily="18" charset="0"/>
+                <a:latin typeface="Times New Roman" panose="02020503050405090304" pitchFamily="18" charset="0"/>
+                <a:cs typeface="Times New Roman" panose="02020503050405090304" pitchFamily="18" charset="0"/>
               </a:rPr>
               <a:t>Next, find your Client class.</a:t>
             </a:r>
+            <a:endParaRPr lang="en-US" altLang="zh-CN" dirty="0">
+              <a:latin typeface="Times New Roman" panose="02020503050405090304" pitchFamily="18" charset="0"/>
+              <a:cs typeface="Times New Roman" panose="02020503050405090304" pitchFamily="18" charset="0"/>
+            </a:endParaRPr>
           </a:p>
           <a:p>
             <a:pPr marL="285750" indent="-285750" algn="just">
@@ -1761,25 +1759,29 @@
             </a:pPr>
             <a:r>
               <a:rPr lang="en-US" altLang="zh-CN" dirty="0">
-                <a:latin typeface="Times New Roman" panose="02020603050405020304" pitchFamily="18" charset="0"/>
-                <a:cs typeface="Times New Roman" panose="02020603050405020304" pitchFamily="18" charset="0"/>
+                <a:latin typeface="Times New Roman" panose="02020503050405090304" pitchFamily="18" charset="0"/>
+                <a:cs typeface="Times New Roman" panose="02020503050405090304" pitchFamily="18" charset="0"/>
               </a:rPr>
               <a:t>Then click the green triangle button and click “Run ‘</a:t>
             </a:r>
             <a:r>
               <a:rPr lang="en-US" altLang="zh-CN" dirty="0" err="1">
-                <a:latin typeface="Times New Roman" panose="02020603050405020304" pitchFamily="18" charset="0"/>
-                <a:cs typeface="Times New Roman" panose="02020603050405020304" pitchFamily="18" charset="0"/>
+                <a:latin typeface="Times New Roman" panose="02020503050405090304" pitchFamily="18" charset="0"/>
+                <a:cs typeface="Times New Roman" panose="02020503050405090304" pitchFamily="18" charset="0"/>
               </a:rPr>
               <a:t>Client.main</a:t>
             </a:r>
             <a:r>
               <a:rPr lang="en-US" altLang="zh-CN" dirty="0">
-                <a:latin typeface="Times New Roman" panose="02020603050405020304" pitchFamily="18" charset="0"/>
-                <a:cs typeface="Times New Roman" panose="02020603050405020304" pitchFamily="18" charset="0"/>
+                <a:latin typeface="Times New Roman" panose="02020503050405090304" pitchFamily="18" charset="0"/>
+                <a:cs typeface="Times New Roman" panose="02020503050405090304" pitchFamily="18" charset="0"/>
               </a:rPr>
               <a:t>()’”.</a:t>
             </a:r>
+            <a:endParaRPr lang="en-US" altLang="zh-CN" dirty="0">
+              <a:latin typeface="Times New Roman" panose="02020503050405090304" pitchFamily="18" charset="0"/>
+              <a:cs typeface="Times New Roman" panose="02020503050405090304" pitchFamily="18" charset="0"/>
+            </a:endParaRPr>
           </a:p>
           <a:p>
             <a:pPr marL="285750" indent="-285750" algn="just">
@@ -1797,23 +1799,21 @@
             </a:pPr>
             <a:r>
               <a:rPr lang="en-US" altLang="zh-CN" dirty="0">
-                <a:latin typeface="Times New Roman" panose="02020603050405020304" pitchFamily="18" charset="0"/>
-                <a:cs typeface="Times New Roman" panose="02020603050405020304" pitchFamily="18" charset="0"/>
+                <a:latin typeface="Times New Roman" panose="02020503050405090304" pitchFamily="18" charset="0"/>
+                <a:cs typeface="Times New Roman" panose="02020503050405090304" pitchFamily="18" charset="0"/>
               </a:rPr>
               <a:t>Note that one click creates one Client instance.</a:t>
             </a:r>
+            <a:endParaRPr lang="en-US" altLang="zh-CN" dirty="0">
+              <a:latin typeface="Times New Roman" panose="02020503050405090304" pitchFamily="18" charset="0"/>
+              <a:cs typeface="Times New Roman" panose="02020503050405090304" pitchFamily="18" charset="0"/>
+            </a:endParaRPr>
           </a:p>
         </p:txBody>
       </p:sp>
       <p:sp>
         <p:nvSpPr>
-          <p:cNvPr id="5" name="Rectangle 3">
-            <a:extLst>
-              <a:ext uri="{FF2B5EF4-FFF2-40B4-BE49-F238E27FC236}">
-                <a16:creationId xmlns:a16="http://schemas.microsoft.com/office/drawing/2014/main" id="{08E24C01-847A-1004-1FD3-C6322E2FE4AE}"/>
-              </a:ext>
-            </a:extLst>
-          </p:cNvPr>
+          <p:cNvPr id="5" name="Rectangle 3"/>
           <p:cNvSpPr>
             <a:spLocks noChangeArrowheads="1"/>
           </p:cNvSpPr>
@@ -1858,9 +1858,6 @@
         </p:spPr>
         <p:txBody>
           <a:bodyPr vert="horz" wrap="none" lIns="91440" tIns="45720" rIns="91440" bIns="45720" numCol="1" anchor="ctr" anchorCtr="0" compatLnSpc="1">
-            <a:prstTxWarp prst="textNoShape">
-              <a:avLst/>
-            </a:prstTxWarp>
             <a:spAutoFit/>
           </a:bodyPr>
           <a:lstStyle/>
@@ -1879,7 +1876,6 @@
               <a:buSzTx/>
               <a:buFontTx/>
               <a:buNone/>
-              <a:tabLst/>
             </a:pPr>
             <a:endParaRPr kumimoji="0" lang="zh-CN" altLang="zh-CN" sz="1800" b="0" i="0" u="none" strike="noStrike" cap="none" normalizeH="0" baseline="0" dirty="0">
               <a:ln>
@@ -1889,27 +1885,21 @@
                 <a:schemeClr val="tx1"/>
               </a:solidFill>
               <a:effectLst/>
-              <a:latin typeface="Arial" panose="020B0604020202020204" pitchFamily="34" charset="0"/>
+              <a:latin typeface="Arial" panose="020B0604020202090204" pitchFamily="34" charset="0"/>
             </a:endParaRPr>
           </a:p>
         </p:txBody>
       </p:sp>
       <p:pic>
         <p:nvPicPr>
-          <p:cNvPr id="15" name="图片 14">
-            <a:extLst>
-              <a:ext uri="{FF2B5EF4-FFF2-40B4-BE49-F238E27FC236}">
-                <a16:creationId xmlns:a16="http://schemas.microsoft.com/office/drawing/2014/main" id="{9E18FFB8-3271-9225-6692-E0C3E63E75E3}"/>
-              </a:ext>
-            </a:extLst>
-          </p:cNvPr>
+          <p:cNvPr id="15" name="图片 14"/>
           <p:cNvPicPr>
             <a:picLocks noChangeAspect="1"/>
           </p:cNvPicPr>
           <p:nvPr/>
         </p:nvPicPr>
         <p:blipFill>
-          <a:blip r:embed="rId3"/>
+          <a:blip r:embed="rId2"/>
           <a:stretch>
             <a:fillRect/>
           </a:stretch>
@@ -1926,20 +1916,14 @@
       </p:pic>
       <p:pic>
         <p:nvPicPr>
-          <p:cNvPr id="17" name="图片 16">
-            <a:extLst>
-              <a:ext uri="{FF2B5EF4-FFF2-40B4-BE49-F238E27FC236}">
-                <a16:creationId xmlns:a16="http://schemas.microsoft.com/office/drawing/2014/main" id="{A9D4D730-1C4A-74E6-297E-B7BEAF1B84CC}"/>
-              </a:ext>
-            </a:extLst>
-          </p:cNvPr>
+          <p:cNvPr id="17" name="图片 16"/>
           <p:cNvPicPr>
             <a:picLocks noChangeAspect="1"/>
           </p:cNvPicPr>
           <p:nvPr/>
         </p:nvPicPr>
         <p:blipFill>
-          <a:blip r:embed="rId4"/>
+          <a:blip r:embed="rId3"/>
           <a:stretch>
             <a:fillRect/>
           </a:stretch>
@@ -1956,13 +1940,7 @@
       </p:pic>
       <p:sp>
         <p:nvSpPr>
-          <p:cNvPr id="19" name="文本框 18">
-            <a:extLst>
-              <a:ext uri="{FF2B5EF4-FFF2-40B4-BE49-F238E27FC236}">
-                <a16:creationId xmlns:a16="http://schemas.microsoft.com/office/drawing/2014/main" id="{2429C556-D213-3D07-BC22-E5EA00E39767}"/>
-              </a:ext>
-            </a:extLst>
-          </p:cNvPr>
+          <p:cNvPr id="19" name="文本框 18"/>
           <p:cNvSpPr txBox="1"/>
           <p:nvPr/>
         </p:nvSpPr>
@@ -2000,7 +1978,7 @@
                 </a:solidFill>
                 <a:latin typeface="Segoe UI Symbol" panose="020B0502040204020203" pitchFamily="34" charset="0"/>
                 <a:ea typeface="Segoe UI Symbol" panose="020B0502040204020203" pitchFamily="34" charset="0"/>
-                <a:cs typeface="Times New Roman" panose="02020603050405020304" pitchFamily="18" charset="0"/>
+                <a:cs typeface="Times New Roman" panose="02020503050405090304" pitchFamily="18" charset="0"/>
               </a:rPr>
               <a:t>⓵</a:t>
             </a:r>
@@ -2008,21 +1986,15 @@
               <a:solidFill>
                 <a:srgbClr val="FF0000"/>
               </a:solidFill>
-              <a:latin typeface="Times New Roman" panose="02020603050405020304" pitchFamily="18" charset="0"/>
-              <a:cs typeface="Times New Roman" panose="02020603050405020304" pitchFamily="18" charset="0"/>
+              <a:latin typeface="Times New Roman" panose="02020503050405090304" pitchFamily="18" charset="0"/>
+              <a:cs typeface="Times New Roman" panose="02020503050405090304" pitchFamily="18" charset="0"/>
             </a:endParaRPr>
           </a:p>
         </p:txBody>
       </p:sp>
       <p:sp>
         <p:nvSpPr>
-          <p:cNvPr id="20" name="文本框 19">
-            <a:extLst>
-              <a:ext uri="{FF2B5EF4-FFF2-40B4-BE49-F238E27FC236}">
-                <a16:creationId xmlns:a16="http://schemas.microsoft.com/office/drawing/2014/main" id="{EBD5139C-4212-E522-42EE-747608D709C4}"/>
-              </a:ext>
-            </a:extLst>
-          </p:cNvPr>
+          <p:cNvPr id="20" name="文本框 19"/>
           <p:cNvSpPr txBox="1"/>
           <p:nvPr/>
         </p:nvSpPr>
@@ -2060,7 +2032,7 @@
                 </a:solidFill>
                 <a:latin typeface="Segoe UI Symbol" panose="020B0502040204020203" pitchFamily="34" charset="0"/>
                 <a:ea typeface="Segoe UI Symbol" panose="020B0502040204020203" pitchFamily="34" charset="0"/>
-                <a:cs typeface="Times New Roman" panose="02020603050405020304" pitchFamily="18" charset="0"/>
+                <a:cs typeface="Times New Roman" panose="02020503050405090304" pitchFamily="18" charset="0"/>
               </a:rPr>
               <a:t>⓶</a:t>
             </a:r>
@@ -2068,21 +2040,15 @@
               <a:solidFill>
                 <a:srgbClr val="FF0000"/>
               </a:solidFill>
-              <a:latin typeface="Times New Roman" panose="02020603050405020304" pitchFamily="18" charset="0"/>
-              <a:cs typeface="Times New Roman" panose="02020603050405020304" pitchFamily="18" charset="0"/>
+              <a:latin typeface="Times New Roman" panose="02020503050405090304" pitchFamily="18" charset="0"/>
+              <a:cs typeface="Times New Roman" panose="02020503050405090304" pitchFamily="18" charset="0"/>
             </a:endParaRPr>
           </a:p>
         </p:txBody>
       </p:sp>
       <p:sp>
         <p:nvSpPr>
-          <p:cNvPr id="21" name="文本框 20">
-            <a:extLst>
-              <a:ext uri="{FF2B5EF4-FFF2-40B4-BE49-F238E27FC236}">
-                <a16:creationId xmlns:a16="http://schemas.microsoft.com/office/drawing/2014/main" id="{4FA44D27-2A9D-AD4C-EA37-BEB07CB37DF8}"/>
-              </a:ext>
-            </a:extLst>
-          </p:cNvPr>
+          <p:cNvPr id="21" name="文本框 20"/>
           <p:cNvSpPr txBox="1"/>
           <p:nvPr/>
         </p:nvSpPr>
@@ -2120,7 +2086,7 @@
                 </a:solidFill>
                 <a:latin typeface="Segoe UI Symbol" panose="020B0502040204020203" pitchFamily="34" charset="0"/>
                 <a:ea typeface="Segoe UI Symbol" panose="020B0502040204020203" pitchFamily="34" charset="0"/>
-                <a:cs typeface="Times New Roman" panose="02020603050405020304" pitchFamily="18" charset="0"/>
+                <a:cs typeface="Times New Roman" panose="02020503050405090304" pitchFamily="18" charset="0"/>
               </a:rPr>
               <a:t>⓷</a:t>
             </a:r>
@@ -2128,21 +2094,15 @@
               <a:solidFill>
                 <a:srgbClr val="FF0000"/>
               </a:solidFill>
-              <a:latin typeface="Times New Roman" panose="02020603050405020304" pitchFamily="18" charset="0"/>
-              <a:cs typeface="Times New Roman" panose="02020603050405020304" pitchFamily="18" charset="0"/>
+              <a:latin typeface="Times New Roman" panose="02020503050405090304" pitchFamily="18" charset="0"/>
+              <a:cs typeface="Times New Roman" panose="02020503050405090304" pitchFamily="18" charset="0"/>
             </a:endParaRPr>
           </a:p>
         </p:txBody>
       </p:sp>
       <p:sp>
         <p:nvSpPr>
-          <p:cNvPr id="22" name="文本框 21">
-            <a:extLst>
-              <a:ext uri="{FF2B5EF4-FFF2-40B4-BE49-F238E27FC236}">
-                <a16:creationId xmlns:a16="http://schemas.microsoft.com/office/drawing/2014/main" id="{C8AB11F0-FEBF-BF1D-E674-224D2151C170}"/>
-              </a:ext>
-            </a:extLst>
-          </p:cNvPr>
+          <p:cNvPr id="22" name="文本框 21"/>
           <p:cNvSpPr txBox="1"/>
           <p:nvPr/>
         </p:nvSpPr>
@@ -2179,21 +2139,15 @@
               </a:buClr>
             </a:pPr>
             <a:endParaRPr lang="zh-CN" altLang="en-US" dirty="0">
-              <a:latin typeface="Times New Roman" panose="02020603050405020304" pitchFamily="18" charset="0"/>
-              <a:cs typeface="Times New Roman" panose="02020603050405020304" pitchFamily="18" charset="0"/>
+              <a:latin typeface="Times New Roman" panose="02020503050405090304" pitchFamily="18" charset="0"/>
+              <a:cs typeface="Times New Roman" panose="02020503050405090304" pitchFamily="18" charset="0"/>
             </a:endParaRPr>
           </a:p>
         </p:txBody>
       </p:sp>
       <p:sp>
         <p:nvSpPr>
-          <p:cNvPr id="23" name="文本框 22">
-            <a:extLst>
-              <a:ext uri="{FF2B5EF4-FFF2-40B4-BE49-F238E27FC236}">
-                <a16:creationId xmlns:a16="http://schemas.microsoft.com/office/drawing/2014/main" id="{81BFDD5A-2920-6A87-F4F9-7DBFE74A0086}"/>
-              </a:ext>
-            </a:extLst>
-          </p:cNvPr>
+          <p:cNvPr id="23" name="文本框 22"/>
           <p:cNvSpPr txBox="1"/>
           <p:nvPr/>
         </p:nvSpPr>
@@ -2230,21 +2184,15 @@
               </a:buClr>
             </a:pPr>
             <a:endParaRPr lang="zh-CN" altLang="en-US" dirty="0">
-              <a:latin typeface="Times New Roman" panose="02020603050405020304" pitchFamily="18" charset="0"/>
-              <a:cs typeface="Times New Roman" panose="02020603050405020304" pitchFamily="18" charset="0"/>
+              <a:latin typeface="Times New Roman" panose="02020503050405090304" pitchFamily="18" charset="0"/>
+              <a:cs typeface="Times New Roman" panose="02020503050405090304" pitchFamily="18" charset="0"/>
             </a:endParaRPr>
           </a:p>
         </p:txBody>
       </p:sp>
       <p:sp>
         <p:nvSpPr>
-          <p:cNvPr id="24" name="文本框 23">
-            <a:extLst>
-              <a:ext uri="{FF2B5EF4-FFF2-40B4-BE49-F238E27FC236}">
-                <a16:creationId xmlns:a16="http://schemas.microsoft.com/office/drawing/2014/main" id="{6B923B1F-D079-EE04-9CA7-A73BD7B2E2C9}"/>
-              </a:ext>
-            </a:extLst>
-          </p:cNvPr>
+          <p:cNvPr id="24" name="文本框 23"/>
           <p:cNvSpPr txBox="1"/>
           <p:nvPr/>
         </p:nvSpPr>
@@ -2281,18 +2229,13 @@
               </a:buClr>
             </a:pPr>
             <a:endParaRPr lang="zh-CN" altLang="en-US" dirty="0">
-              <a:latin typeface="Times New Roman" panose="02020603050405020304" pitchFamily="18" charset="0"/>
-              <a:cs typeface="Times New Roman" panose="02020603050405020304" pitchFamily="18" charset="0"/>
+              <a:latin typeface="Times New Roman" panose="02020503050405090304" pitchFamily="18" charset="0"/>
+              <a:cs typeface="Times New Roman" panose="02020503050405090304" pitchFamily="18" charset="0"/>
             </a:endParaRPr>
           </a:p>
         </p:txBody>
       </p:sp>
     </p:spTree>
-    <p:extLst>
-      <p:ext uri="{BB962C8B-B14F-4D97-AF65-F5344CB8AC3E}">
-        <p14:creationId xmlns:p14="http://schemas.microsoft.com/office/powerpoint/2010/main" val="3675493747"/>
-      </p:ext>
-    </p:extLst>
   </p:cSld>
   <p:clrMapOvr>
     <a:masterClrMapping/>
@@ -3028,7 +2971,7 @@
           <p:nvPr/>
         </p:nvPicPr>
         <p:blipFill>
-          <a:blip r:embed="rId2"/>
+          <a:blip r:embed="rId1"/>
           <a:stretch>
             <a:fillRect/>
           </a:stretch>
@@ -3081,6 +3024,7 @@
               <a:rPr lang="en-US" sz="4800"/>
               <a:t>OU</a:t>
             </a:r>
+            <a:endParaRPr lang="en-US" sz="4800"/>
           </a:p>
         </p:txBody>
       </p:sp>
@@ -3136,13 +3080,7 @@
       </p:sp>
       <p:sp>
         <p:nvSpPr>
-          <p:cNvPr id="2" name="文本框 1">
-            <a:extLst>
-              <a:ext uri="{FF2B5EF4-FFF2-40B4-BE49-F238E27FC236}">
-                <a16:creationId xmlns:a16="http://schemas.microsoft.com/office/drawing/2014/main" id="{7DDCA41E-BE7D-C986-FFEE-C905CC8EFF32}"/>
-              </a:ext>
-            </a:extLst>
-          </p:cNvPr>
+          <p:cNvPr id="2" name="文本框 1"/>
           <p:cNvSpPr txBox="1"/>
           <p:nvPr/>
         </p:nvSpPr>
@@ -3177,12 +3115,17 @@
             </a:pPr>
             <a:r>
               <a:rPr lang="en-US" altLang="zh-CN" sz="2000" dirty="0">
-                <a:latin typeface="Times New Roman" panose="02020603050405020304" pitchFamily="18" charset="0"/>
+                <a:latin typeface="Times New Roman" panose="02020503050405090304" pitchFamily="18" charset="0"/>
                 <a:ea typeface="Tahoma" panose="020B0604030504040204" pitchFamily="34" charset="0"/>
-                <a:cs typeface="Times New Roman" panose="02020603050405020304" pitchFamily="18" charset="0"/>
+                <a:cs typeface="Times New Roman" panose="02020503050405090304" pitchFamily="18" charset="0"/>
               </a:rPr>
               <a:t>Java Socket programming is used for communication between the applications running on different Java Runtime Environment (JRE).</a:t>
             </a:r>
+            <a:endParaRPr lang="en-US" altLang="zh-CN" sz="2000" dirty="0">
+              <a:latin typeface="Times New Roman" panose="02020503050405090304" pitchFamily="18" charset="0"/>
+              <a:ea typeface="Tahoma" panose="020B0604030504040204" pitchFamily="34" charset="0"/>
+              <a:cs typeface="Times New Roman" panose="02020503050405090304" pitchFamily="18" charset="0"/>
+            </a:endParaRPr>
           </a:p>
           <a:p>
             <a:pPr marL="742950" lvl="1" indent="-285750" algn="just">
@@ -3200,11 +3143,15 @@
             </a:pPr>
             <a:r>
               <a:rPr lang="en-US" altLang="zh-CN" dirty="0">
-                <a:latin typeface="Times New Roman" panose="02020603050405020304" pitchFamily="18" charset="0"/>
-                <a:cs typeface="Times New Roman" panose="02020603050405020304" pitchFamily="18" charset="0"/>
+                <a:latin typeface="Times New Roman" panose="02020503050405090304" pitchFamily="18" charset="0"/>
+                <a:cs typeface="Times New Roman" panose="02020503050405090304" pitchFamily="18" charset="0"/>
               </a:rPr>
               <a:t>JRE is a software layer that runs on top of a computer’s operating system software and provides the class libraries and other resources that a specific Java program needs to run.</a:t>
             </a:r>
+            <a:endParaRPr lang="en-US" altLang="zh-CN" dirty="0">
+              <a:latin typeface="Times New Roman" panose="02020503050405090304" pitchFamily="18" charset="0"/>
+              <a:cs typeface="Times New Roman" panose="02020503050405090304" pitchFamily="18" charset="0"/>
+            </a:endParaRPr>
           </a:p>
           <a:p>
             <a:pPr marL="285750" indent="-285750" algn="just">
@@ -3222,11 +3169,15 @@
             </a:pPr>
             <a:r>
               <a:rPr lang="en-US" altLang="zh-CN" sz="2000" dirty="0">
-                <a:latin typeface="Times New Roman" panose="02020603050405020304" pitchFamily="18" charset="0"/>
-                <a:cs typeface="Times New Roman" panose="02020603050405020304" pitchFamily="18" charset="0"/>
+                <a:latin typeface="Times New Roman" panose="02020503050405090304" pitchFamily="18" charset="0"/>
+                <a:cs typeface="Times New Roman" panose="02020503050405090304" pitchFamily="18" charset="0"/>
               </a:rPr>
               <a:t>Java Socket programming can be connection-oriented or connection-less.</a:t>
             </a:r>
+            <a:endParaRPr lang="en-US" altLang="zh-CN" sz="2000" dirty="0">
+              <a:latin typeface="Times New Roman" panose="02020503050405090304" pitchFamily="18" charset="0"/>
+              <a:cs typeface="Times New Roman" panose="02020503050405090304" pitchFamily="18" charset="0"/>
+            </a:endParaRPr>
           </a:p>
           <a:p>
             <a:pPr marL="285750" indent="-285750" algn="just">
@@ -3244,60 +3195,64 @@
             </a:pPr>
             <a:r>
               <a:rPr lang="en-US" altLang="zh-CN" sz="2000" b="1" dirty="0">
-                <a:latin typeface="Times New Roman" panose="02020603050405020304" pitchFamily="18" charset="0"/>
-                <a:cs typeface="Times New Roman" panose="02020603050405020304" pitchFamily="18" charset="0"/>
+                <a:latin typeface="Times New Roman" panose="02020503050405090304" pitchFamily="18" charset="0"/>
+                <a:cs typeface="Times New Roman" panose="02020503050405090304" pitchFamily="18" charset="0"/>
               </a:rPr>
               <a:t>Socket</a:t>
             </a:r>
             <a:r>
               <a:rPr lang="en-US" altLang="zh-CN" sz="2000" dirty="0">
-                <a:latin typeface="Times New Roman" panose="02020603050405020304" pitchFamily="18" charset="0"/>
-                <a:cs typeface="Times New Roman" panose="02020603050405020304" pitchFamily="18" charset="0"/>
+                <a:latin typeface="Times New Roman" panose="02020503050405090304" pitchFamily="18" charset="0"/>
+                <a:cs typeface="Times New Roman" panose="02020503050405090304" pitchFamily="18" charset="0"/>
               </a:rPr>
               <a:t> and </a:t>
             </a:r>
             <a:r>
               <a:rPr lang="en-US" altLang="zh-CN" sz="2000" b="1" dirty="0" err="1">
-                <a:latin typeface="Times New Roman" panose="02020603050405020304" pitchFamily="18" charset="0"/>
-                <a:cs typeface="Times New Roman" panose="02020603050405020304" pitchFamily="18" charset="0"/>
+                <a:latin typeface="Times New Roman" panose="02020503050405090304" pitchFamily="18" charset="0"/>
+                <a:cs typeface="Times New Roman" panose="02020503050405090304" pitchFamily="18" charset="0"/>
               </a:rPr>
               <a:t>ServerSocket</a:t>
             </a:r>
             <a:r>
               <a:rPr lang="en-US" altLang="zh-CN" sz="2000" dirty="0">
-                <a:latin typeface="Times New Roman" panose="02020603050405020304" pitchFamily="18" charset="0"/>
-                <a:cs typeface="Times New Roman" panose="02020603050405020304" pitchFamily="18" charset="0"/>
+                <a:latin typeface="Times New Roman" panose="02020503050405090304" pitchFamily="18" charset="0"/>
+                <a:cs typeface="Times New Roman" panose="02020503050405090304" pitchFamily="18" charset="0"/>
               </a:rPr>
               <a:t> classes are used for connection-oriented socket programming and </a:t>
             </a:r>
             <a:r>
               <a:rPr lang="en-US" altLang="zh-CN" sz="2000" dirty="0" err="1">
-                <a:latin typeface="Times New Roman" panose="02020603050405020304" pitchFamily="18" charset="0"/>
-                <a:cs typeface="Times New Roman" panose="02020603050405020304" pitchFamily="18" charset="0"/>
+                <a:latin typeface="Times New Roman" panose="02020503050405090304" pitchFamily="18" charset="0"/>
+                <a:cs typeface="Times New Roman" panose="02020503050405090304" pitchFamily="18" charset="0"/>
               </a:rPr>
               <a:t>DatagramSocket</a:t>
             </a:r>
             <a:r>
               <a:rPr lang="en-US" altLang="zh-CN" sz="2000" dirty="0">
-                <a:latin typeface="Times New Roman" panose="02020603050405020304" pitchFamily="18" charset="0"/>
-                <a:cs typeface="Times New Roman" panose="02020603050405020304" pitchFamily="18" charset="0"/>
+                <a:latin typeface="Times New Roman" panose="02020503050405090304" pitchFamily="18" charset="0"/>
+                <a:cs typeface="Times New Roman" panose="02020503050405090304" pitchFamily="18" charset="0"/>
               </a:rPr>
               <a:t> and </a:t>
             </a:r>
             <a:r>
               <a:rPr lang="en-US" altLang="zh-CN" sz="2000" dirty="0" err="1">
-                <a:latin typeface="Times New Roman" panose="02020603050405020304" pitchFamily="18" charset="0"/>
-                <a:cs typeface="Times New Roman" panose="02020603050405020304" pitchFamily="18" charset="0"/>
+                <a:latin typeface="Times New Roman" panose="02020503050405090304" pitchFamily="18" charset="0"/>
+                <a:cs typeface="Times New Roman" panose="02020503050405090304" pitchFamily="18" charset="0"/>
               </a:rPr>
               <a:t>DatagramPacket</a:t>
             </a:r>
             <a:r>
               <a:rPr lang="en-US" altLang="zh-CN" sz="2000" dirty="0">
-                <a:latin typeface="Times New Roman" panose="02020603050405020304" pitchFamily="18" charset="0"/>
-                <a:cs typeface="Times New Roman" panose="02020603050405020304" pitchFamily="18" charset="0"/>
+                <a:latin typeface="Times New Roman" panose="02020503050405090304" pitchFamily="18" charset="0"/>
+                <a:cs typeface="Times New Roman" panose="02020503050405090304" pitchFamily="18" charset="0"/>
               </a:rPr>
               <a:t> classes are used for connection-less socket programming.</a:t>
             </a:r>
+            <a:endParaRPr lang="en-US" altLang="zh-CN" sz="2000" dirty="0">
+              <a:latin typeface="Times New Roman" panose="02020503050405090304" pitchFamily="18" charset="0"/>
+              <a:cs typeface="Times New Roman" panose="02020503050405090304" pitchFamily="18" charset="0"/>
+            </a:endParaRPr>
           </a:p>
           <a:p>
             <a:pPr marL="742950" lvl="1" indent="-285750" algn="just">
@@ -3315,25 +3270,29 @@
             </a:pPr>
             <a:r>
               <a:rPr lang="en-US" altLang="zh-CN" b="1" dirty="0">
-                <a:latin typeface="Times New Roman" panose="02020603050405020304" pitchFamily="18" charset="0"/>
-                <a:cs typeface="Times New Roman" panose="02020603050405020304" pitchFamily="18" charset="0"/>
+                <a:latin typeface="Times New Roman" panose="02020503050405090304" pitchFamily="18" charset="0"/>
+                <a:cs typeface="Times New Roman" panose="02020503050405090304" pitchFamily="18" charset="0"/>
               </a:rPr>
               <a:t>Socket and </a:t>
             </a:r>
             <a:r>
               <a:rPr lang="en-US" altLang="zh-CN" b="1" dirty="0" err="1">
-                <a:latin typeface="Times New Roman" panose="02020603050405020304" pitchFamily="18" charset="0"/>
-                <a:cs typeface="Times New Roman" panose="02020603050405020304" pitchFamily="18" charset="0"/>
+                <a:latin typeface="Times New Roman" panose="02020503050405090304" pitchFamily="18" charset="0"/>
+                <a:cs typeface="Times New Roman" panose="02020503050405090304" pitchFamily="18" charset="0"/>
               </a:rPr>
               <a:t>ServerSocket</a:t>
             </a:r>
             <a:r>
               <a:rPr lang="en-US" altLang="zh-CN" b="1" dirty="0">
-                <a:latin typeface="Times New Roman" panose="02020603050405020304" pitchFamily="18" charset="0"/>
-                <a:cs typeface="Times New Roman" panose="02020603050405020304" pitchFamily="18" charset="0"/>
+                <a:latin typeface="Times New Roman" panose="02020503050405090304" pitchFamily="18" charset="0"/>
+                <a:cs typeface="Times New Roman" panose="02020503050405090304" pitchFamily="18" charset="0"/>
               </a:rPr>
               <a:t> may be important for our Project #1.</a:t>
             </a:r>
+            <a:endParaRPr lang="en-US" altLang="zh-CN" b="1" dirty="0">
+              <a:latin typeface="Times New Roman" panose="02020503050405090304" pitchFamily="18" charset="0"/>
+              <a:cs typeface="Times New Roman" panose="02020503050405090304" pitchFamily="18" charset="0"/>
+            </a:endParaRPr>
           </a:p>
           <a:p>
             <a:pPr marL="285750" indent="-285750" algn="just">
@@ -3351,11 +3310,15 @@
             </a:pPr>
             <a:r>
               <a:rPr lang="en-US" altLang="zh-CN" sz="2000" dirty="0">
-                <a:latin typeface="Times New Roman" panose="02020603050405020304" pitchFamily="18" charset="0"/>
-                <a:cs typeface="Times New Roman" panose="02020603050405020304" pitchFamily="18" charset="0"/>
+                <a:latin typeface="Times New Roman" panose="02020503050405090304" pitchFamily="18" charset="0"/>
+                <a:cs typeface="Times New Roman" panose="02020503050405090304" pitchFamily="18" charset="0"/>
               </a:rPr>
               <a:t>The client in socket programming must know two information:</a:t>
             </a:r>
+            <a:endParaRPr lang="en-US" altLang="zh-CN" sz="2000" dirty="0">
+              <a:latin typeface="Times New Roman" panose="02020503050405090304" pitchFamily="18" charset="0"/>
+              <a:cs typeface="Times New Roman" panose="02020503050405090304" pitchFamily="18" charset="0"/>
+            </a:endParaRPr>
           </a:p>
           <a:p>
             <a:pPr marL="742950" lvl="1" indent="-285750" algn="just">
@@ -3373,18 +3336,22 @@
             </a:pPr>
             <a:r>
               <a:rPr lang="en-US" altLang="zh-CN" b="1" dirty="0">
-                <a:latin typeface="Times New Roman" panose="02020603050405020304" pitchFamily="18" charset="0"/>
-                <a:cs typeface="Times New Roman" panose="02020603050405020304" pitchFamily="18" charset="0"/>
+                <a:latin typeface="Times New Roman" panose="02020503050405090304" pitchFamily="18" charset="0"/>
+                <a:cs typeface="Times New Roman" panose="02020503050405090304" pitchFamily="18" charset="0"/>
               </a:rPr>
               <a:t>IP Address</a:t>
             </a:r>
             <a:r>
               <a:rPr lang="en-US" altLang="zh-CN" dirty="0">
-                <a:latin typeface="Times New Roman" panose="02020603050405020304" pitchFamily="18" charset="0"/>
-                <a:cs typeface="Times New Roman" panose="02020603050405020304" pitchFamily="18" charset="0"/>
+                <a:latin typeface="Times New Roman" panose="02020503050405090304" pitchFamily="18" charset="0"/>
+                <a:cs typeface="Times New Roman" panose="02020503050405090304" pitchFamily="18" charset="0"/>
               </a:rPr>
               <a:t> of Server.</a:t>
             </a:r>
+            <a:endParaRPr lang="en-US" altLang="zh-CN" dirty="0">
+              <a:latin typeface="Times New Roman" panose="02020503050405090304" pitchFamily="18" charset="0"/>
+              <a:cs typeface="Times New Roman" panose="02020503050405090304" pitchFamily="18" charset="0"/>
+            </a:endParaRPr>
           </a:p>
           <a:p>
             <a:pPr marL="742950" lvl="1" indent="-285750" algn="just">
@@ -3402,31 +3369,26 @@
             </a:pPr>
             <a:r>
               <a:rPr lang="en-US" altLang="zh-CN" b="1" dirty="0">
-                <a:latin typeface="Times New Roman" panose="02020603050405020304" pitchFamily="18" charset="0"/>
-                <a:cs typeface="Times New Roman" panose="02020603050405020304" pitchFamily="18" charset="0"/>
+                <a:latin typeface="Times New Roman" panose="02020503050405090304" pitchFamily="18" charset="0"/>
+                <a:cs typeface="Times New Roman" panose="02020503050405090304" pitchFamily="18" charset="0"/>
               </a:rPr>
               <a:t>Port number</a:t>
             </a:r>
             <a:r>
               <a:rPr lang="en-US" altLang="zh-CN" dirty="0">
-                <a:latin typeface="Times New Roman" panose="02020603050405020304" pitchFamily="18" charset="0"/>
-                <a:cs typeface="Times New Roman" panose="02020603050405020304" pitchFamily="18" charset="0"/>
+                <a:latin typeface="Times New Roman" panose="02020503050405090304" pitchFamily="18" charset="0"/>
+                <a:cs typeface="Times New Roman" panose="02020503050405090304" pitchFamily="18" charset="0"/>
               </a:rPr>
               <a:t>.</a:t>
             </a:r>
             <a:endParaRPr lang="zh-CN" altLang="en-US" dirty="0">
-              <a:latin typeface="Times New Roman" panose="02020603050405020304" pitchFamily="18" charset="0"/>
-              <a:cs typeface="Times New Roman" panose="02020603050405020304" pitchFamily="18" charset="0"/>
+              <a:latin typeface="Times New Roman" panose="02020503050405090304" pitchFamily="18" charset="0"/>
+              <a:cs typeface="Times New Roman" panose="02020503050405090304" pitchFamily="18" charset="0"/>
             </a:endParaRPr>
           </a:p>
         </p:txBody>
       </p:sp>
     </p:spTree>
-    <p:extLst>
-      <p:ext uri="{BB962C8B-B14F-4D97-AF65-F5344CB8AC3E}">
-        <p14:creationId xmlns:p14="http://schemas.microsoft.com/office/powerpoint/2010/main" val="2776878083"/>
-      </p:ext>
-    </p:extLst>
   </p:cSld>
   <p:clrMapOvr>
     <a:masterClrMapping/>
@@ -3978,13 +3940,7 @@
       </p:sp>
       <p:sp>
         <p:nvSpPr>
-          <p:cNvPr id="2" name="文本框 1">
-            <a:extLst>
-              <a:ext uri="{FF2B5EF4-FFF2-40B4-BE49-F238E27FC236}">
-                <a16:creationId xmlns:a16="http://schemas.microsoft.com/office/drawing/2014/main" id="{7DDCA41E-BE7D-C986-FFEE-C905CC8EFF32}"/>
-              </a:ext>
-            </a:extLst>
-          </p:cNvPr>
+          <p:cNvPr id="2" name="文本框 1"/>
           <p:cNvSpPr txBox="1"/>
           <p:nvPr/>
         </p:nvSpPr>
@@ -4019,12 +3975,17 @@
             </a:pPr>
             <a:r>
               <a:rPr lang="en-US" altLang="zh-CN" sz="2000" dirty="0">
-                <a:latin typeface="Times New Roman" panose="02020603050405020304" pitchFamily="18" charset="0"/>
+                <a:latin typeface="Times New Roman" panose="02020503050405090304" pitchFamily="18" charset="0"/>
                 <a:ea typeface="Tahoma" panose="020B0604030504040204" pitchFamily="34" charset="0"/>
-                <a:cs typeface="Times New Roman" panose="02020603050405020304" pitchFamily="18" charset="0"/>
+                <a:cs typeface="Times New Roman" panose="02020503050405090304" pitchFamily="18" charset="0"/>
               </a:rPr>
               <a:t>Class Socket implements client sockets (also called just "sockets"). A socket is an endpoint for communication between two machines.</a:t>
             </a:r>
+            <a:endParaRPr lang="en-US" altLang="zh-CN" sz="2000" dirty="0">
+              <a:latin typeface="Times New Roman" panose="02020503050405090304" pitchFamily="18" charset="0"/>
+              <a:ea typeface="Tahoma" panose="020B0604030504040204" pitchFamily="34" charset="0"/>
+              <a:cs typeface="Times New Roman" panose="02020503050405090304" pitchFamily="18" charset="0"/>
+            </a:endParaRPr>
           </a:p>
           <a:p>
             <a:pPr marL="742950" lvl="1" indent="-285750" algn="just">
@@ -4042,25 +4003,29 @@
             </a:pPr>
             <a:r>
               <a:rPr lang="en-US" altLang="zh-CN" dirty="0">
-                <a:latin typeface="Times New Roman" panose="02020603050405020304" pitchFamily="18" charset="0"/>
-                <a:cs typeface="Times New Roman" panose="02020603050405020304" pitchFamily="18" charset="0"/>
+                <a:latin typeface="Times New Roman" panose="02020503050405090304" pitchFamily="18" charset="0"/>
+                <a:cs typeface="Times New Roman" panose="02020503050405090304" pitchFamily="18" charset="0"/>
               </a:rPr>
               <a:t>A class in Java is a logical template to create </a:t>
             </a:r>
             <a:r>
               <a:rPr lang="en-US" altLang="zh-CN" b="1" dirty="0">
-                <a:latin typeface="Times New Roman" panose="02020603050405020304" pitchFamily="18" charset="0"/>
-                <a:cs typeface="Times New Roman" panose="02020603050405020304" pitchFamily="18" charset="0"/>
+                <a:latin typeface="Times New Roman" panose="02020503050405090304" pitchFamily="18" charset="0"/>
+                <a:cs typeface="Times New Roman" panose="02020503050405090304" pitchFamily="18" charset="0"/>
               </a:rPr>
               <a:t>objects that share common properties and methods</a:t>
             </a:r>
             <a:r>
               <a:rPr lang="en-US" altLang="zh-CN" dirty="0">
-                <a:latin typeface="Times New Roman" panose="02020603050405020304" pitchFamily="18" charset="0"/>
-                <a:cs typeface="Times New Roman" panose="02020603050405020304" pitchFamily="18" charset="0"/>
+                <a:latin typeface="Times New Roman" panose="02020503050405090304" pitchFamily="18" charset="0"/>
+                <a:cs typeface="Times New Roman" panose="02020503050405090304" pitchFamily="18" charset="0"/>
               </a:rPr>
               <a:t>. Hence, all objects in a given class will have the same methods or properties.</a:t>
             </a:r>
+            <a:endParaRPr lang="en-US" altLang="zh-CN" dirty="0">
+              <a:latin typeface="Times New Roman" panose="02020503050405090304" pitchFamily="18" charset="0"/>
+              <a:cs typeface="Times New Roman" panose="02020503050405090304" pitchFamily="18" charset="0"/>
+            </a:endParaRPr>
           </a:p>
           <a:p>
             <a:pPr marL="285750" indent="-285750" algn="just">
@@ -4078,25 +4043,29 @@
             </a:pPr>
             <a:r>
               <a:rPr lang="en-US" altLang="zh-CN" sz="2000" dirty="0">
-                <a:latin typeface="Times New Roman" panose="02020603050405020304" pitchFamily="18" charset="0"/>
-                <a:cs typeface="Times New Roman" panose="02020603050405020304" pitchFamily="18" charset="0"/>
+                <a:latin typeface="Times New Roman" panose="02020503050405090304" pitchFamily="18" charset="0"/>
+                <a:cs typeface="Times New Roman" panose="02020503050405090304" pitchFamily="18" charset="0"/>
               </a:rPr>
               <a:t>The actual work of the socket is performed by an instance of the </a:t>
             </a:r>
             <a:r>
               <a:rPr lang="en-US" altLang="zh-CN" sz="2000" dirty="0" err="1">
-                <a:latin typeface="Times New Roman" panose="02020603050405020304" pitchFamily="18" charset="0"/>
-                <a:cs typeface="Times New Roman" panose="02020603050405020304" pitchFamily="18" charset="0"/>
+                <a:latin typeface="Times New Roman" panose="02020503050405090304" pitchFamily="18" charset="0"/>
+                <a:cs typeface="Times New Roman" panose="02020503050405090304" pitchFamily="18" charset="0"/>
               </a:rPr>
               <a:t>SocketImpl</a:t>
             </a:r>
             <a:r>
               <a:rPr lang="en-US" altLang="zh-CN" sz="2000" dirty="0">
-                <a:latin typeface="Times New Roman" panose="02020603050405020304" pitchFamily="18" charset="0"/>
-                <a:cs typeface="Times New Roman" panose="02020603050405020304" pitchFamily="18" charset="0"/>
+                <a:latin typeface="Times New Roman" panose="02020503050405090304" pitchFamily="18" charset="0"/>
+                <a:cs typeface="Times New Roman" panose="02020503050405090304" pitchFamily="18" charset="0"/>
               </a:rPr>
               <a:t> class. An application, by changing the socket factory that creates the socket implementation, can configure itself to create sockets appropriate to the local firewall.</a:t>
             </a:r>
+            <a:endParaRPr lang="en-US" altLang="zh-CN" sz="2000" dirty="0">
+              <a:latin typeface="Times New Roman" panose="02020503050405090304" pitchFamily="18" charset="0"/>
+              <a:cs typeface="Times New Roman" panose="02020503050405090304" pitchFamily="18" charset="0"/>
+            </a:endParaRPr>
           </a:p>
           <a:p>
             <a:pPr marL="285750" indent="-285750" algn="just">
@@ -4114,75 +4083,79 @@
             </a:pPr>
             <a:r>
               <a:rPr lang="en-US" altLang="zh-CN" sz="2000" dirty="0">
-                <a:latin typeface="Times New Roman" panose="02020603050405020304" pitchFamily="18" charset="0"/>
-                <a:cs typeface="Times New Roman" panose="02020603050405020304" pitchFamily="18" charset="0"/>
+                <a:latin typeface="Times New Roman" panose="02020503050405090304" pitchFamily="18" charset="0"/>
+                <a:cs typeface="Times New Roman" panose="02020503050405090304" pitchFamily="18" charset="0"/>
               </a:rPr>
               <a:t>In project #1, Socket is used to implement the </a:t>
             </a:r>
             <a:r>
               <a:rPr lang="en-US" altLang="zh-CN" sz="2000" b="1" dirty="0">
-                <a:latin typeface="Times New Roman" panose="02020603050405020304" pitchFamily="18" charset="0"/>
-                <a:cs typeface="Times New Roman" panose="02020603050405020304" pitchFamily="18" charset="0"/>
+                <a:latin typeface="Times New Roman" panose="02020503050405090304" pitchFamily="18" charset="0"/>
+                <a:cs typeface="Times New Roman" panose="02020503050405090304" pitchFamily="18" charset="0"/>
               </a:rPr>
               <a:t>clients </a:t>
             </a:r>
             <a:r>
               <a:rPr lang="en-US" altLang="zh-CN" sz="2000" b="1" dirty="0">
-                <a:latin typeface="Times New Roman" panose="02020603050405020304" pitchFamily="18" charset="0"/>
+                <a:latin typeface="Times New Roman" panose="02020503050405090304" pitchFamily="18" charset="0"/>
                 <a:ea typeface="Tahoma" panose="020B0604030504040204" pitchFamily="34" charset="0"/>
-                <a:cs typeface="Times New Roman" panose="02020603050405020304" pitchFamily="18" charset="0"/>
+                <a:cs typeface="Times New Roman" panose="02020503050405090304" pitchFamily="18" charset="0"/>
               </a:rPr>
               <a:t>sockets</a:t>
             </a:r>
             <a:r>
               <a:rPr lang="en-US" altLang="zh-CN" sz="2000" dirty="0">
-                <a:latin typeface="Times New Roman" panose="02020603050405020304" pitchFamily="18" charset="0"/>
-                <a:cs typeface="Times New Roman" panose="02020603050405020304" pitchFamily="18" charset="0"/>
+                <a:latin typeface="Times New Roman" panose="02020503050405090304" pitchFamily="18" charset="0"/>
+                <a:cs typeface="Times New Roman" panose="02020503050405090304" pitchFamily="18" charset="0"/>
               </a:rPr>
               <a:t>, where </a:t>
             </a:r>
             <a:r>
               <a:rPr lang="en-US" altLang="zh-CN" sz="2000" b="1" dirty="0" err="1">
-                <a:latin typeface="Times New Roman" panose="02020603050405020304" pitchFamily="18" charset="0"/>
-                <a:cs typeface="Times New Roman" panose="02020603050405020304" pitchFamily="18" charset="0"/>
+                <a:latin typeface="Times New Roman" panose="02020503050405090304" pitchFamily="18" charset="0"/>
+                <a:cs typeface="Times New Roman" panose="02020503050405090304" pitchFamily="18" charset="0"/>
               </a:rPr>
               <a:t>socket.getOutputStream</a:t>
             </a:r>
             <a:r>
               <a:rPr lang="en-US" altLang="zh-CN" sz="2000" b="1" dirty="0">
-                <a:latin typeface="Times New Roman" panose="02020603050405020304" pitchFamily="18" charset="0"/>
-                <a:cs typeface="Times New Roman" panose="02020603050405020304" pitchFamily="18" charset="0"/>
+                <a:latin typeface="Times New Roman" panose="02020503050405090304" pitchFamily="18" charset="0"/>
+                <a:cs typeface="Times New Roman" panose="02020503050405090304" pitchFamily="18" charset="0"/>
               </a:rPr>
               <a:t>()</a:t>
             </a:r>
             <a:r>
               <a:rPr lang="en-US" altLang="zh-CN" sz="2000" dirty="0">
-                <a:latin typeface="Times New Roman" panose="02020603050405020304" pitchFamily="18" charset="0"/>
-                <a:cs typeface="Times New Roman" panose="02020603050405020304" pitchFamily="18" charset="0"/>
+                <a:latin typeface="Times New Roman" panose="02020503050405090304" pitchFamily="18" charset="0"/>
+                <a:cs typeface="Times New Roman" panose="02020503050405090304" pitchFamily="18" charset="0"/>
               </a:rPr>
               <a:t> and </a:t>
             </a:r>
             <a:r>
               <a:rPr lang="en-US" altLang="zh-CN" sz="2000" b="1" dirty="0" err="1">
-                <a:latin typeface="Times New Roman" panose="02020603050405020304" pitchFamily="18" charset="0"/>
-                <a:cs typeface="Times New Roman" panose="02020603050405020304" pitchFamily="18" charset="0"/>
+                <a:latin typeface="Times New Roman" panose="02020503050405090304" pitchFamily="18" charset="0"/>
+                <a:cs typeface="Times New Roman" panose="02020503050405090304" pitchFamily="18" charset="0"/>
               </a:rPr>
               <a:t>socket.getInputStream</a:t>
             </a:r>
             <a:r>
               <a:rPr lang="en-US" altLang="zh-CN" sz="2000" b="1" dirty="0">
-                <a:latin typeface="Times New Roman" panose="02020603050405020304" pitchFamily="18" charset="0"/>
-                <a:cs typeface="Times New Roman" panose="02020603050405020304" pitchFamily="18" charset="0"/>
+                <a:latin typeface="Times New Roman" panose="02020503050405090304" pitchFamily="18" charset="0"/>
+                <a:cs typeface="Times New Roman" panose="02020503050405090304" pitchFamily="18" charset="0"/>
               </a:rPr>
               <a:t>()</a:t>
             </a:r>
             <a:r>
               <a:rPr lang="en-US" altLang="zh-CN" sz="2000" dirty="0">
-                <a:latin typeface="Times New Roman" panose="02020603050405020304" pitchFamily="18" charset="0"/>
-                <a:cs typeface="Times New Roman" panose="02020603050405020304" pitchFamily="18" charset="0"/>
+                <a:latin typeface="Times New Roman" panose="02020503050405090304" pitchFamily="18" charset="0"/>
+                <a:cs typeface="Times New Roman" panose="02020503050405090304" pitchFamily="18" charset="0"/>
               </a:rPr>
               <a:t> in the “Client” Class are used to write and read messages.</a:t>
             </a:r>
+            <a:endParaRPr lang="en-US" altLang="zh-CN" sz="2000" dirty="0">
+              <a:latin typeface="Times New Roman" panose="02020503050405090304" pitchFamily="18" charset="0"/>
+              <a:cs typeface="Times New Roman" panose="02020503050405090304" pitchFamily="18" charset="0"/>
+            </a:endParaRPr>
           </a:p>
           <a:p>
             <a:pPr marL="742950" lvl="1" indent="-285750" algn="just">
@@ -4200,46 +4173,50 @@
             </a:pPr>
             <a:r>
               <a:rPr lang="en-US" altLang="zh-CN" dirty="0" err="1">
-                <a:latin typeface="Times New Roman" panose="02020603050405020304" pitchFamily="18" charset="0"/>
-                <a:cs typeface="Times New Roman" panose="02020603050405020304" pitchFamily="18" charset="0"/>
+                <a:latin typeface="Times New Roman" panose="02020503050405090304" pitchFamily="18" charset="0"/>
+                <a:cs typeface="Times New Roman" panose="02020503050405090304" pitchFamily="18" charset="0"/>
               </a:rPr>
               <a:t>BufferedWriter</a:t>
             </a:r>
             <a:r>
               <a:rPr lang="en-US" altLang="zh-CN" dirty="0">
-                <a:latin typeface="Times New Roman" panose="02020603050405020304" pitchFamily="18" charset="0"/>
-                <a:cs typeface="Times New Roman" panose="02020603050405020304" pitchFamily="18" charset="0"/>
+                <a:latin typeface="Times New Roman" panose="02020503050405090304" pitchFamily="18" charset="0"/>
+                <a:cs typeface="Times New Roman" panose="02020503050405090304" pitchFamily="18" charset="0"/>
               </a:rPr>
               <a:t>(new </a:t>
             </a:r>
             <a:r>
               <a:rPr lang="en-US" altLang="zh-CN" dirty="0" err="1">
-                <a:latin typeface="Times New Roman" panose="02020603050405020304" pitchFamily="18" charset="0"/>
-                <a:cs typeface="Times New Roman" panose="02020603050405020304" pitchFamily="18" charset="0"/>
+                <a:latin typeface="Times New Roman" panose="02020503050405090304" pitchFamily="18" charset="0"/>
+                <a:cs typeface="Times New Roman" panose="02020503050405090304" pitchFamily="18" charset="0"/>
               </a:rPr>
               <a:t>OutputStreamWriter</a:t>
             </a:r>
             <a:r>
               <a:rPr lang="en-US" altLang="zh-CN" dirty="0">
-                <a:latin typeface="Times New Roman" panose="02020603050405020304" pitchFamily="18" charset="0"/>
-                <a:cs typeface="Times New Roman" panose="02020603050405020304" pitchFamily="18" charset="0"/>
+                <a:latin typeface="Times New Roman" panose="02020503050405090304" pitchFamily="18" charset="0"/>
+                <a:cs typeface="Times New Roman" panose="02020503050405090304" pitchFamily="18" charset="0"/>
               </a:rPr>
               <a:t>((</a:t>
             </a:r>
             <a:r>
               <a:rPr lang="en-US" altLang="zh-CN" dirty="0" err="1">
-                <a:latin typeface="Times New Roman" panose="02020603050405020304" pitchFamily="18" charset="0"/>
-                <a:cs typeface="Times New Roman" panose="02020603050405020304" pitchFamily="18" charset="0"/>
+                <a:latin typeface="Times New Roman" panose="02020503050405090304" pitchFamily="18" charset="0"/>
+                <a:cs typeface="Times New Roman" panose="02020503050405090304" pitchFamily="18" charset="0"/>
               </a:rPr>
               <a:t>socket.getOutputStream</a:t>
             </a:r>
             <a:r>
               <a:rPr lang="en-US" altLang="zh-CN" dirty="0">
-                <a:latin typeface="Times New Roman" panose="02020603050405020304" pitchFamily="18" charset="0"/>
-                <a:cs typeface="Times New Roman" panose="02020603050405020304" pitchFamily="18" charset="0"/>
+                <a:latin typeface="Times New Roman" panose="02020503050405090304" pitchFamily="18" charset="0"/>
+                <a:cs typeface="Times New Roman" panose="02020503050405090304" pitchFamily="18" charset="0"/>
               </a:rPr>
               <a:t>())));  // Write</a:t>
             </a:r>
+            <a:endParaRPr lang="en-US" altLang="zh-CN" dirty="0">
+              <a:latin typeface="Times New Roman" panose="02020503050405090304" pitchFamily="18" charset="0"/>
+              <a:cs typeface="Times New Roman" panose="02020503050405090304" pitchFamily="18" charset="0"/>
+            </a:endParaRPr>
           </a:p>
           <a:p>
             <a:pPr marL="742950" lvl="1" indent="-285750" algn="just">
@@ -4257,55 +4234,54 @@
             </a:pPr>
             <a:r>
               <a:rPr lang="en-US" altLang="zh-CN" dirty="0" err="1">
-                <a:latin typeface="Times New Roman" panose="02020603050405020304" pitchFamily="18" charset="0"/>
-                <a:cs typeface="Times New Roman" panose="02020603050405020304" pitchFamily="18" charset="0"/>
+                <a:latin typeface="Times New Roman" panose="02020503050405090304" pitchFamily="18" charset="0"/>
+                <a:cs typeface="Times New Roman" panose="02020503050405090304" pitchFamily="18" charset="0"/>
               </a:rPr>
               <a:t>BufferedReader</a:t>
             </a:r>
             <a:r>
               <a:rPr lang="en-US" altLang="zh-CN" dirty="0">
-                <a:latin typeface="Times New Roman" panose="02020603050405020304" pitchFamily="18" charset="0"/>
-                <a:cs typeface="Times New Roman" panose="02020603050405020304" pitchFamily="18" charset="0"/>
+                <a:latin typeface="Times New Roman" panose="02020503050405090304" pitchFamily="18" charset="0"/>
+                <a:cs typeface="Times New Roman" panose="02020503050405090304" pitchFamily="18" charset="0"/>
               </a:rPr>
               <a:t>((new </a:t>
             </a:r>
             <a:r>
               <a:rPr lang="en-US" altLang="zh-CN" dirty="0" err="1">
-                <a:latin typeface="Times New Roman" panose="02020603050405020304" pitchFamily="18" charset="0"/>
-                <a:cs typeface="Times New Roman" panose="02020603050405020304" pitchFamily="18" charset="0"/>
+                <a:latin typeface="Times New Roman" panose="02020503050405090304" pitchFamily="18" charset="0"/>
+                <a:cs typeface="Times New Roman" panose="02020503050405090304" pitchFamily="18" charset="0"/>
               </a:rPr>
               <a:t>InputStreamReader</a:t>
             </a:r>
             <a:r>
               <a:rPr lang="en-US" altLang="zh-CN" dirty="0">
-                <a:latin typeface="Times New Roman" panose="02020603050405020304" pitchFamily="18" charset="0"/>
-                <a:cs typeface="Times New Roman" panose="02020603050405020304" pitchFamily="18" charset="0"/>
+                <a:latin typeface="Times New Roman" panose="02020503050405090304" pitchFamily="18" charset="0"/>
+                <a:cs typeface="Times New Roman" panose="02020503050405090304" pitchFamily="18" charset="0"/>
               </a:rPr>
               <a:t>(</a:t>
             </a:r>
             <a:r>
               <a:rPr lang="en-US" altLang="zh-CN" dirty="0" err="1">
-                <a:latin typeface="Times New Roman" panose="02020603050405020304" pitchFamily="18" charset="0"/>
-                <a:cs typeface="Times New Roman" panose="02020603050405020304" pitchFamily="18" charset="0"/>
+                <a:latin typeface="Times New Roman" panose="02020503050405090304" pitchFamily="18" charset="0"/>
+                <a:cs typeface="Times New Roman" panose="02020503050405090304" pitchFamily="18" charset="0"/>
               </a:rPr>
               <a:t>socket.getInputStream</a:t>
             </a:r>
             <a:r>
               <a:rPr lang="en-US" altLang="zh-CN" dirty="0">
-                <a:latin typeface="Times New Roman" panose="02020603050405020304" pitchFamily="18" charset="0"/>
-                <a:cs typeface="Times New Roman" panose="02020603050405020304" pitchFamily="18" charset="0"/>
+                <a:latin typeface="Times New Roman" panose="02020503050405090304" pitchFamily="18" charset="0"/>
+                <a:cs typeface="Times New Roman" panose="02020503050405090304" pitchFamily="18" charset="0"/>
               </a:rPr>
               <a:t>())));  // Read</a:t>
             </a:r>
+            <a:endParaRPr lang="en-US" altLang="zh-CN" dirty="0">
+              <a:latin typeface="Times New Roman" panose="02020503050405090304" pitchFamily="18" charset="0"/>
+              <a:cs typeface="Times New Roman" panose="02020503050405090304" pitchFamily="18" charset="0"/>
+            </a:endParaRPr>
           </a:p>
         </p:txBody>
       </p:sp>
     </p:spTree>
-    <p:extLst>
-      <p:ext uri="{BB962C8B-B14F-4D97-AF65-F5344CB8AC3E}">
-        <p14:creationId xmlns:p14="http://schemas.microsoft.com/office/powerpoint/2010/main" val="4280595853"/>
-      </p:ext>
-    </p:extLst>
   </p:cSld>
   <p:clrMapOvr>
     <a:masterClrMapping/>
@@ -4735,20 +4711,14 @@
       </p:sp>
       <p:pic>
         <p:nvPicPr>
-          <p:cNvPr id="3" name="图片 2">
-            <a:extLst>
-              <a:ext uri="{FF2B5EF4-FFF2-40B4-BE49-F238E27FC236}">
-                <a16:creationId xmlns:a16="http://schemas.microsoft.com/office/drawing/2014/main" id="{6874A589-7191-2CC4-A7C4-A0DC9F0F6229}"/>
-              </a:ext>
-            </a:extLst>
-          </p:cNvPr>
+          <p:cNvPr id="3" name="图片 2"/>
           <p:cNvPicPr>
             <a:picLocks noChangeAspect="1"/>
           </p:cNvPicPr>
           <p:nvPr/>
         </p:nvPicPr>
         <p:blipFill>
-          <a:blip r:embed="rId2"/>
+          <a:blip r:embed="rId1"/>
           <a:stretch>
             <a:fillRect/>
           </a:stretch>
@@ -4764,11 +4734,6 @@
         </p:spPr>
       </p:pic>
     </p:spTree>
-    <p:extLst>
-      <p:ext uri="{BB962C8B-B14F-4D97-AF65-F5344CB8AC3E}">
-        <p14:creationId xmlns:p14="http://schemas.microsoft.com/office/powerpoint/2010/main" val="4148938899"/>
-      </p:ext>
-    </p:extLst>
   </p:cSld>
   <p:clrMapOvr>
     <a:masterClrMapping/>
@@ -4824,13 +4789,7 @@
       </p:sp>
       <p:sp>
         <p:nvSpPr>
-          <p:cNvPr id="2" name="文本框 1">
-            <a:extLst>
-              <a:ext uri="{FF2B5EF4-FFF2-40B4-BE49-F238E27FC236}">
-                <a16:creationId xmlns:a16="http://schemas.microsoft.com/office/drawing/2014/main" id="{033100C0-1433-7D72-A7D3-BB65F6A92211}"/>
-              </a:ext>
-            </a:extLst>
-          </p:cNvPr>
+          <p:cNvPr id="2" name="文本框 1"/>
           <p:cNvSpPr txBox="1"/>
           <p:nvPr/>
         </p:nvSpPr>
@@ -4865,28 +4824,33 @@
             </a:pPr>
             <a:r>
               <a:rPr lang="en-US" altLang="zh-CN" sz="2000" dirty="0">
-                <a:latin typeface="Times New Roman" panose="02020603050405020304" pitchFamily="18" charset="0"/>
+                <a:latin typeface="Times New Roman" panose="02020503050405090304" pitchFamily="18" charset="0"/>
                 <a:ea typeface="Tahoma" panose="020B0604030504040204" pitchFamily="34" charset="0"/>
-                <a:cs typeface="Times New Roman" panose="02020603050405020304" pitchFamily="18" charset="0"/>
+                <a:cs typeface="Times New Roman" panose="02020503050405090304" pitchFamily="18" charset="0"/>
               </a:rPr>
               <a:t>Class </a:t>
             </a:r>
             <a:r>
               <a:rPr lang="en-US" altLang="zh-CN" sz="2000" dirty="0" err="1">
-                <a:latin typeface="Times New Roman" panose="02020603050405020304" pitchFamily="18" charset="0"/>
+                <a:latin typeface="Times New Roman" panose="02020503050405090304" pitchFamily="18" charset="0"/>
                 <a:ea typeface="Tahoma" panose="020B0604030504040204" pitchFamily="34" charset="0"/>
-                <a:cs typeface="Times New Roman" panose="02020603050405020304" pitchFamily="18" charset="0"/>
+                <a:cs typeface="Times New Roman" panose="02020503050405090304" pitchFamily="18" charset="0"/>
               </a:rPr>
               <a:t>ServerSocket</a:t>
             </a:r>
             <a:r>
               <a:rPr lang="en-US" altLang="zh-CN" sz="2000" dirty="0">
-                <a:latin typeface="Times New Roman" panose="02020603050405020304" pitchFamily="18" charset="0"/>
+                <a:latin typeface="Times New Roman" panose="02020503050405090304" pitchFamily="18" charset="0"/>
                 <a:ea typeface="Tahoma" panose="020B0604030504040204" pitchFamily="34" charset="0"/>
-                <a:cs typeface="Times New Roman" panose="02020603050405020304" pitchFamily="18" charset="0"/>
+                <a:cs typeface="Times New Roman" panose="02020503050405090304" pitchFamily="18" charset="0"/>
               </a:rPr>
               <a:t> This class implements server sockets. A server socket waits for requests to come in over the network. It performs some operation based on that request, and then possibly returns a result to the requester.</a:t>
             </a:r>
+            <a:endParaRPr lang="en-US" altLang="zh-CN" sz="2000" dirty="0">
+              <a:latin typeface="Times New Roman" panose="02020503050405090304" pitchFamily="18" charset="0"/>
+              <a:ea typeface="Tahoma" panose="020B0604030504040204" pitchFamily="34" charset="0"/>
+              <a:cs typeface="Times New Roman" panose="02020503050405090304" pitchFamily="18" charset="0"/>
+            </a:endParaRPr>
           </a:p>
           <a:p>
             <a:pPr marL="285750" indent="-285750" algn="just">
@@ -4904,35 +4868,39 @@
             </a:pPr>
             <a:r>
               <a:rPr lang="en-US" altLang="zh-CN" sz="2000" dirty="0">
-                <a:latin typeface="Times New Roman" panose="02020603050405020304" pitchFamily="18" charset="0"/>
+                <a:latin typeface="Times New Roman" panose="02020503050405090304" pitchFamily="18" charset="0"/>
                 <a:ea typeface="Tahoma" panose="020B0604030504040204" pitchFamily="34" charset="0"/>
-                <a:cs typeface="Times New Roman" panose="02020603050405020304" pitchFamily="18" charset="0"/>
+                <a:cs typeface="Times New Roman" panose="02020503050405090304" pitchFamily="18" charset="0"/>
               </a:rPr>
               <a:t>The actual work of the server socket is performed by an instance of the </a:t>
             </a:r>
             <a:r>
               <a:rPr lang="en-US" altLang="zh-CN" sz="2000" dirty="0" err="1">
-                <a:latin typeface="Times New Roman" panose="02020603050405020304" pitchFamily="18" charset="0"/>
+                <a:latin typeface="Times New Roman" panose="02020503050405090304" pitchFamily="18" charset="0"/>
                 <a:ea typeface="Tahoma" panose="020B0604030504040204" pitchFamily="34" charset="0"/>
-                <a:cs typeface="Times New Roman" panose="02020603050405020304" pitchFamily="18" charset="0"/>
+                <a:cs typeface="Times New Roman" panose="02020503050405090304" pitchFamily="18" charset="0"/>
               </a:rPr>
               <a:t>SocketImpl</a:t>
             </a:r>
             <a:r>
               <a:rPr lang="en-US" altLang="zh-CN" sz="2000" dirty="0">
-                <a:latin typeface="Times New Roman" panose="02020603050405020304" pitchFamily="18" charset="0"/>
+                <a:latin typeface="Times New Roman" panose="02020503050405090304" pitchFamily="18" charset="0"/>
                 <a:ea typeface="Tahoma" panose="020B0604030504040204" pitchFamily="34" charset="0"/>
-                <a:cs typeface="Times New Roman" panose="02020603050405020304" pitchFamily="18" charset="0"/>
+                <a:cs typeface="Times New Roman" panose="02020503050405090304" pitchFamily="18" charset="0"/>
               </a:rPr>
               <a:t> class. An application can change the socket factory that creates the socket implementation to configure itself to create sockets appropriate to the local firewall</a:t>
             </a:r>
             <a:r>
               <a:rPr lang="en-US" altLang="zh-CN" sz="2000" dirty="0">
-                <a:latin typeface="Times New Roman" panose="02020603050405020304" pitchFamily="18" charset="0"/>
-                <a:cs typeface="Times New Roman" panose="02020603050405020304" pitchFamily="18" charset="0"/>
+                <a:latin typeface="Times New Roman" panose="02020503050405090304" pitchFamily="18" charset="0"/>
+                <a:cs typeface="Times New Roman" panose="02020503050405090304" pitchFamily="18" charset="0"/>
               </a:rPr>
               <a:t>.</a:t>
             </a:r>
+            <a:endParaRPr lang="en-US" altLang="zh-CN" sz="2000" dirty="0">
+              <a:latin typeface="Times New Roman" panose="02020503050405090304" pitchFamily="18" charset="0"/>
+              <a:cs typeface="Times New Roman" panose="02020503050405090304" pitchFamily="18" charset="0"/>
+            </a:endParaRPr>
           </a:p>
           <a:p>
             <a:pPr marL="285750" indent="-285750" algn="just">
@@ -4950,47 +4918,51 @@
             </a:pPr>
             <a:r>
               <a:rPr lang="en-US" altLang="zh-CN" sz="2000" dirty="0">
-                <a:latin typeface="Times New Roman" panose="02020603050405020304" pitchFamily="18" charset="0"/>
-                <a:cs typeface="Times New Roman" panose="02020603050405020304" pitchFamily="18" charset="0"/>
+                <a:latin typeface="Times New Roman" panose="02020503050405090304" pitchFamily="18" charset="0"/>
+                <a:cs typeface="Times New Roman" panose="02020503050405090304" pitchFamily="18" charset="0"/>
               </a:rPr>
               <a:t>In project #1, </a:t>
             </a:r>
             <a:r>
               <a:rPr lang="en-US" altLang="zh-CN" sz="2000" dirty="0" err="1">
-                <a:latin typeface="Times New Roman" panose="02020603050405020304" pitchFamily="18" charset="0"/>
-                <a:cs typeface="Times New Roman" panose="02020603050405020304" pitchFamily="18" charset="0"/>
+                <a:latin typeface="Times New Roman" panose="02020503050405090304" pitchFamily="18" charset="0"/>
+                <a:cs typeface="Times New Roman" panose="02020503050405090304" pitchFamily="18" charset="0"/>
               </a:rPr>
               <a:t>ServerSocket</a:t>
             </a:r>
             <a:r>
               <a:rPr lang="en-US" altLang="zh-CN" sz="2000" dirty="0">
-                <a:latin typeface="Times New Roman" panose="02020603050405020304" pitchFamily="18" charset="0"/>
-                <a:cs typeface="Times New Roman" panose="02020603050405020304" pitchFamily="18" charset="0"/>
+                <a:latin typeface="Times New Roman" panose="02020503050405090304" pitchFamily="18" charset="0"/>
+                <a:cs typeface="Times New Roman" panose="02020503050405090304" pitchFamily="18" charset="0"/>
               </a:rPr>
               <a:t> is used to implement the </a:t>
             </a:r>
             <a:r>
               <a:rPr lang="en-US" altLang="zh-CN" sz="2000" b="1" dirty="0">
-                <a:latin typeface="Times New Roman" panose="02020603050405020304" pitchFamily="18" charset="0"/>
-                <a:cs typeface="Times New Roman" panose="02020603050405020304" pitchFamily="18" charset="0"/>
+                <a:latin typeface="Times New Roman" panose="02020503050405090304" pitchFamily="18" charset="0"/>
+                <a:cs typeface="Times New Roman" panose="02020503050405090304" pitchFamily="18" charset="0"/>
               </a:rPr>
               <a:t>server </a:t>
             </a:r>
             <a:r>
               <a:rPr lang="en-US" altLang="zh-CN" sz="2000" b="1" dirty="0">
-                <a:latin typeface="Times New Roman" panose="02020603050405020304" pitchFamily="18" charset="0"/>
+                <a:latin typeface="Times New Roman" panose="02020503050405090304" pitchFamily="18" charset="0"/>
                 <a:ea typeface="Tahoma" panose="020B0604030504040204" pitchFamily="34" charset="0"/>
-                <a:cs typeface="Times New Roman" panose="02020603050405020304" pitchFamily="18" charset="0"/>
+                <a:cs typeface="Times New Roman" panose="02020503050405090304" pitchFamily="18" charset="0"/>
               </a:rPr>
               <a:t>socket</a:t>
             </a:r>
             <a:r>
               <a:rPr lang="en-US" altLang="zh-CN" sz="2000" dirty="0">
-                <a:latin typeface="Times New Roman" panose="02020603050405020304" pitchFamily="18" charset="0"/>
-                <a:cs typeface="Times New Roman" panose="02020603050405020304" pitchFamily="18" charset="0"/>
+                <a:latin typeface="Times New Roman" panose="02020503050405090304" pitchFamily="18" charset="0"/>
+                <a:cs typeface="Times New Roman" panose="02020503050405090304" pitchFamily="18" charset="0"/>
               </a:rPr>
               <a:t>.</a:t>
             </a:r>
+            <a:endParaRPr lang="en-US" altLang="zh-CN" sz="2000" dirty="0">
+              <a:latin typeface="Times New Roman" panose="02020503050405090304" pitchFamily="18" charset="0"/>
+              <a:cs typeface="Times New Roman" panose="02020503050405090304" pitchFamily="18" charset="0"/>
+            </a:endParaRPr>
           </a:p>
           <a:p>
             <a:pPr marL="742950" lvl="1" indent="-285750" algn="just">
@@ -5008,46 +4980,50 @@
             </a:pPr>
             <a:r>
               <a:rPr lang="en-US" altLang="zh-CN" dirty="0" err="1">
-                <a:latin typeface="Times New Roman" panose="02020603050405020304" pitchFamily="18" charset="0"/>
-                <a:cs typeface="Times New Roman" panose="02020603050405020304" pitchFamily="18" charset="0"/>
+                <a:latin typeface="Times New Roman" panose="02020503050405090304" pitchFamily="18" charset="0"/>
+                <a:cs typeface="Times New Roman" panose="02020503050405090304" pitchFamily="18" charset="0"/>
               </a:rPr>
               <a:t>ServerSocket</a:t>
             </a:r>
             <a:r>
               <a:rPr lang="en-US" altLang="zh-CN" dirty="0">
-                <a:latin typeface="Times New Roman" panose="02020603050405020304" pitchFamily="18" charset="0"/>
-                <a:cs typeface="Times New Roman" panose="02020603050405020304" pitchFamily="18" charset="0"/>
+                <a:latin typeface="Times New Roman" panose="02020503050405090304" pitchFamily="18" charset="0"/>
+                <a:cs typeface="Times New Roman" panose="02020503050405090304" pitchFamily="18" charset="0"/>
               </a:rPr>
               <a:t> </a:t>
             </a:r>
             <a:r>
               <a:rPr lang="en-US" altLang="zh-CN" dirty="0" err="1">
-                <a:latin typeface="Times New Roman" panose="02020603050405020304" pitchFamily="18" charset="0"/>
-                <a:cs typeface="Times New Roman" panose="02020603050405020304" pitchFamily="18" charset="0"/>
+                <a:latin typeface="Times New Roman" panose="02020503050405090304" pitchFamily="18" charset="0"/>
+                <a:cs typeface="Times New Roman" panose="02020503050405090304" pitchFamily="18" charset="0"/>
               </a:rPr>
               <a:t>serverSocket</a:t>
             </a:r>
             <a:r>
               <a:rPr lang="en-US" altLang="zh-CN" dirty="0">
-                <a:latin typeface="Times New Roman" panose="02020603050405020304" pitchFamily="18" charset="0"/>
-                <a:cs typeface="Times New Roman" panose="02020603050405020304" pitchFamily="18" charset="0"/>
+                <a:latin typeface="Times New Roman" panose="02020503050405090304" pitchFamily="18" charset="0"/>
+                <a:cs typeface="Times New Roman" panose="02020503050405090304" pitchFamily="18" charset="0"/>
               </a:rPr>
               <a:t> = new </a:t>
             </a:r>
             <a:r>
               <a:rPr lang="en-US" altLang="zh-CN" dirty="0" err="1">
-                <a:latin typeface="Times New Roman" panose="02020603050405020304" pitchFamily="18" charset="0"/>
-                <a:cs typeface="Times New Roman" panose="02020603050405020304" pitchFamily="18" charset="0"/>
+                <a:latin typeface="Times New Roman" panose="02020503050405090304" pitchFamily="18" charset="0"/>
+                <a:cs typeface="Times New Roman" panose="02020503050405090304" pitchFamily="18" charset="0"/>
               </a:rPr>
               <a:t>ServerSocket</a:t>
             </a:r>
             <a:r>
               <a:rPr lang="en-US" altLang="zh-CN" dirty="0">
-                <a:latin typeface="Times New Roman" panose="02020603050405020304" pitchFamily="18" charset="0"/>
-                <a:cs typeface="Times New Roman" panose="02020603050405020304" pitchFamily="18" charset="0"/>
+                <a:latin typeface="Times New Roman" panose="02020503050405090304" pitchFamily="18" charset="0"/>
+                <a:cs typeface="Times New Roman" panose="02020503050405090304" pitchFamily="18" charset="0"/>
               </a:rPr>
               <a:t>(1004); // Creates a server socket, bound to the specified port.</a:t>
             </a:r>
+            <a:endParaRPr lang="en-US" altLang="zh-CN" dirty="0">
+              <a:latin typeface="Times New Roman" panose="02020503050405090304" pitchFamily="18" charset="0"/>
+              <a:cs typeface="Times New Roman" panose="02020503050405090304" pitchFamily="18" charset="0"/>
+            </a:endParaRPr>
           </a:p>
           <a:p>
             <a:pPr marL="742950" lvl="1" indent="-285750" algn="just">
@@ -5065,48 +5041,47 @@
             </a:pPr>
             <a:r>
               <a:rPr lang="en-US" altLang="zh-CN" dirty="0">
-                <a:latin typeface="Times New Roman" panose="02020603050405020304" pitchFamily="18" charset="0"/>
-                <a:cs typeface="Times New Roman" panose="02020603050405020304" pitchFamily="18" charset="0"/>
+                <a:latin typeface="Times New Roman" panose="02020503050405090304" pitchFamily="18" charset="0"/>
+                <a:cs typeface="Times New Roman" panose="02020503050405090304" pitchFamily="18" charset="0"/>
               </a:rPr>
               <a:t>Socket </a:t>
             </a:r>
             <a:r>
               <a:rPr lang="en-US" altLang="zh-CN" dirty="0" err="1">
-                <a:latin typeface="Times New Roman" panose="02020603050405020304" pitchFamily="18" charset="0"/>
-                <a:cs typeface="Times New Roman" panose="02020603050405020304" pitchFamily="18" charset="0"/>
+                <a:latin typeface="Times New Roman" panose="02020503050405090304" pitchFamily="18" charset="0"/>
+                <a:cs typeface="Times New Roman" panose="02020503050405090304" pitchFamily="18" charset="0"/>
               </a:rPr>
               <a:t>socket</a:t>
             </a:r>
             <a:r>
               <a:rPr lang="en-US" altLang="zh-CN" dirty="0">
-                <a:latin typeface="Times New Roman" panose="02020603050405020304" pitchFamily="18" charset="0"/>
-                <a:cs typeface="Times New Roman" panose="02020603050405020304" pitchFamily="18" charset="0"/>
+                <a:latin typeface="Times New Roman" panose="02020503050405090304" pitchFamily="18" charset="0"/>
+                <a:cs typeface="Times New Roman" panose="02020503050405090304" pitchFamily="18" charset="0"/>
               </a:rPr>
               <a:t> = </a:t>
             </a:r>
             <a:r>
               <a:rPr lang="en-US" altLang="zh-CN" dirty="0" err="1">
-                <a:latin typeface="Times New Roman" panose="02020603050405020304" pitchFamily="18" charset="0"/>
-                <a:cs typeface="Times New Roman" panose="02020603050405020304" pitchFamily="18" charset="0"/>
+                <a:latin typeface="Times New Roman" panose="02020503050405090304" pitchFamily="18" charset="0"/>
+                <a:cs typeface="Times New Roman" panose="02020503050405090304" pitchFamily="18" charset="0"/>
               </a:rPr>
               <a:t>serverSocket.accept</a:t>
             </a:r>
             <a:r>
               <a:rPr lang="en-US" altLang="zh-CN" dirty="0">
-                <a:latin typeface="Times New Roman" panose="02020603050405020304" pitchFamily="18" charset="0"/>
-                <a:cs typeface="Times New Roman" panose="02020603050405020304" pitchFamily="18" charset="0"/>
+                <a:latin typeface="Times New Roman" panose="02020503050405090304" pitchFamily="18" charset="0"/>
+                <a:cs typeface="Times New Roman" panose="02020503050405090304" pitchFamily="18" charset="0"/>
               </a:rPr>
               <a:t>(); // returns the socket and establish a connection between server and client.</a:t>
             </a:r>
+            <a:endParaRPr lang="en-US" altLang="zh-CN" dirty="0">
+              <a:latin typeface="Times New Roman" panose="02020503050405090304" pitchFamily="18" charset="0"/>
+              <a:cs typeface="Times New Roman" panose="02020503050405090304" pitchFamily="18" charset="0"/>
+            </a:endParaRPr>
           </a:p>
         </p:txBody>
       </p:sp>
     </p:spTree>
-    <p:extLst>
-      <p:ext uri="{BB962C8B-B14F-4D97-AF65-F5344CB8AC3E}">
-        <p14:creationId xmlns:p14="http://schemas.microsoft.com/office/powerpoint/2010/main" val="4185840541"/>
-      </p:ext>
-    </p:extLst>
   </p:cSld>
   <p:clrMapOvr>
     <a:masterClrMapping/>
@@ -5479,20 +5454,14 @@
       </p:sp>
       <p:pic>
         <p:nvPicPr>
-          <p:cNvPr id="5" name="图片 4">
-            <a:extLst>
-              <a:ext uri="{FF2B5EF4-FFF2-40B4-BE49-F238E27FC236}">
-                <a16:creationId xmlns:a16="http://schemas.microsoft.com/office/drawing/2014/main" id="{54A397AB-431B-0D20-0762-A63BC2EBB19D}"/>
-              </a:ext>
-            </a:extLst>
-          </p:cNvPr>
+          <p:cNvPr id="5" name="图片 4"/>
           <p:cNvPicPr>
             <a:picLocks noChangeAspect="1"/>
           </p:cNvPicPr>
           <p:nvPr/>
         </p:nvPicPr>
         <p:blipFill>
-          <a:blip r:embed="rId2"/>
+          <a:blip r:embed="rId1"/>
           <a:stretch>
             <a:fillRect/>
           </a:stretch>
@@ -5508,11 +5477,6 @@
         </p:spPr>
       </p:pic>
     </p:spTree>
-    <p:extLst>
-      <p:ext uri="{BB962C8B-B14F-4D97-AF65-F5344CB8AC3E}">
-        <p14:creationId xmlns:p14="http://schemas.microsoft.com/office/powerpoint/2010/main" val="4164227719"/>
-      </p:ext>
-    </p:extLst>
   </p:cSld>
   <p:clrMapOvr>
     <a:masterClrMapping/>
@@ -5564,13 +5528,7 @@
       </p:sp>
       <p:sp>
         <p:nvSpPr>
-          <p:cNvPr id="2" name="文本框 1">
-            <a:extLst>
-              <a:ext uri="{FF2B5EF4-FFF2-40B4-BE49-F238E27FC236}">
-                <a16:creationId xmlns:a16="http://schemas.microsoft.com/office/drawing/2014/main" id="{033100C0-1433-7D72-A7D3-BB65F6A92211}"/>
-              </a:ext>
-            </a:extLst>
-          </p:cNvPr>
+          <p:cNvPr id="2" name="文本框 1"/>
           <p:cNvSpPr txBox="1"/>
           <p:nvPr/>
         </p:nvSpPr>
@@ -5600,18 +5558,22 @@
                 <a:solidFill>
                   <a:schemeClr val="accent2"/>
                 </a:solidFill>
-                <a:latin typeface="Times New Roman" panose="02020603050405020304" pitchFamily="18" charset="0"/>
-                <a:cs typeface="Times New Roman" panose="02020603050405020304" pitchFamily="18" charset="0"/>
+                <a:latin typeface="Times New Roman" panose="02020503050405090304" pitchFamily="18" charset="0"/>
+                <a:cs typeface="Times New Roman" panose="02020503050405090304" pitchFamily="18" charset="0"/>
               </a:rPr>
               <a:t>public class </a:t>
             </a:r>
             <a:r>
               <a:rPr lang="en-US" altLang="zh-CN" dirty="0">
-                <a:latin typeface="Times New Roman" panose="02020603050405020304" pitchFamily="18" charset="0"/>
-                <a:cs typeface="Times New Roman" panose="02020603050405020304" pitchFamily="18" charset="0"/>
+                <a:latin typeface="Times New Roman" panose="02020503050405090304" pitchFamily="18" charset="0"/>
+                <a:cs typeface="Times New Roman" panose="02020503050405090304" pitchFamily="18" charset="0"/>
               </a:rPr>
               <a:t>Server{</a:t>
             </a:r>
+            <a:endParaRPr lang="en-US" altLang="zh-CN" dirty="0">
+              <a:latin typeface="Times New Roman" panose="02020503050405090304" pitchFamily="18" charset="0"/>
+              <a:cs typeface="Times New Roman" panose="02020503050405090304" pitchFamily="18" charset="0"/>
+            </a:endParaRPr>
           </a:p>
           <a:p>
             <a:pPr algn="just">
@@ -5621,8 +5583,8 @@
             </a:pPr>
             <a:r>
               <a:rPr lang="en-US" altLang="zh-CN" dirty="0">
-                <a:latin typeface="Times New Roman" panose="02020603050405020304" pitchFamily="18" charset="0"/>
-                <a:cs typeface="Times New Roman" panose="02020603050405020304" pitchFamily="18" charset="0"/>
+                <a:latin typeface="Times New Roman" panose="02020503050405090304" pitchFamily="18" charset="0"/>
+                <a:cs typeface="Times New Roman" panose="02020503050405090304" pitchFamily="18" charset="0"/>
               </a:rPr>
               <a:t>   </a:t>
             </a:r>
@@ -5631,22 +5593,22 @@
                 <a:solidFill>
                   <a:schemeClr val="accent2"/>
                 </a:solidFill>
-                <a:latin typeface="Times New Roman" panose="02020603050405020304" pitchFamily="18" charset="0"/>
-                <a:cs typeface="Times New Roman" panose="02020603050405020304" pitchFamily="18" charset="0"/>
+                <a:latin typeface="Times New Roman" panose="02020503050405090304" pitchFamily="18" charset="0"/>
+                <a:cs typeface="Times New Roman" panose="02020503050405090304" pitchFamily="18" charset="0"/>
               </a:rPr>
               <a:t> private </a:t>
             </a:r>
             <a:r>
               <a:rPr lang="en-US" altLang="zh-CN" dirty="0" err="1">
-                <a:latin typeface="Times New Roman" panose="02020603050405020304" pitchFamily="18" charset="0"/>
-                <a:cs typeface="Times New Roman" panose="02020603050405020304" pitchFamily="18" charset="0"/>
+                <a:latin typeface="Times New Roman" panose="02020503050405090304" pitchFamily="18" charset="0"/>
+                <a:cs typeface="Times New Roman" panose="02020503050405090304" pitchFamily="18" charset="0"/>
               </a:rPr>
               <a:t>ServerSocket</a:t>
             </a:r>
             <a:r>
               <a:rPr lang="en-US" altLang="zh-CN" dirty="0">
-                <a:latin typeface="Times New Roman" panose="02020603050405020304" pitchFamily="18" charset="0"/>
-                <a:cs typeface="Times New Roman" panose="02020603050405020304" pitchFamily="18" charset="0"/>
+                <a:latin typeface="Times New Roman" panose="02020503050405090304" pitchFamily="18" charset="0"/>
+                <a:cs typeface="Times New Roman" panose="02020503050405090304" pitchFamily="18" charset="0"/>
               </a:rPr>
               <a:t> </a:t>
             </a:r>
@@ -5655,15 +5617,15 @@
                 <a:solidFill>
                   <a:srgbClr val="FF00FF"/>
                 </a:solidFill>
-                <a:latin typeface="Times New Roman" panose="02020603050405020304" pitchFamily="18" charset="0"/>
-                <a:cs typeface="Times New Roman" panose="02020603050405020304" pitchFamily="18" charset="0"/>
+                <a:latin typeface="Times New Roman" panose="02020503050405090304" pitchFamily="18" charset="0"/>
+                <a:cs typeface="Times New Roman" panose="02020503050405090304" pitchFamily="18" charset="0"/>
               </a:rPr>
               <a:t>serverSocket</a:t>
             </a:r>
             <a:r>
               <a:rPr lang="en-US" altLang="zh-CN" dirty="0">
-                <a:latin typeface="Times New Roman" panose="02020603050405020304" pitchFamily="18" charset="0"/>
-                <a:cs typeface="Times New Roman" panose="02020603050405020304" pitchFamily="18" charset="0"/>
+                <a:latin typeface="Times New Roman" panose="02020503050405090304" pitchFamily="18" charset="0"/>
+                <a:cs typeface="Times New Roman" panose="02020503050405090304" pitchFamily="18" charset="0"/>
               </a:rPr>
               <a:t>; </a:t>
             </a:r>
@@ -5672,15 +5634,15 @@
                 <a:solidFill>
                   <a:srgbClr val="FF0000"/>
                 </a:solidFill>
-                <a:latin typeface="Times New Roman" panose="02020603050405020304" pitchFamily="18" charset="0"/>
-                <a:cs typeface="Times New Roman" panose="02020603050405020304" pitchFamily="18" charset="0"/>
+                <a:latin typeface="Times New Roman" panose="02020503050405090304" pitchFamily="18" charset="0"/>
+                <a:cs typeface="Times New Roman" panose="02020503050405090304" pitchFamily="18" charset="0"/>
               </a:rPr>
               <a:t>//</a:t>
             </a:r>
             <a:r>
               <a:rPr lang="en-US" altLang="zh-CN" dirty="0">
-                <a:latin typeface="Times New Roman" panose="02020603050405020304" pitchFamily="18" charset="0"/>
-                <a:cs typeface="Times New Roman" panose="02020603050405020304" pitchFamily="18" charset="0"/>
+                <a:latin typeface="Times New Roman" panose="02020503050405090304" pitchFamily="18" charset="0"/>
+                <a:cs typeface="Times New Roman" panose="02020503050405090304" pitchFamily="18" charset="0"/>
               </a:rPr>
               <a:t> </a:t>
             </a:r>
@@ -5689,8 +5651,8 @@
                 <a:solidFill>
                   <a:srgbClr val="FF0000"/>
                 </a:solidFill>
-                <a:latin typeface="Times New Roman" panose="02020603050405020304" pitchFamily="18" charset="0"/>
-                <a:cs typeface="Times New Roman" panose="02020603050405020304" pitchFamily="18" charset="0"/>
+                <a:latin typeface="Times New Roman" panose="02020503050405090304" pitchFamily="18" charset="0"/>
+                <a:cs typeface="Times New Roman" panose="02020503050405090304" pitchFamily="18" charset="0"/>
               </a:rPr>
               <a:t>See previous slides, </a:t>
             </a:r>
@@ -5699,8 +5661,8 @@
                 <a:solidFill>
                   <a:srgbClr val="FF0000"/>
                 </a:solidFill>
-                <a:latin typeface="Times New Roman" panose="02020603050405020304" pitchFamily="18" charset="0"/>
-                <a:cs typeface="Times New Roman" panose="02020603050405020304" pitchFamily="18" charset="0"/>
+                <a:latin typeface="Times New Roman" panose="02020503050405090304" pitchFamily="18" charset="0"/>
+                <a:cs typeface="Times New Roman" panose="02020503050405090304" pitchFamily="18" charset="0"/>
               </a:rPr>
               <a:t>serverSocket</a:t>
             </a:r>
@@ -5709,14 +5671,14 @@
                 <a:solidFill>
                   <a:srgbClr val="FF0000"/>
                 </a:solidFill>
-                <a:latin typeface="Times New Roman" panose="02020603050405020304" pitchFamily="18" charset="0"/>
-                <a:cs typeface="Times New Roman" panose="02020603050405020304" pitchFamily="18" charset="0"/>
+                <a:latin typeface="Times New Roman" panose="02020503050405090304" pitchFamily="18" charset="0"/>
+                <a:cs typeface="Times New Roman" panose="02020503050405090304" pitchFamily="18" charset="0"/>
               </a:rPr>
               <a:t> is used to implement the server</a:t>
             </a:r>
             <a:endParaRPr lang="en-US" altLang="zh-CN" dirty="0">
-              <a:latin typeface="Times New Roman" panose="02020603050405020304" pitchFamily="18" charset="0"/>
-              <a:cs typeface="Times New Roman" panose="02020603050405020304" pitchFamily="18" charset="0"/>
+              <a:latin typeface="Times New Roman" panose="02020503050405090304" pitchFamily="18" charset="0"/>
+              <a:cs typeface="Times New Roman" panose="02020503050405090304" pitchFamily="18" charset="0"/>
             </a:endParaRPr>
           </a:p>
           <a:p>
@@ -5727,8 +5689,8 @@
             </a:pPr>
             <a:r>
               <a:rPr lang="en-US" altLang="zh-CN" dirty="0">
-                <a:latin typeface="Times New Roman" panose="02020603050405020304" pitchFamily="18" charset="0"/>
-                <a:cs typeface="Times New Roman" panose="02020603050405020304" pitchFamily="18" charset="0"/>
+                <a:latin typeface="Times New Roman" panose="02020503050405090304" pitchFamily="18" charset="0"/>
+                <a:cs typeface="Times New Roman" panose="02020503050405090304" pitchFamily="18" charset="0"/>
               </a:rPr>
               <a:t>    </a:t>
             </a:r>
@@ -5737,8 +5699,8 @@
                 <a:solidFill>
                   <a:schemeClr val="accent2"/>
                 </a:solidFill>
-                <a:latin typeface="Times New Roman" panose="02020603050405020304" pitchFamily="18" charset="0"/>
-                <a:cs typeface="Times New Roman" panose="02020603050405020304" pitchFamily="18" charset="0"/>
+                <a:latin typeface="Times New Roman" panose="02020503050405090304" pitchFamily="18" charset="0"/>
+                <a:cs typeface="Times New Roman" panose="02020503050405090304" pitchFamily="18" charset="0"/>
               </a:rPr>
               <a:t>public </a:t>
             </a:r>
@@ -5747,46 +5709,50 @@
                 <a:solidFill>
                   <a:srgbClr val="00B0F0"/>
                 </a:solidFill>
-                <a:latin typeface="Times New Roman" panose="02020603050405020304" pitchFamily="18" charset="0"/>
-                <a:cs typeface="Times New Roman" panose="02020603050405020304" pitchFamily="18" charset="0"/>
+                <a:latin typeface="Times New Roman" panose="02020503050405090304" pitchFamily="18" charset="0"/>
+                <a:cs typeface="Times New Roman" panose="02020503050405090304" pitchFamily="18" charset="0"/>
               </a:rPr>
               <a:t>Server</a:t>
             </a:r>
             <a:r>
               <a:rPr lang="en-US" altLang="zh-CN" dirty="0">
-                <a:latin typeface="Times New Roman" panose="02020603050405020304" pitchFamily="18" charset="0"/>
-                <a:cs typeface="Times New Roman" panose="02020603050405020304" pitchFamily="18" charset="0"/>
+                <a:latin typeface="Times New Roman" panose="02020503050405090304" pitchFamily="18" charset="0"/>
+                <a:cs typeface="Times New Roman" panose="02020503050405090304" pitchFamily="18" charset="0"/>
               </a:rPr>
               <a:t>(</a:t>
             </a:r>
             <a:r>
               <a:rPr lang="en-US" altLang="zh-CN" dirty="0" err="1">
-                <a:latin typeface="Times New Roman" panose="02020603050405020304" pitchFamily="18" charset="0"/>
-                <a:cs typeface="Times New Roman" panose="02020603050405020304" pitchFamily="18" charset="0"/>
+                <a:latin typeface="Times New Roman" panose="02020503050405090304" pitchFamily="18" charset="0"/>
+                <a:cs typeface="Times New Roman" panose="02020503050405090304" pitchFamily="18" charset="0"/>
               </a:rPr>
               <a:t>ServerSocket</a:t>
             </a:r>
             <a:r>
               <a:rPr lang="en-US" altLang="zh-CN" dirty="0">
-                <a:latin typeface="Times New Roman" panose="02020603050405020304" pitchFamily="18" charset="0"/>
-                <a:cs typeface="Times New Roman" panose="02020603050405020304" pitchFamily="18" charset="0"/>
+                <a:latin typeface="Times New Roman" panose="02020503050405090304" pitchFamily="18" charset="0"/>
+                <a:cs typeface="Times New Roman" panose="02020503050405090304" pitchFamily="18" charset="0"/>
               </a:rPr>
               <a:t> </a:t>
             </a:r>
             <a:r>
               <a:rPr lang="en-US" altLang="zh-CN" dirty="0" err="1">
-                <a:latin typeface="Times New Roman" panose="02020603050405020304" pitchFamily="18" charset="0"/>
-                <a:cs typeface="Times New Roman" panose="02020603050405020304" pitchFamily="18" charset="0"/>
+                <a:latin typeface="Times New Roman" panose="02020503050405090304" pitchFamily="18" charset="0"/>
+                <a:cs typeface="Times New Roman" panose="02020503050405090304" pitchFamily="18" charset="0"/>
               </a:rPr>
               <a:t>serverSocket</a:t>
             </a:r>
             <a:r>
               <a:rPr lang="en-US" altLang="zh-CN" dirty="0">
-                <a:latin typeface="Times New Roman" panose="02020603050405020304" pitchFamily="18" charset="0"/>
-                <a:cs typeface="Times New Roman" panose="02020603050405020304" pitchFamily="18" charset="0"/>
+                <a:latin typeface="Times New Roman" panose="02020503050405090304" pitchFamily="18" charset="0"/>
+                <a:cs typeface="Times New Roman" panose="02020503050405090304" pitchFamily="18" charset="0"/>
               </a:rPr>
               <a:t>) {</a:t>
             </a:r>
+            <a:endParaRPr lang="en-US" altLang="zh-CN" dirty="0">
+              <a:latin typeface="Times New Roman" panose="02020503050405090304" pitchFamily="18" charset="0"/>
+              <a:cs typeface="Times New Roman" panose="02020503050405090304" pitchFamily="18" charset="0"/>
+            </a:endParaRPr>
           </a:p>
           <a:p>
             <a:pPr algn="just">
@@ -5796,8 +5762,8 @@
             </a:pPr>
             <a:r>
               <a:rPr lang="en-US" altLang="zh-CN" dirty="0">
-                <a:latin typeface="Times New Roman" panose="02020603050405020304" pitchFamily="18" charset="0"/>
-                <a:cs typeface="Times New Roman" panose="02020603050405020304" pitchFamily="18" charset="0"/>
+                <a:latin typeface="Times New Roman" panose="02020503050405090304" pitchFamily="18" charset="0"/>
+                <a:cs typeface="Times New Roman" panose="02020503050405090304" pitchFamily="18" charset="0"/>
               </a:rPr>
               <a:t>        </a:t>
             </a:r>
@@ -5806,15 +5772,15 @@
                 <a:solidFill>
                   <a:schemeClr val="accent2"/>
                 </a:solidFill>
-                <a:latin typeface="Times New Roman" panose="02020603050405020304" pitchFamily="18" charset="0"/>
-                <a:cs typeface="Times New Roman" panose="02020603050405020304" pitchFamily="18" charset="0"/>
+                <a:latin typeface="Times New Roman" panose="02020503050405090304" pitchFamily="18" charset="0"/>
+                <a:cs typeface="Times New Roman" panose="02020503050405090304" pitchFamily="18" charset="0"/>
               </a:rPr>
               <a:t>this</a:t>
             </a:r>
             <a:r>
               <a:rPr lang="en-US" altLang="zh-CN" dirty="0" err="1">
-                <a:latin typeface="Times New Roman" panose="02020603050405020304" pitchFamily="18" charset="0"/>
-                <a:cs typeface="Times New Roman" panose="02020603050405020304" pitchFamily="18" charset="0"/>
+                <a:latin typeface="Times New Roman" panose="02020503050405090304" pitchFamily="18" charset="0"/>
+                <a:cs typeface="Times New Roman" panose="02020503050405090304" pitchFamily="18" charset="0"/>
               </a:rPr>
               <a:t>.</a:t>
             </a:r>
@@ -5823,29 +5789,29 @@
                 <a:solidFill>
                   <a:srgbClr val="FF00FF"/>
                 </a:solidFill>
-                <a:latin typeface="Times New Roman" panose="02020603050405020304" pitchFamily="18" charset="0"/>
-                <a:cs typeface="Times New Roman" panose="02020603050405020304" pitchFamily="18" charset="0"/>
+                <a:latin typeface="Times New Roman" panose="02020503050405090304" pitchFamily="18" charset="0"/>
+                <a:cs typeface="Times New Roman" panose="02020503050405090304" pitchFamily="18" charset="0"/>
               </a:rPr>
               <a:t>serverSocket</a:t>
             </a:r>
             <a:r>
               <a:rPr lang="en-US" altLang="zh-CN" dirty="0">
-                <a:latin typeface="Times New Roman" panose="02020603050405020304" pitchFamily="18" charset="0"/>
-                <a:cs typeface="Times New Roman" panose="02020603050405020304" pitchFamily="18" charset="0"/>
+                <a:latin typeface="Times New Roman" panose="02020503050405090304" pitchFamily="18" charset="0"/>
+                <a:cs typeface="Times New Roman" panose="02020503050405090304" pitchFamily="18" charset="0"/>
               </a:rPr>
               <a:t> = </a:t>
             </a:r>
             <a:r>
               <a:rPr lang="en-US" altLang="zh-CN" dirty="0" err="1">
-                <a:latin typeface="Times New Roman" panose="02020603050405020304" pitchFamily="18" charset="0"/>
-                <a:cs typeface="Times New Roman" panose="02020603050405020304" pitchFamily="18" charset="0"/>
+                <a:latin typeface="Times New Roman" panose="02020503050405090304" pitchFamily="18" charset="0"/>
+                <a:cs typeface="Times New Roman" panose="02020503050405090304" pitchFamily="18" charset="0"/>
               </a:rPr>
               <a:t>serverSocket</a:t>
             </a:r>
             <a:r>
               <a:rPr lang="en-US" altLang="zh-CN" dirty="0">
-                <a:latin typeface="Times New Roman" panose="02020603050405020304" pitchFamily="18" charset="0"/>
-                <a:cs typeface="Times New Roman" panose="02020603050405020304" pitchFamily="18" charset="0"/>
+                <a:latin typeface="Times New Roman" panose="02020503050405090304" pitchFamily="18" charset="0"/>
+                <a:cs typeface="Times New Roman" panose="02020503050405090304" pitchFamily="18" charset="0"/>
               </a:rPr>
               <a:t>; </a:t>
             </a:r>
@@ -5854,8 +5820,8 @@
                 <a:solidFill>
                   <a:srgbClr val="FF0000"/>
                 </a:solidFill>
-                <a:latin typeface="Times New Roman" panose="02020603050405020304" pitchFamily="18" charset="0"/>
-                <a:cs typeface="Times New Roman" panose="02020603050405020304" pitchFamily="18" charset="0"/>
+                <a:latin typeface="Times New Roman" panose="02020503050405090304" pitchFamily="18" charset="0"/>
+                <a:cs typeface="Times New Roman" panose="02020503050405090304" pitchFamily="18" charset="0"/>
               </a:rPr>
               <a:t>// “</a:t>
             </a:r>
@@ -5864,8 +5830,8 @@
                 <a:solidFill>
                   <a:srgbClr val="FF0000"/>
                 </a:solidFill>
-                <a:latin typeface="Times New Roman" panose="02020603050405020304" pitchFamily="18" charset="0"/>
-                <a:cs typeface="Times New Roman" panose="02020603050405020304" pitchFamily="18" charset="0"/>
+                <a:latin typeface="Times New Roman" panose="02020503050405090304" pitchFamily="18" charset="0"/>
+                <a:cs typeface="Times New Roman" panose="02020503050405090304" pitchFamily="18" charset="0"/>
               </a:rPr>
               <a:t>this.serverSocket</a:t>
             </a:r>
@@ -5874,8 +5840,8 @@
                 <a:solidFill>
                   <a:srgbClr val="FF0000"/>
                 </a:solidFill>
-                <a:latin typeface="Times New Roman" panose="02020603050405020304" pitchFamily="18" charset="0"/>
-                <a:cs typeface="Times New Roman" panose="02020603050405020304" pitchFamily="18" charset="0"/>
+                <a:latin typeface="Times New Roman" panose="02020503050405090304" pitchFamily="18" charset="0"/>
+                <a:cs typeface="Times New Roman" panose="02020503050405090304" pitchFamily="18" charset="0"/>
               </a:rPr>
               <a:t>” refers to the private “</a:t>
             </a:r>
@@ -5884,8 +5850,8 @@
                 <a:solidFill>
                   <a:srgbClr val="FF0000"/>
                 </a:solidFill>
-                <a:latin typeface="Times New Roman" panose="02020603050405020304" pitchFamily="18" charset="0"/>
-                <a:cs typeface="Times New Roman" panose="02020603050405020304" pitchFamily="18" charset="0"/>
+                <a:latin typeface="Times New Roman" panose="02020503050405090304" pitchFamily="18" charset="0"/>
+                <a:cs typeface="Times New Roman" panose="02020503050405090304" pitchFamily="18" charset="0"/>
               </a:rPr>
               <a:t>serverSocket</a:t>
             </a:r>
@@ -5894,11 +5860,18 @@
                 <a:solidFill>
                   <a:srgbClr val="FF0000"/>
                 </a:solidFill>
-                <a:latin typeface="Times New Roman" panose="02020603050405020304" pitchFamily="18" charset="0"/>
-                <a:cs typeface="Times New Roman" panose="02020603050405020304" pitchFamily="18" charset="0"/>
+                <a:latin typeface="Times New Roman" panose="02020503050405090304" pitchFamily="18" charset="0"/>
+                <a:cs typeface="Times New Roman" panose="02020503050405090304" pitchFamily="18" charset="0"/>
               </a:rPr>
               <a:t>” in this class</a:t>
             </a:r>
+            <a:endParaRPr lang="en-US" altLang="zh-CN" dirty="0">
+              <a:solidFill>
+                <a:srgbClr val="FF0000"/>
+              </a:solidFill>
+              <a:latin typeface="Times New Roman" panose="02020503050405090304" pitchFamily="18" charset="0"/>
+              <a:cs typeface="Times New Roman" panose="02020503050405090304" pitchFamily="18" charset="0"/>
+            </a:endParaRPr>
           </a:p>
           <a:p>
             <a:pPr algn="just">
@@ -5908,11 +5881,15 @@
             </a:pPr>
             <a:r>
               <a:rPr lang="en-US" altLang="zh-CN" dirty="0">
-                <a:latin typeface="Times New Roman" panose="02020603050405020304" pitchFamily="18" charset="0"/>
-                <a:cs typeface="Times New Roman" panose="02020603050405020304" pitchFamily="18" charset="0"/>
+                <a:latin typeface="Times New Roman" panose="02020503050405090304" pitchFamily="18" charset="0"/>
+                <a:cs typeface="Times New Roman" panose="02020503050405090304" pitchFamily="18" charset="0"/>
               </a:rPr>
               <a:t>    }</a:t>
             </a:r>
+            <a:endParaRPr lang="en-US" altLang="zh-CN" dirty="0">
+              <a:latin typeface="Times New Roman" panose="02020503050405090304" pitchFamily="18" charset="0"/>
+              <a:cs typeface="Times New Roman" panose="02020503050405090304" pitchFamily="18" charset="0"/>
+            </a:endParaRPr>
           </a:p>
           <a:p>
             <a:pPr algn="just">
@@ -5922,8 +5899,8 @@
             </a:pPr>
             <a:r>
               <a:rPr lang="en-US" altLang="zh-CN" dirty="0">
-                <a:latin typeface="Times New Roman" panose="02020603050405020304" pitchFamily="18" charset="0"/>
-                <a:cs typeface="Times New Roman" panose="02020603050405020304" pitchFamily="18" charset="0"/>
+                <a:latin typeface="Times New Roman" panose="02020503050405090304" pitchFamily="18" charset="0"/>
+                <a:cs typeface="Times New Roman" panose="02020503050405090304" pitchFamily="18" charset="0"/>
               </a:rPr>
               <a:t> </a:t>
             </a:r>
@@ -5932,8 +5909,8 @@
                 <a:solidFill>
                   <a:schemeClr val="accent2"/>
                 </a:solidFill>
-                <a:latin typeface="Times New Roman" panose="02020603050405020304" pitchFamily="18" charset="0"/>
-                <a:cs typeface="Times New Roman" panose="02020603050405020304" pitchFamily="18" charset="0"/>
+                <a:latin typeface="Times New Roman" panose="02020503050405090304" pitchFamily="18" charset="0"/>
+                <a:cs typeface="Times New Roman" panose="02020503050405090304" pitchFamily="18" charset="0"/>
               </a:rPr>
               <a:t>   public void </a:t>
             </a:r>
@@ -5942,18 +5919,22 @@
                 <a:solidFill>
                   <a:srgbClr val="00B0F0"/>
                 </a:solidFill>
-                <a:latin typeface="Times New Roman" panose="02020603050405020304" pitchFamily="18" charset="0"/>
-                <a:cs typeface="Times New Roman" panose="02020603050405020304" pitchFamily="18" charset="0"/>
+                <a:latin typeface="Times New Roman" panose="02020503050405090304" pitchFamily="18" charset="0"/>
+                <a:cs typeface="Times New Roman" panose="02020503050405090304" pitchFamily="18" charset="0"/>
               </a:rPr>
               <a:t>startServer</a:t>
             </a:r>
             <a:r>
               <a:rPr lang="en-US" altLang="zh-CN" dirty="0">
-                <a:latin typeface="Times New Roman" panose="02020603050405020304" pitchFamily="18" charset="0"/>
-                <a:cs typeface="Times New Roman" panose="02020603050405020304" pitchFamily="18" charset="0"/>
+                <a:latin typeface="Times New Roman" panose="02020503050405090304" pitchFamily="18" charset="0"/>
+                <a:cs typeface="Times New Roman" panose="02020503050405090304" pitchFamily="18" charset="0"/>
               </a:rPr>
               <a:t>(){</a:t>
             </a:r>
+            <a:endParaRPr lang="en-US" altLang="zh-CN" dirty="0">
+              <a:latin typeface="Times New Roman" panose="02020503050405090304" pitchFamily="18" charset="0"/>
+              <a:cs typeface="Times New Roman" panose="02020503050405090304" pitchFamily="18" charset="0"/>
+            </a:endParaRPr>
           </a:p>
           <a:p>
             <a:pPr algn="just">
@@ -5963,8 +5944,8 @@
             </a:pPr>
             <a:r>
               <a:rPr lang="en-US" altLang="zh-CN" dirty="0">
-                <a:latin typeface="Times New Roman" panose="02020603050405020304" pitchFamily="18" charset="0"/>
-                <a:cs typeface="Times New Roman" panose="02020603050405020304" pitchFamily="18" charset="0"/>
+                <a:latin typeface="Times New Roman" panose="02020503050405090304" pitchFamily="18" charset="0"/>
+                <a:cs typeface="Times New Roman" panose="02020503050405090304" pitchFamily="18" charset="0"/>
               </a:rPr>
               <a:t>   </a:t>
             </a:r>
@@ -5973,15 +5954,15 @@
                 <a:solidFill>
                   <a:schemeClr val="accent2"/>
                 </a:solidFill>
-                <a:latin typeface="Times New Roman" panose="02020603050405020304" pitchFamily="18" charset="0"/>
-                <a:cs typeface="Times New Roman" panose="02020603050405020304" pitchFamily="18" charset="0"/>
+                <a:latin typeface="Times New Roman" panose="02020503050405090304" pitchFamily="18" charset="0"/>
+                <a:cs typeface="Times New Roman" panose="02020503050405090304" pitchFamily="18" charset="0"/>
               </a:rPr>
               <a:t> while</a:t>
             </a:r>
             <a:r>
               <a:rPr lang="en-US" altLang="zh-CN" dirty="0">
-                <a:latin typeface="Times New Roman" panose="02020603050405020304" pitchFamily="18" charset="0"/>
-                <a:cs typeface="Times New Roman" panose="02020603050405020304" pitchFamily="18" charset="0"/>
+                <a:latin typeface="Times New Roman" panose="02020503050405090304" pitchFamily="18" charset="0"/>
+                <a:cs typeface="Times New Roman" panose="02020503050405090304" pitchFamily="18" charset="0"/>
               </a:rPr>
               <a:t>(!</a:t>
             </a:r>
@@ -5990,25 +5971,29 @@
                 <a:solidFill>
                   <a:srgbClr val="FF00FF"/>
                 </a:solidFill>
-                <a:latin typeface="Times New Roman" panose="02020603050405020304" pitchFamily="18" charset="0"/>
-                <a:cs typeface="Times New Roman" panose="02020603050405020304" pitchFamily="18" charset="0"/>
+                <a:latin typeface="Times New Roman" panose="02020503050405090304" pitchFamily="18" charset="0"/>
+                <a:cs typeface="Times New Roman" panose="02020503050405090304" pitchFamily="18" charset="0"/>
               </a:rPr>
               <a:t>serverSocket</a:t>
             </a:r>
             <a:r>
               <a:rPr lang="en-US" altLang="zh-CN" dirty="0" err="1">
-                <a:latin typeface="Times New Roman" panose="02020603050405020304" pitchFamily="18" charset="0"/>
-                <a:cs typeface="Times New Roman" panose="02020603050405020304" pitchFamily="18" charset="0"/>
+                <a:latin typeface="Times New Roman" panose="02020503050405090304" pitchFamily="18" charset="0"/>
+                <a:cs typeface="Times New Roman" panose="02020503050405090304" pitchFamily="18" charset="0"/>
               </a:rPr>
               <a:t>.isClosed</a:t>
             </a:r>
             <a:r>
               <a:rPr lang="en-US" altLang="zh-CN" dirty="0">
-                <a:latin typeface="Times New Roman" panose="02020603050405020304" pitchFamily="18" charset="0"/>
-                <a:cs typeface="Times New Roman" panose="02020603050405020304" pitchFamily="18" charset="0"/>
+                <a:latin typeface="Times New Roman" panose="02020503050405090304" pitchFamily="18" charset="0"/>
+                <a:cs typeface="Times New Roman" panose="02020503050405090304" pitchFamily="18" charset="0"/>
               </a:rPr>
               <a:t>()){</a:t>
             </a:r>
+            <a:endParaRPr lang="en-US" altLang="zh-CN" dirty="0">
+              <a:latin typeface="Times New Roman" panose="02020503050405090304" pitchFamily="18" charset="0"/>
+              <a:cs typeface="Times New Roman" panose="02020503050405090304" pitchFamily="18" charset="0"/>
+            </a:endParaRPr>
           </a:p>
           <a:p>
             <a:pPr algn="just">
@@ -6018,22 +6003,22 @@
             </a:pPr>
             <a:r>
               <a:rPr lang="en-US" altLang="zh-CN" dirty="0">
-                <a:latin typeface="Times New Roman" panose="02020603050405020304" pitchFamily="18" charset="0"/>
-                <a:cs typeface="Times New Roman" panose="02020603050405020304" pitchFamily="18" charset="0"/>
+                <a:latin typeface="Times New Roman" panose="02020503050405090304" pitchFamily="18" charset="0"/>
+                <a:cs typeface="Times New Roman" panose="02020503050405090304" pitchFamily="18" charset="0"/>
               </a:rPr>
               <a:t>                Socket </a:t>
             </a:r>
             <a:r>
               <a:rPr lang="en-US" altLang="zh-CN" dirty="0" err="1">
-                <a:latin typeface="Times New Roman" panose="02020603050405020304" pitchFamily="18" charset="0"/>
-                <a:cs typeface="Times New Roman" panose="02020603050405020304" pitchFamily="18" charset="0"/>
+                <a:latin typeface="Times New Roman" panose="02020503050405090304" pitchFamily="18" charset="0"/>
+                <a:cs typeface="Times New Roman" panose="02020503050405090304" pitchFamily="18" charset="0"/>
               </a:rPr>
               <a:t>socket</a:t>
             </a:r>
             <a:r>
               <a:rPr lang="en-US" altLang="zh-CN" dirty="0">
-                <a:latin typeface="Times New Roman" panose="02020603050405020304" pitchFamily="18" charset="0"/>
-                <a:cs typeface="Times New Roman" panose="02020603050405020304" pitchFamily="18" charset="0"/>
+                <a:latin typeface="Times New Roman" panose="02020503050405090304" pitchFamily="18" charset="0"/>
+                <a:cs typeface="Times New Roman" panose="02020503050405090304" pitchFamily="18" charset="0"/>
               </a:rPr>
               <a:t> = </a:t>
             </a:r>
@@ -6042,22 +6027,22 @@
                 <a:solidFill>
                   <a:srgbClr val="FF00FF"/>
                 </a:solidFill>
-                <a:latin typeface="Times New Roman" panose="02020603050405020304" pitchFamily="18" charset="0"/>
-                <a:cs typeface="Times New Roman" panose="02020603050405020304" pitchFamily="18" charset="0"/>
+                <a:latin typeface="Times New Roman" panose="02020503050405090304" pitchFamily="18" charset="0"/>
+                <a:cs typeface="Times New Roman" panose="02020503050405090304" pitchFamily="18" charset="0"/>
               </a:rPr>
               <a:t>serverSocket</a:t>
             </a:r>
             <a:r>
               <a:rPr lang="en-US" altLang="zh-CN" dirty="0" err="1">
-                <a:latin typeface="Times New Roman" panose="02020603050405020304" pitchFamily="18" charset="0"/>
-                <a:cs typeface="Times New Roman" panose="02020603050405020304" pitchFamily="18" charset="0"/>
+                <a:latin typeface="Times New Roman" panose="02020503050405090304" pitchFamily="18" charset="0"/>
+                <a:cs typeface="Times New Roman" panose="02020503050405090304" pitchFamily="18" charset="0"/>
               </a:rPr>
               <a:t>.accept</a:t>
             </a:r>
             <a:r>
               <a:rPr lang="en-US" altLang="zh-CN" dirty="0">
-                <a:latin typeface="Times New Roman" panose="02020603050405020304" pitchFamily="18" charset="0"/>
-                <a:cs typeface="Times New Roman" panose="02020603050405020304" pitchFamily="18" charset="0"/>
+                <a:latin typeface="Times New Roman" panose="02020503050405090304" pitchFamily="18" charset="0"/>
+                <a:cs typeface="Times New Roman" panose="02020503050405090304" pitchFamily="18" charset="0"/>
               </a:rPr>
               <a:t>(); </a:t>
             </a:r>
@@ -6066,11 +6051,18 @@
                 <a:solidFill>
                   <a:srgbClr val="FF0000"/>
                 </a:solidFill>
-                <a:latin typeface="Times New Roman" panose="02020603050405020304" pitchFamily="18" charset="0"/>
-                <a:cs typeface="Times New Roman" panose="02020603050405020304" pitchFamily="18" charset="0"/>
+                <a:latin typeface="Times New Roman" panose="02020503050405090304" pitchFamily="18" charset="0"/>
+                <a:cs typeface="Times New Roman" panose="02020503050405090304" pitchFamily="18" charset="0"/>
               </a:rPr>
               <a:t>// See previous slides, returns the socket and establish a connection between server and client</a:t>
             </a:r>
+            <a:endParaRPr lang="en-US" altLang="zh-CN" dirty="0">
+              <a:solidFill>
+                <a:srgbClr val="FF0000"/>
+              </a:solidFill>
+              <a:latin typeface="Times New Roman" panose="02020503050405090304" pitchFamily="18" charset="0"/>
+              <a:cs typeface="Times New Roman" panose="02020503050405090304" pitchFamily="18" charset="0"/>
+            </a:endParaRPr>
           </a:p>
           <a:p>
             <a:pPr algn="just">
@@ -6080,8 +6072,8 @@
             </a:pPr>
             <a:r>
               <a:rPr lang="en-US" altLang="zh-CN" dirty="0">
-                <a:latin typeface="Times New Roman" panose="02020603050405020304" pitchFamily="18" charset="0"/>
-                <a:cs typeface="Times New Roman" panose="02020603050405020304" pitchFamily="18" charset="0"/>
+                <a:latin typeface="Times New Roman" panose="02020503050405090304" pitchFamily="18" charset="0"/>
+                <a:cs typeface="Times New Roman" panose="02020503050405090304" pitchFamily="18" charset="0"/>
               </a:rPr>
               <a:t>                </a:t>
             </a:r>
@@ -6090,11 +6082,18 @@
                 <a:solidFill>
                   <a:srgbClr val="FF0000"/>
                 </a:solidFill>
-                <a:latin typeface="Times New Roman" panose="02020603050405020304" pitchFamily="18" charset="0"/>
-                <a:cs typeface="Times New Roman" panose="02020603050405020304" pitchFamily="18" charset="0"/>
+                <a:latin typeface="Times New Roman" panose="02020503050405090304" pitchFamily="18" charset="0"/>
+                <a:cs typeface="Times New Roman" panose="02020503050405090304" pitchFamily="18" charset="0"/>
               </a:rPr>
               <a:t>// Codes needed here to handle the clients with Multithreading techniques</a:t>
             </a:r>
+            <a:endParaRPr lang="en-US" altLang="zh-CN" dirty="0">
+              <a:solidFill>
+                <a:srgbClr val="FF0000"/>
+              </a:solidFill>
+              <a:latin typeface="Times New Roman" panose="02020503050405090304" pitchFamily="18" charset="0"/>
+              <a:cs typeface="Times New Roman" panose="02020503050405090304" pitchFamily="18" charset="0"/>
+            </a:endParaRPr>
           </a:p>
           <a:p>
             <a:pPr algn="just">
@@ -6104,11 +6103,15 @@
             </a:pPr>
             <a:r>
               <a:rPr lang="en-US" altLang="zh-CN" dirty="0">
-                <a:latin typeface="Times New Roman" panose="02020603050405020304" pitchFamily="18" charset="0"/>
-                <a:cs typeface="Times New Roman" panose="02020603050405020304" pitchFamily="18" charset="0"/>
+                <a:latin typeface="Times New Roman" panose="02020503050405090304" pitchFamily="18" charset="0"/>
+                <a:cs typeface="Times New Roman" panose="02020503050405090304" pitchFamily="18" charset="0"/>
               </a:rPr>
               <a:t>            }</a:t>
             </a:r>
+            <a:endParaRPr lang="en-US" altLang="zh-CN" dirty="0">
+              <a:latin typeface="Times New Roman" panose="02020503050405090304" pitchFamily="18" charset="0"/>
+              <a:cs typeface="Times New Roman" panose="02020503050405090304" pitchFamily="18" charset="0"/>
+            </a:endParaRPr>
           </a:p>
           <a:p>
             <a:pPr algn="just">
@@ -6118,11 +6121,15 @@
             </a:pPr>
             <a:r>
               <a:rPr lang="en-US" altLang="zh-CN" dirty="0">
-                <a:latin typeface="Times New Roman" panose="02020603050405020304" pitchFamily="18" charset="0"/>
-                <a:cs typeface="Times New Roman" panose="02020603050405020304" pitchFamily="18" charset="0"/>
+                <a:latin typeface="Times New Roman" panose="02020503050405090304" pitchFamily="18" charset="0"/>
+                <a:cs typeface="Times New Roman" panose="02020503050405090304" pitchFamily="18" charset="0"/>
               </a:rPr>
               <a:t>    }</a:t>
             </a:r>
+            <a:endParaRPr lang="en-US" altLang="zh-CN" dirty="0">
+              <a:latin typeface="Times New Roman" panose="02020503050405090304" pitchFamily="18" charset="0"/>
+              <a:cs typeface="Times New Roman" panose="02020503050405090304" pitchFamily="18" charset="0"/>
+            </a:endParaRPr>
           </a:p>
           <a:p>
             <a:pPr algn="just">
@@ -6132,8 +6139,8 @@
             </a:pPr>
             <a:r>
               <a:rPr lang="en-US" altLang="zh-CN" dirty="0">
-                <a:latin typeface="Times New Roman" panose="02020603050405020304" pitchFamily="18" charset="0"/>
-                <a:cs typeface="Times New Roman" panose="02020603050405020304" pitchFamily="18" charset="0"/>
+                <a:latin typeface="Times New Roman" panose="02020503050405090304" pitchFamily="18" charset="0"/>
+                <a:cs typeface="Times New Roman" panose="02020503050405090304" pitchFamily="18" charset="0"/>
               </a:rPr>
               <a:t>    </a:t>
             </a:r>
@@ -6142,11 +6149,18 @@
                 <a:solidFill>
                   <a:srgbClr val="FF0000"/>
                 </a:solidFill>
-                <a:latin typeface="Times New Roman" panose="02020603050405020304" pitchFamily="18" charset="0"/>
-                <a:cs typeface="Times New Roman" panose="02020603050405020304" pitchFamily="18" charset="0"/>
+                <a:latin typeface="Times New Roman" panose="02020503050405090304" pitchFamily="18" charset="0"/>
+                <a:cs typeface="Times New Roman" panose="02020503050405090304" pitchFamily="18" charset="0"/>
               </a:rPr>
               <a:t>// Note that other functions, e.g., closing the server, are required</a:t>
             </a:r>
+            <a:endParaRPr lang="en-US" altLang="zh-CN" dirty="0">
+              <a:solidFill>
+                <a:srgbClr val="FF0000"/>
+              </a:solidFill>
+              <a:latin typeface="Times New Roman" panose="02020503050405090304" pitchFamily="18" charset="0"/>
+              <a:cs typeface="Times New Roman" panose="02020503050405090304" pitchFamily="18" charset="0"/>
+            </a:endParaRPr>
           </a:p>
           <a:p>
             <a:pPr algn="just">
@@ -6156,8 +6170,8 @@
             </a:pPr>
             <a:r>
               <a:rPr lang="en-US" altLang="zh-CN" dirty="0">
-                <a:latin typeface="Times New Roman" panose="02020603050405020304" pitchFamily="18" charset="0"/>
-                <a:cs typeface="Times New Roman" panose="02020603050405020304" pitchFamily="18" charset="0"/>
+                <a:latin typeface="Times New Roman" panose="02020503050405090304" pitchFamily="18" charset="0"/>
+                <a:cs typeface="Times New Roman" panose="02020503050405090304" pitchFamily="18" charset="0"/>
               </a:rPr>
               <a:t>    </a:t>
             </a:r>
@@ -6166,8 +6180,8 @@
                 <a:solidFill>
                   <a:schemeClr val="accent2"/>
                 </a:solidFill>
-                <a:latin typeface="Times New Roman" panose="02020603050405020304" pitchFamily="18" charset="0"/>
-                <a:cs typeface="Times New Roman" panose="02020603050405020304" pitchFamily="18" charset="0"/>
+                <a:latin typeface="Times New Roman" panose="02020503050405090304" pitchFamily="18" charset="0"/>
+                <a:cs typeface="Times New Roman" panose="02020503050405090304" pitchFamily="18" charset="0"/>
               </a:rPr>
               <a:t>public static void</a:t>
             </a:r>
@@ -6176,29 +6190,29 @@
                 <a:solidFill>
                   <a:srgbClr val="00B0F0"/>
                 </a:solidFill>
-                <a:latin typeface="Times New Roman" panose="02020603050405020304" pitchFamily="18" charset="0"/>
-                <a:cs typeface="Times New Roman" panose="02020603050405020304" pitchFamily="18" charset="0"/>
+                <a:latin typeface="Times New Roman" panose="02020503050405090304" pitchFamily="18" charset="0"/>
+                <a:cs typeface="Times New Roman" panose="02020503050405090304" pitchFamily="18" charset="0"/>
               </a:rPr>
               <a:t> main</a:t>
             </a:r>
             <a:r>
               <a:rPr lang="en-US" altLang="zh-CN" dirty="0">
-                <a:latin typeface="Times New Roman" panose="02020603050405020304" pitchFamily="18" charset="0"/>
-                <a:cs typeface="Times New Roman" panose="02020603050405020304" pitchFamily="18" charset="0"/>
+                <a:latin typeface="Times New Roman" panose="02020503050405090304" pitchFamily="18" charset="0"/>
+                <a:cs typeface="Times New Roman" panose="02020503050405090304" pitchFamily="18" charset="0"/>
               </a:rPr>
               <a:t>(String[] </a:t>
             </a:r>
             <a:r>
               <a:rPr lang="en-US" altLang="zh-CN" dirty="0" err="1">
-                <a:latin typeface="Times New Roman" panose="02020603050405020304" pitchFamily="18" charset="0"/>
-                <a:cs typeface="Times New Roman" panose="02020603050405020304" pitchFamily="18" charset="0"/>
+                <a:latin typeface="Times New Roman" panose="02020503050405090304" pitchFamily="18" charset="0"/>
+                <a:cs typeface="Times New Roman" panose="02020503050405090304" pitchFamily="18" charset="0"/>
               </a:rPr>
               <a:t>args</a:t>
             </a:r>
             <a:r>
               <a:rPr lang="en-US" altLang="zh-CN" dirty="0">
-                <a:latin typeface="Times New Roman" panose="02020603050405020304" pitchFamily="18" charset="0"/>
-                <a:cs typeface="Times New Roman" panose="02020603050405020304" pitchFamily="18" charset="0"/>
+                <a:latin typeface="Times New Roman" panose="02020503050405090304" pitchFamily="18" charset="0"/>
+                <a:cs typeface="Times New Roman" panose="02020503050405090304" pitchFamily="18" charset="0"/>
               </a:rPr>
               <a:t>) </a:t>
             </a:r>
@@ -6207,22 +6221,22 @@
                 <a:solidFill>
                   <a:schemeClr val="accent2"/>
                 </a:solidFill>
-                <a:latin typeface="Times New Roman" panose="02020603050405020304" pitchFamily="18" charset="0"/>
-                <a:cs typeface="Times New Roman" panose="02020603050405020304" pitchFamily="18" charset="0"/>
+                <a:latin typeface="Times New Roman" panose="02020503050405090304" pitchFamily="18" charset="0"/>
+                <a:cs typeface="Times New Roman" panose="02020503050405090304" pitchFamily="18" charset="0"/>
               </a:rPr>
               <a:t>throws </a:t>
             </a:r>
             <a:r>
               <a:rPr lang="en-US" altLang="zh-CN" dirty="0" err="1">
-                <a:latin typeface="Times New Roman" panose="02020603050405020304" pitchFamily="18" charset="0"/>
-                <a:cs typeface="Times New Roman" panose="02020603050405020304" pitchFamily="18" charset="0"/>
+                <a:latin typeface="Times New Roman" panose="02020503050405090304" pitchFamily="18" charset="0"/>
+                <a:cs typeface="Times New Roman" panose="02020503050405090304" pitchFamily="18" charset="0"/>
               </a:rPr>
               <a:t>IOException</a:t>
             </a:r>
             <a:r>
               <a:rPr lang="en-US" altLang="zh-CN" dirty="0">
-                <a:latin typeface="Times New Roman" panose="02020603050405020304" pitchFamily="18" charset="0"/>
-                <a:cs typeface="Times New Roman" panose="02020603050405020304" pitchFamily="18" charset="0"/>
+                <a:latin typeface="Times New Roman" panose="02020503050405090304" pitchFamily="18" charset="0"/>
+                <a:cs typeface="Times New Roman" panose="02020503050405090304" pitchFamily="18" charset="0"/>
               </a:rPr>
               <a:t> { </a:t>
             </a:r>
@@ -6231,11 +6245,18 @@
                 <a:solidFill>
                   <a:srgbClr val="FF0000"/>
                 </a:solidFill>
-                <a:latin typeface="Times New Roman" panose="02020603050405020304" pitchFamily="18" charset="0"/>
-                <a:cs typeface="Times New Roman" panose="02020603050405020304" pitchFamily="18" charset="0"/>
+                <a:latin typeface="Times New Roman" panose="02020503050405090304" pitchFamily="18" charset="0"/>
+                <a:cs typeface="Times New Roman" panose="02020503050405090304" pitchFamily="18" charset="0"/>
               </a:rPr>
               <a:t>// the “main” function</a:t>
             </a:r>
+            <a:endParaRPr lang="en-US" altLang="zh-CN" dirty="0">
+              <a:solidFill>
+                <a:srgbClr val="FF0000"/>
+              </a:solidFill>
+              <a:latin typeface="Times New Roman" panose="02020503050405090304" pitchFamily="18" charset="0"/>
+              <a:cs typeface="Times New Roman" panose="02020503050405090304" pitchFamily="18" charset="0"/>
+            </a:endParaRPr>
           </a:p>
           <a:p>
             <a:pPr algn="just">
@@ -6245,36 +6266,36 @@
             </a:pPr>
             <a:r>
               <a:rPr lang="en-US" altLang="zh-CN" dirty="0">
-                <a:latin typeface="Times New Roman" panose="02020603050405020304" pitchFamily="18" charset="0"/>
-                <a:cs typeface="Times New Roman" panose="02020603050405020304" pitchFamily="18" charset="0"/>
+                <a:latin typeface="Times New Roman" panose="02020503050405090304" pitchFamily="18" charset="0"/>
+                <a:cs typeface="Times New Roman" panose="02020503050405090304" pitchFamily="18" charset="0"/>
               </a:rPr>
               <a:t>        </a:t>
             </a:r>
             <a:r>
               <a:rPr lang="en-US" altLang="zh-CN" dirty="0" err="1">
-                <a:latin typeface="Times New Roman" panose="02020603050405020304" pitchFamily="18" charset="0"/>
-                <a:cs typeface="Times New Roman" panose="02020603050405020304" pitchFamily="18" charset="0"/>
+                <a:latin typeface="Times New Roman" panose="02020503050405090304" pitchFamily="18" charset="0"/>
+                <a:cs typeface="Times New Roman" panose="02020503050405090304" pitchFamily="18" charset="0"/>
               </a:rPr>
               <a:t>ServerSocket</a:t>
             </a:r>
             <a:r>
               <a:rPr lang="en-US" altLang="zh-CN" dirty="0">
-                <a:latin typeface="Times New Roman" panose="02020603050405020304" pitchFamily="18" charset="0"/>
-                <a:cs typeface="Times New Roman" panose="02020603050405020304" pitchFamily="18" charset="0"/>
+                <a:latin typeface="Times New Roman" panose="02020503050405090304" pitchFamily="18" charset="0"/>
+                <a:cs typeface="Times New Roman" panose="02020503050405090304" pitchFamily="18" charset="0"/>
               </a:rPr>
               <a:t> </a:t>
             </a:r>
             <a:r>
               <a:rPr lang="en-US" altLang="zh-CN" dirty="0" err="1">
-                <a:latin typeface="Times New Roman" panose="02020603050405020304" pitchFamily="18" charset="0"/>
-                <a:cs typeface="Times New Roman" panose="02020603050405020304" pitchFamily="18" charset="0"/>
+                <a:latin typeface="Times New Roman" panose="02020503050405090304" pitchFamily="18" charset="0"/>
+                <a:cs typeface="Times New Roman" panose="02020503050405090304" pitchFamily="18" charset="0"/>
               </a:rPr>
               <a:t>serverSocket</a:t>
             </a:r>
             <a:r>
               <a:rPr lang="en-US" altLang="zh-CN" dirty="0">
-                <a:latin typeface="Times New Roman" panose="02020603050405020304" pitchFamily="18" charset="0"/>
-                <a:cs typeface="Times New Roman" panose="02020603050405020304" pitchFamily="18" charset="0"/>
+                <a:latin typeface="Times New Roman" panose="02020503050405090304" pitchFamily="18" charset="0"/>
+                <a:cs typeface="Times New Roman" panose="02020503050405090304" pitchFamily="18" charset="0"/>
               </a:rPr>
               <a:t> = </a:t>
             </a:r>
@@ -6283,22 +6304,22 @@
                 <a:solidFill>
                   <a:schemeClr val="accent2"/>
                 </a:solidFill>
-                <a:latin typeface="Times New Roman" panose="02020603050405020304" pitchFamily="18" charset="0"/>
-                <a:cs typeface="Times New Roman" panose="02020603050405020304" pitchFamily="18" charset="0"/>
+                <a:latin typeface="Times New Roman" panose="02020503050405090304" pitchFamily="18" charset="0"/>
+                <a:cs typeface="Times New Roman" panose="02020503050405090304" pitchFamily="18" charset="0"/>
               </a:rPr>
               <a:t>new </a:t>
             </a:r>
             <a:r>
               <a:rPr lang="en-US" altLang="zh-CN" dirty="0" err="1">
-                <a:latin typeface="Times New Roman" panose="02020603050405020304" pitchFamily="18" charset="0"/>
-                <a:cs typeface="Times New Roman" panose="02020603050405020304" pitchFamily="18" charset="0"/>
+                <a:latin typeface="Times New Roman" panose="02020503050405090304" pitchFamily="18" charset="0"/>
+                <a:cs typeface="Times New Roman" panose="02020503050405090304" pitchFamily="18" charset="0"/>
               </a:rPr>
               <a:t>ServerSocket</a:t>
             </a:r>
             <a:r>
               <a:rPr lang="en-US" altLang="zh-CN" dirty="0">
-                <a:latin typeface="Times New Roman" panose="02020603050405020304" pitchFamily="18" charset="0"/>
-                <a:cs typeface="Times New Roman" panose="02020603050405020304" pitchFamily="18" charset="0"/>
+                <a:latin typeface="Times New Roman" panose="02020503050405090304" pitchFamily="18" charset="0"/>
+                <a:cs typeface="Times New Roman" panose="02020503050405090304" pitchFamily="18" charset="0"/>
               </a:rPr>
               <a:t>(</a:t>
             </a:r>
@@ -6307,15 +6328,15 @@
                 <a:solidFill>
                   <a:schemeClr val="accent5"/>
                 </a:solidFill>
-                <a:latin typeface="Times New Roman" panose="02020603050405020304" pitchFamily="18" charset="0"/>
-                <a:cs typeface="Times New Roman" panose="02020603050405020304" pitchFamily="18" charset="0"/>
+                <a:latin typeface="Times New Roman" panose="02020503050405090304" pitchFamily="18" charset="0"/>
+                <a:cs typeface="Times New Roman" panose="02020503050405090304" pitchFamily="18" charset="0"/>
               </a:rPr>
               <a:t>1004</a:t>
             </a:r>
             <a:r>
               <a:rPr lang="en-US" altLang="zh-CN" dirty="0">
-                <a:latin typeface="Times New Roman" panose="02020603050405020304" pitchFamily="18" charset="0"/>
-                <a:cs typeface="Times New Roman" panose="02020603050405020304" pitchFamily="18" charset="0"/>
+                <a:latin typeface="Times New Roman" panose="02020503050405090304" pitchFamily="18" charset="0"/>
+                <a:cs typeface="Times New Roman" panose="02020503050405090304" pitchFamily="18" charset="0"/>
               </a:rPr>
               <a:t>); </a:t>
             </a:r>
@@ -6324,11 +6345,18 @@
                 <a:solidFill>
                   <a:srgbClr val="FF0000"/>
                 </a:solidFill>
-                <a:latin typeface="Times New Roman" panose="02020603050405020304" pitchFamily="18" charset="0"/>
-                <a:cs typeface="Times New Roman" panose="02020603050405020304" pitchFamily="18" charset="0"/>
+                <a:latin typeface="Times New Roman" panose="02020503050405090304" pitchFamily="18" charset="0"/>
+                <a:cs typeface="Times New Roman" panose="02020503050405090304" pitchFamily="18" charset="0"/>
               </a:rPr>
               <a:t>// “1004” is the port number, could be other numbers</a:t>
             </a:r>
+            <a:endParaRPr lang="en-US" altLang="zh-CN" dirty="0">
+              <a:solidFill>
+                <a:srgbClr val="FF0000"/>
+              </a:solidFill>
+              <a:latin typeface="Times New Roman" panose="02020503050405090304" pitchFamily="18" charset="0"/>
+              <a:cs typeface="Times New Roman" panose="02020503050405090304" pitchFamily="18" charset="0"/>
+            </a:endParaRPr>
           </a:p>
           <a:p>
             <a:pPr algn="just">
@@ -6338,22 +6366,22 @@
             </a:pPr>
             <a:r>
               <a:rPr lang="en-US" altLang="zh-CN" dirty="0">
-                <a:latin typeface="Times New Roman" panose="02020603050405020304" pitchFamily="18" charset="0"/>
-                <a:cs typeface="Times New Roman" panose="02020603050405020304" pitchFamily="18" charset="0"/>
+                <a:latin typeface="Times New Roman" panose="02020503050405090304" pitchFamily="18" charset="0"/>
+                <a:cs typeface="Times New Roman" panose="02020503050405090304" pitchFamily="18" charset="0"/>
               </a:rPr>
               <a:t>        Server </a:t>
             </a:r>
             <a:r>
               <a:rPr lang="en-US" altLang="zh-CN" dirty="0" err="1">
-                <a:latin typeface="Times New Roman" panose="02020603050405020304" pitchFamily="18" charset="0"/>
-                <a:cs typeface="Times New Roman" panose="02020603050405020304" pitchFamily="18" charset="0"/>
+                <a:latin typeface="Times New Roman" panose="02020503050405090304" pitchFamily="18" charset="0"/>
+                <a:cs typeface="Times New Roman" panose="02020503050405090304" pitchFamily="18" charset="0"/>
               </a:rPr>
               <a:t>server</a:t>
             </a:r>
             <a:r>
               <a:rPr lang="en-US" altLang="zh-CN" dirty="0">
-                <a:latin typeface="Times New Roman" panose="02020603050405020304" pitchFamily="18" charset="0"/>
-                <a:cs typeface="Times New Roman" panose="02020603050405020304" pitchFamily="18" charset="0"/>
+                <a:latin typeface="Times New Roman" panose="02020503050405090304" pitchFamily="18" charset="0"/>
+                <a:cs typeface="Times New Roman" panose="02020503050405090304" pitchFamily="18" charset="0"/>
               </a:rPr>
               <a:t> = </a:t>
             </a:r>
@@ -6362,32 +6390,36 @@
                 <a:solidFill>
                   <a:schemeClr val="accent2"/>
                 </a:solidFill>
-                <a:latin typeface="Times New Roman" panose="02020603050405020304" pitchFamily="18" charset="0"/>
-                <a:cs typeface="Times New Roman" panose="02020603050405020304" pitchFamily="18" charset="0"/>
+                <a:latin typeface="Times New Roman" panose="02020503050405090304" pitchFamily="18" charset="0"/>
+                <a:cs typeface="Times New Roman" panose="02020503050405090304" pitchFamily="18" charset="0"/>
               </a:rPr>
               <a:t>new </a:t>
             </a:r>
             <a:r>
               <a:rPr lang="en-US" altLang="zh-CN" dirty="0">
-                <a:latin typeface="Times New Roman" panose="02020603050405020304" pitchFamily="18" charset="0"/>
-                <a:cs typeface="Times New Roman" panose="02020603050405020304" pitchFamily="18" charset="0"/>
+                <a:latin typeface="Times New Roman" panose="02020503050405090304" pitchFamily="18" charset="0"/>
+                <a:cs typeface="Times New Roman" panose="02020503050405090304" pitchFamily="18" charset="0"/>
               </a:rPr>
               <a:t>Server(</a:t>
             </a:r>
             <a:r>
               <a:rPr lang="en-US" altLang="zh-CN" dirty="0" err="1">
-                <a:latin typeface="Times New Roman" panose="02020603050405020304" pitchFamily="18" charset="0"/>
-                <a:cs typeface="Times New Roman" panose="02020603050405020304" pitchFamily="18" charset="0"/>
+                <a:latin typeface="Times New Roman" panose="02020503050405090304" pitchFamily="18" charset="0"/>
+                <a:cs typeface="Times New Roman" panose="02020503050405090304" pitchFamily="18" charset="0"/>
               </a:rPr>
               <a:t>serverSocket</a:t>
             </a:r>
             <a:r>
               <a:rPr lang="en-US" altLang="zh-CN" dirty="0">
-                <a:latin typeface="Times New Roman" panose="02020603050405020304" pitchFamily="18" charset="0"/>
-                <a:cs typeface="Times New Roman" panose="02020603050405020304" pitchFamily="18" charset="0"/>
+                <a:latin typeface="Times New Roman" panose="02020503050405090304" pitchFamily="18" charset="0"/>
+                <a:cs typeface="Times New Roman" panose="02020503050405090304" pitchFamily="18" charset="0"/>
               </a:rPr>
               <a:t>);</a:t>
             </a:r>
+            <a:endParaRPr lang="en-US" altLang="zh-CN" dirty="0">
+              <a:latin typeface="Times New Roman" panose="02020503050405090304" pitchFamily="18" charset="0"/>
+              <a:cs typeface="Times New Roman" panose="02020503050405090304" pitchFamily="18" charset="0"/>
+            </a:endParaRPr>
           </a:p>
           <a:p>
             <a:pPr algn="just">
@@ -6397,25 +6429,29 @@
             </a:pPr>
             <a:r>
               <a:rPr lang="en-US" altLang="zh-CN" dirty="0">
-                <a:latin typeface="Times New Roman" panose="02020603050405020304" pitchFamily="18" charset="0"/>
-                <a:cs typeface="Times New Roman" panose="02020603050405020304" pitchFamily="18" charset="0"/>
+                <a:latin typeface="Times New Roman" panose="02020503050405090304" pitchFamily="18" charset="0"/>
+                <a:cs typeface="Times New Roman" panose="02020503050405090304" pitchFamily="18" charset="0"/>
               </a:rPr>
               <a:t>        </a:t>
             </a:r>
             <a:r>
               <a:rPr lang="en-US" altLang="zh-CN" dirty="0" err="1">
-                <a:latin typeface="Times New Roman" panose="02020603050405020304" pitchFamily="18" charset="0"/>
-                <a:cs typeface="Times New Roman" panose="02020603050405020304" pitchFamily="18" charset="0"/>
+                <a:latin typeface="Times New Roman" panose="02020503050405090304" pitchFamily="18" charset="0"/>
+                <a:cs typeface="Times New Roman" panose="02020503050405090304" pitchFamily="18" charset="0"/>
               </a:rPr>
               <a:t>server.startServer</a:t>
             </a:r>
             <a:r>
               <a:rPr lang="en-US" altLang="zh-CN" dirty="0">
-                <a:latin typeface="Times New Roman" panose="02020603050405020304" pitchFamily="18" charset="0"/>
-                <a:cs typeface="Times New Roman" panose="02020603050405020304" pitchFamily="18" charset="0"/>
+                <a:latin typeface="Times New Roman" panose="02020503050405090304" pitchFamily="18" charset="0"/>
+                <a:cs typeface="Times New Roman" panose="02020503050405090304" pitchFamily="18" charset="0"/>
               </a:rPr>
               <a:t>();</a:t>
             </a:r>
+            <a:endParaRPr lang="en-US" altLang="zh-CN" dirty="0">
+              <a:latin typeface="Times New Roman" panose="02020503050405090304" pitchFamily="18" charset="0"/>
+              <a:cs typeface="Times New Roman" panose="02020503050405090304" pitchFamily="18" charset="0"/>
+            </a:endParaRPr>
           </a:p>
           <a:p>
             <a:pPr algn="just">
@@ -6425,11 +6461,15 @@
             </a:pPr>
             <a:r>
               <a:rPr lang="en-US" altLang="zh-CN" dirty="0">
-                <a:latin typeface="Times New Roman" panose="02020603050405020304" pitchFamily="18" charset="0"/>
-                <a:cs typeface="Times New Roman" panose="02020603050405020304" pitchFamily="18" charset="0"/>
+                <a:latin typeface="Times New Roman" panose="02020503050405090304" pitchFamily="18" charset="0"/>
+                <a:cs typeface="Times New Roman" panose="02020503050405090304" pitchFamily="18" charset="0"/>
               </a:rPr>
               <a:t>    }</a:t>
             </a:r>
+            <a:endParaRPr lang="en-US" altLang="zh-CN" dirty="0">
+              <a:latin typeface="Times New Roman" panose="02020503050405090304" pitchFamily="18" charset="0"/>
+              <a:cs typeface="Times New Roman" panose="02020503050405090304" pitchFamily="18" charset="0"/>
+            </a:endParaRPr>
           </a:p>
           <a:p>
             <a:pPr algn="just">
@@ -6439,23 +6479,21 @@
             </a:pPr>
             <a:r>
               <a:rPr lang="en-US" altLang="zh-CN" dirty="0">
-                <a:latin typeface="Times New Roman" panose="02020603050405020304" pitchFamily="18" charset="0"/>
-                <a:cs typeface="Times New Roman" panose="02020603050405020304" pitchFamily="18" charset="0"/>
+                <a:latin typeface="Times New Roman" panose="02020503050405090304" pitchFamily="18" charset="0"/>
+                <a:cs typeface="Times New Roman" panose="02020503050405090304" pitchFamily="18" charset="0"/>
               </a:rPr>
               <a:t>}</a:t>
             </a:r>
+            <a:endParaRPr lang="en-US" altLang="zh-CN" dirty="0">
+              <a:latin typeface="Times New Roman" panose="02020503050405090304" pitchFamily="18" charset="0"/>
+              <a:cs typeface="Times New Roman" panose="02020503050405090304" pitchFamily="18" charset="0"/>
+            </a:endParaRPr>
           </a:p>
         </p:txBody>
       </p:sp>
       <p:sp>
         <p:nvSpPr>
-          <p:cNvPr id="5" name="Rectangle 3">
-            <a:extLst>
-              <a:ext uri="{FF2B5EF4-FFF2-40B4-BE49-F238E27FC236}">
-                <a16:creationId xmlns:a16="http://schemas.microsoft.com/office/drawing/2014/main" id="{08E24C01-847A-1004-1FD3-C6322E2FE4AE}"/>
-              </a:ext>
-            </a:extLst>
-          </p:cNvPr>
+          <p:cNvPr id="5" name="Rectangle 3"/>
           <p:cNvSpPr>
             <a:spLocks noChangeArrowheads="1"/>
           </p:cNvSpPr>
@@ -6500,9 +6538,6 @@
         </p:spPr>
         <p:txBody>
           <a:bodyPr vert="horz" wrap="none" lIns="91440" tIns="45720" rIns="91440" bIns="45720" numCol="1" anchor="ctr" anchorCtr="0" compatLnSpc="1">
-            <a:prstTxWarp prst="textNoShape">
-              <a:avLst/>
-            </a:prstTxWarp>
             <a:spAutoFit/>
           </a:bodyPr>
           <a:lstStyle/>
@@ -6521,7 +6556,6 @@
               <a:buSzTx/>
               <a:buFontTx/>
               <a:buNone/>
-              <a:tabLst/>
             </a:pPr>
             <a:endParaRPr kumimoji="0" lang="zh-CN" altLang="zh-CN" sz="1800" b="0" i="0" u="none" strike="noStrike" cap="none" normalizeH="0" baseline="0" dirty="0">
               <a:ln>
@@ -6531,17 +6565,12 @@
                 <a:schemeClr val="tx1"/>
               </a:solidFill>
               <a:effectLst/>
-              <a:latin typeface="Arial" panose="020B0604020202020204" pitchFamily="34" charset="0"/>
+              <a:latin typeface="Arial" panose="020B0604020202090204" pitchFamily="34" charset="0"/>
             </a:endParaRPr>
           </a:p>
         </p:txBody>
       </p:sp>
     </p:spTree>
-    <p:extLst>
-      <p:ext uri="{BB962C8B-B14F-4D97-AF65-F5344CB8AC3E}">
-        <p14:creationId xmlns:p14="http://schemas.microsoft.com/office/powerpoint/2010/main" val="3386769563"/>
-      </p:ext>
-    </p:extLst>
   </p:cSld>
   <p:clrMapOvr>
     <a:masterClrMapping/>
@@ -7583,13 +7612,7 @@
       </p:sp>
       <p:sp>
         <p:nvSpPr>
-          <p:cNvPr id="2" name="文本框 1">
-            <a:extLst>
-              <a:ext uri="{FF2B5EF4-FFF2-40B4-BE49-F238E27FC236}">
-                <a16:creationId xmlns:a16="http://schemas.microsoft.com/office/drawing/2014/main" id="{033100C0-1433-7D72-A7D3-BB65F6A92211}"/>
-              </a:ext>
-            </a:extLst>
-          </p:cNvPr>
+          <p:cNvPr id="2" name="文本框 1"/>
           <p:cNvSpPr txBox="1"/>
           <p:nvPr/>
         </p:nvSpPr>
@@ -7619,18 +7642,22 @@
                 <a:solidFill>
                   <a:schemeClr val="accent2"/>
                 </a:solidFill>
-                <a:latin typeface="Times New Roman" panose="02020603050405020304" pitchFamily="18" charset="0"/>
-                <a:cs typeface="Times New Roman" panose="02020603050405020304" pitchFamily="18" charset="0"/>
+                <a:latin typeface="Times New Roman" panose="02020503050405090304" pitchFamily="18" charset="0"/>
+                <a:cs typeface="Times New Roman" panose="02020503050405090304" pitchFamily="18" charset="0"/>
               </a:rPr>
               <a:t>public class </a:t>
             </a:r>
             <a:r>
               <a:rPr lang="en-US" altLang="zh-CN" dirty="0">
-                <a:latin typeface="Times New Roman" panose="02020603050405020304" pitchFamily="18" charset="0"/>
-                <a:cs typeface="Times New Roman" panose="02020603050405020304" pitchFamily="18" charset="0"/>
+                <a:latin typeface="Times New Roman" panose="02020503050405090304" pitchFamily="18" charset="0"/>
+                <a:cs typeface="Times New Roman" panose="02020503050405090304" pitchFamily="18" charset="0"/>
               </a:rPr>
               <a:t>Client{</a:t>
             </a:r>
+            <a:endParaRPr lang="en-US" altLang="zh-CN" dirty="0">
+              <a:latin typeface="Times New Roman" panose="02020503050405090304" pitchFamily="18" charset="0"/>
+              <a:cs typeface="Times New Roman" panose="02020503050405090304" pitchFamily="18" charset="0"/>
+            </a:endParaRPr>
           </a:p>
           <a:p>
             <a:pPr algn="just">
@@ -7640,8 +7667,8 @@
             </a:pPr>
             <a:r>
               <a:rPr lang="en-US" altLang="zh-CN" dirty="0">
-                <a:latin typeface="Times New Roman" panose="02020603050405020304" pitchFamily="18" charset="0"/>
-                <a:cs typeface="Times New Roman" panose="02020603050405020304" pitchFamily="18" charset="0"/>
+                <a:latin typeface="Times New Roman" panose="02020503050405090304" pitchFamily="18" charset="0"/>
+                <a:cs typeface="Times New Roman" panose="02020503050405090304" pitchFamily="18" charset="0"/>
               </a:rPr>
               <a:t>    </a:t>
             </a:r>
@@ -7650,15 +7677,15 @@
                 <a:solidFill>
                   <a:schemeClr val="accent2"/>
                 </a:solidFill>
-                <a:latin typeface="Times New Roman" panose="02020603050405020304" pitchFamily="18" charset="0"/>
-                <a:cs typeface="Times New Roman" panose="02020603050405020304" pitchFamily="18" charset="0"/>
+                <a:latin typeface="Times New Roman" panose="02020503050405090304" pitchFamily="18" charset="0"/>
+                <a:cs typeface="Times New Roman" panose="02020503050405090304" pitchFamily="18" charset="0"/>
               </a:rPr>
               <a:t>private</a:t>
             </a:r>
             <a:r>
               <a:rPr lang="nb-NO" altLang="zh-CN" dirty="0">
-                <a:latin typeface="Times New Roman" panose="02020603050405020304" pitchFamily="18" charset="0"/>
-                <a:cs typeface="Times New Roman" panose="02020603050405020304" pitchFamily="18" charset="0"/>
+                <a:latin typeface="Times New Roman" panose="02020503050405090304" pitchFamily="18" charset="0"/>
+                <a:cs typeface="Times New Roman" panose="02020503050405090304" pitchFamily="18" charset="0"/>
               </a:rPr>
               <a:t> Socket </a:t>
             </a:r>
@@ -7667,15 +7694,15 @@
                 <a:solidFill>
                   <a:srgbClr val="FF00FF"/>
                 </a:solidFill>
-                <a:latin typeface="Times New Roman" panose="02020603050405020304" pitchFamily="18" charset="0"/>
-                <a:cs typeface="Times New Roman" panose="02020603050405020304" pitchFamily="18" charset="0"/>
+                <a:latin typeface="Times New Roman" panose="02020503050405090304" pitchFamily="18" charset="0"/>
+                <a:cs typeface="Times New Roman" panose="02020503050405090304" pitchFamily="18" charset="0"/>
               </a:rPr>
               <a:t>socket</a:t>
             </a:r>
             <a:r>
               <a:rPr lang="nb-NO" altLang="zh-CN" dirty="0">
-                <a:latin typeface="Times New Roman" panose="02020603050405020304" pitchFamily="18" charset="0"/>
-                <a:cs typeface="Times New Roman" panose="02020603050405020304" pitchFamily="18" charset="0"/>
+                <a:latin typeface="Times New Roman" panose="02020503050405090304" pitchFamily="18" charset="0"/>
+                <a:cs typeface="Times New Roman" panose="02020503050405090304" pitchFamily="18" charset="0"/>
               </a:rPr>
               <a:t>; </a:t>
             </a:r>
@@ -7684,15 +7711,15 @@
                 <a:solidFill>
                   <a:srgbClr val="FF0000"/>
                 </a:solidFill>
-                <a:latin typeface="Times New Roman" panose="02020603050405020304" pitchFamily="18" charset="0"/>
-                <a:cs typeface="Times New Roman" panose="02020603050405020304" pitchFamily="18" charset="0"/>
+                <a:latin typeface="Times New Roman" panose="02020503050405090304" pitchFamily="18" charset="0"/>
+                <a:cs typeface="Times New Roman" panose="02020503050405090304" pitchFamily="18" charset="0"/>
               </a:rPr>
               <a:t>//</a:t>
             </a:r>
             <a:r>
               <a:rPr lang="en-US" altLang="zh-CN" dirty="0">
-                <a:latin typeface="Times New Roman" panose="02020603050405020304" pitchFamily="18" charset="0"/>
-                <a:cs typeface="Times New Roman" panose="02020603050405020304" pitchFamily="18" charset="0"/>
+                <a:latin typeface="Times New Roman" panose="02020503050405090304" pitchFamily="18" charset="0"/>
+                <a:cs typeface="Times New Roman" panose="02020503050405090304" pitchFamily="18" charset="0"/>
               </a:rPr>
               <a:t> </a:t>
             </a:r>
@@ -7701,14 +7728,14 @@
                 <a:solidFill>
                   <a:srgbClr val="FF0000"/>
                 </a:solidFill>
-                <a:latin typeface="Times New Roman" panose="02020603050405020304" pitchFamily="18" charset="0"/>
-                <a:cs typeface="Times New Roman" panose="02020603050405020304" pitchFamily="18" charset="0"/>
+                <a:latin typeface="Times New Roman" panose="02020503050405090304" pitchFamily="18" charset="0"/>
+                <a:cs typeface="Times New Roman" panose="02020503050405090304" pitchFamily="18" charset="0"/>
               </a:rPr>
               <a:t>See previous slides, socket is used to implement the client</a:t>
             </a:r>
             <a:endParaRPr lang="nb-NO" altLang="zh-CN" dirty="0">
-              <a:latin typeface="Times New Roman" panose="02020603050405020304" pitchFamily="18" charset="0"/>
-              <a:cs typeface="Times New Roman" panose="02020603050405020304" pitchFamily="18" charset="0"/>
+              <a:latin typeface="Times New Roman" panose="02020503050405090304" pitchFamily="18" charset="0"/>
+              <a:cs typeface="Times New Roman" panose="02020503050405090304" pitchFamily="18" charset="0"/>
             </a:endParaRPr>
           </a:p>
           <a:p>
@@ -7719,8 +7746,8 @@
             </a:pPr>
             <a:r>
               <a:rPr lang="nb-NO" altLang="zh-CN" dirty="0">
-                <a:latin typeface="Times New Roman" panose="02020603050405020304" pitchFamily="18" charset="0"/>
-                <a:cs typeface="Times New Roman" panose="02020603050405020304" pitchFamily="18" charset="0"/>
+                <a:latin typeface="Times New Roman" panose="02020503050405090304" pitchFamily="18" charset="0"/>
+                <a:cs typeface="Times New Roman" panose="02020503050405090304" pitchFamily="18" charset="0"/>
               </a:rPr>
               <a:t>    </a:t>
             </a:r>
@@ -7729,15 +7756,15 @@
                 <a:solidFill>
                   <a:schemeClr val="accent2"/>
                 </a:solidFill>
-                <a:latin typeface="Times New Roman" panose="02020603050405020304" pitchFamily="18" charset="0"/>
-                <a:cs typeface="Times New Roman" panose="02020603050405020304" pitchFamily="18" charset="0"/>
+                <a:latin typeface="Times New Roman" panose="02020503050405090304" pitchFamily="18" charset="0"/>
+                <a:cs typeface="Times New Roman" panose="02020503050405090304" pitchFamily="18" charset="0"/>
               </a:rPr>
               <a:t>private</a:t>
             </a:r>
             <a:r>
               <a:rPr lang="nb-NO" altLang="zh-CN" dirty="0">
-                <a:latin typeface="Times New Roman" panose="02020603050405020304" pitchFamily="18" charset="0"/>
-                <a:cs typeface="Times New Roman" panose="02020603050405020304" pitchFamily="18" charset="0"/>
+                <a:latin typeface="Times New Roman" panose="02020503050405090304" pitchFamily="18" charset="0"/>
+                <a:cs typeface="Times New Roman" panose="02020503050405090304" pitchFamily="18" charset="0"/>
               </a:rPr>
               <a:t> BufferedReader </a:t>
             </a:r>
@@ -7746,15 +7773,15 @@
                 <a:solidFill>
                   <a:srgbClr val="FF00FF"/>
                 </a:solidFill>
-                <a:latin typeface="Times New Roman" panose="02020603050405020304" pitchFamily="18" charset="0"/>
-                <a:cs typeface="Times New Roman" panose="02020603050405020304" pitchFamily="18" charset="0"/>
+                <a:latin typeface="Times New Roman" panose="02020503050405090304" pitchFamily="18" charset="0"/>
+                <a:cs typeface="Times New Roman" panose="02020503050405090304" pitchFamily="18" charset="0"/>
               </a:rPr>
               <a:t>bufferedReader</a:t>
             </a:r>
             <a:r>
               <a:rPr lang="nb-NO" altLang="zh-CN" dirty="0">
-                <a:latin typeface="Times New Roman" panose="02020603050405020304" pitchFamily="18" charset="0"/>
-                <a:cs typeface="Times New Roman" panose="02020603050405020304" pitchFamily="18" charset="0"/>
+                <a:latin typeface="Times New Roman" panose="02020503050405090304" pitchFamily="18" charset="0"/>
+                <a:cs typeface="Times New Roman" panose="02020503050405090304" pitchFamily="18" charset="0"/>
               </a:rPr>
               <a:t>; </a:t>
             </a:r>
@@ -7763,11 +7790,18 @@
                 <a:solidFill>
                   <a:srgbClr val="FF0000"/>
                 </a:solidFill>
-                <a:latin typeface="Times New Roman" panose="02020603050405020304" pitchFamily="18" charset="0"/>
-                <a:cs typeface="Times New Roman" panose="02020603050405020304" pitchFamily="18" charset="0"/>
+                <a:latin typeface="Times New Roman" panose="02020503050405090304" pitchFamily="18" charset="0"/>
+                <a:cs typeface="Times New Roman" panose="02020503050405090304" pitchFamily="18" charset="0"/>
               </a:rPr>
               <a:t>// Read from the server</a:t>
             </a:r>
+            <a:endParaRPr lang="nb-NO" altLang="zh-CN" dirty="0">
+              <a:solidFill>
+                <a:srgbClr val="FF0000"/>
+              </a:solidFill>
+              <a:latin typeface="Times New Roman" panose="02020503050405090304" pitchFamily="18" charset="0"/>
+              <a:cs typeface="Times New Roman" panose="02020503050405090304" pitchFamily="18" charset="0"/>
+            </a:endParaRPr>
           </a:p>
           <a:p>
             <a:pPr algn="just">
@@ -7777,8 +7811,8 @@
             </a:pPr>
             <a:r>
               <a:rPr lang="nb-NO" altLang="zh-CN" dirty="0">
-                <a:latin typeface="Times New Roman" panose="02020603050405020304" pitchFamily="18" charset="0"/>
-                <a:cs typeface="Times New Roman" panose="02020603050405020304" pitchFamily="18" charset="0"/>
+                <a:latin typeface="Times New Roman" panose="02020503050405090304" pitchFamily="18" charset="0"/>
+                <a:cs typeface="Times New Roman" panose="02020503050405090304" pitchFamily="18" charset="0"/>
               </a:rPr>
               <a:t>    </a:t>
             </a:r>
@@ -7787,15 +7821,15 @@
                 <a:solidFill>
                   <a:schemeClr val="accent2"/>
                 </a:solidFill>
-                <a:latin typeface="Times New Roman" panose="02020603050405020304" pitchFamily="18" charset="0"/>
-                <a:cs typeface="Times New Roman" panose="02020603050405020304" pitchFamily="18" charset="0"/>
+                <a:latin typeface="Times New Roman" panose="02020503050405090304" pitchFamily="18" charset="0"/>
+                <a:cs typeface="Times New Roman" panose="02020503050405090304" pitchFamily="18" charset="0"/>
               </a:rPr>
               <a:t>private</a:t>
             </a:r>
             <a:r>
               <a:rPr lang="nb-NO" altLang="zh-CN" dirty="0">
-                <a:latin typeface="Times New Roman" panose="02020603050405020304" pitchFamily="18" charset="0"/>
-                <a:cs typeface="Times New Roman" panose="02020603050405020304" pitchFamily="18" charset="0"/>
+                <a:latin typeface="Times New Roman" panose="02020503050405090304" pitchFamily="18" charset="0"/>
+                <a:cs typeface="Times New Roman" panose="02020503050405090304" pitchFamily="18" charset="0"/>
               </a:rPr>
               <a:t> BufferedWriter </a:t>
             </a:r>
@@ -7804,15 +7838,15 @@
                 <a:solidFill>
                   <a:srgbClr val="FF00FF"/>
                 </a:solidFill>
-                <a:latin typeface="Times New Roman" panose="02020603050405020304" pitchFamily="18" charset="0"/>
-                <a:cs typeface="Times New Roman" panose="02020603050405020304" pitchFamily="18" charset="0"/>
+                <a:latin typeface="Times New Roman" panose="02020503050405090304" pitchFamily="18" charset="0"/>
+                <a:cs typeface="Times New Roman" panose="02020503050405090304" pitchFamily="18" charset="0"/>
               </a:rPr>
               <a:t>bufferedWriter</a:t>
             </a:r>
             <a:r>
               <a:rPr lang="nb-NO" altLang="zh-CN" dirty="0">
-                <a:latin typeface="Times New Roman" panose="02020603050405020304" pitchFamily="18" charset="0"/>
-                <a:cs typeface="Times New Roman" panose="02020603050405020304" pitchFamily="18" charset="0"/>
+                <a:latin typeface="Times New Roman" panose="02020503050405090304" pitchFamily="18" charset="0"/>
+                <a:cs typeface="Times New Roman" panose="02020503050405090304" pitchFamily="18" charset="0"/>
               </a:rPr>
               <a:t>; </a:t>
             </a:r>
@@ -7821,11 +7855,18 @@
                 <a:solidFill>
                   <a:srgbClr val="FF0000"/>
                 </a:solidFill>
-                <a:latin typeface="Times New Roman" panose="02020603050405020304" pitchFamily="18" charset="0"/>
-                <a:cs typeface="Times New Roman" panose="02020603050405020304" pitchFamily="18" charset="0"/>
+                <a:latin typeface="Times New Roman" panose="02020503050405090304" pitchFamily="18" charset="0"/>
+                <a:cs typeface="Times New Roman" panose="02020503050405090304" pitchFamily="18" charset="0"/>
               </a:rPr>
               <a:t>// Write to the terminal</a:t>
             </a:r>
+            <a:endParaRPr lang="nb-NO" altLang="zh-CN" dirty="0">
+              <a:solidFill>
+                <a:srgbClr val="FF0000"/>
+              </a:solidFill>
+              <a:latin typeface="Times New Roman" panose="02020503050405090304" pitchFamily="18" charset="0"/>
+              <a:cs typeface="Times New Roman" panose="02020503050405090304" pitchFamily="18" charset="0"/>
+            </a:endParaRPr>
           </a:p>
           <a:p>
             <a:pPr algn="just">
@@ -7835,8 +7876,8 @@
             </a:pPr>
             <a:r>
               <a:rPr lang="nb-NO" altLang="zh-CN" dirty="0">
-                <a:latin typeface="Times New Roman" panose="02020603050405020304" pitchFamily="18" charset="0"/>
-                <a:cs typeface="Times New Roman" panose="02020603050405020304" pitchFamily="18" charset="0"/>
+                <a:latin typeface="Times New Roman" panose="02020503050405090304" pitchFamily="18" charset="0"/>
+                <a:cs typeface="Times New Roman" panose="02020503050405090304" pitchFamily="18" charset="0"/>
               </a:rPr>
               <a:t>    </a:t>
             </a:r>
@@ -7845,15 +7886,15 @@
                 <a:solidFill>
                   <a:schemeClr val="accent2"/>
                 </a:solidFill>
-                <a:latin typeface="Times New Roman" panose="02020603050405020304" pitchFamily="18" charset="0"/>
-                <a:cs typeface="Times New Roman" panose="02020603050405020304" pitchFamily="18" charset="0"/>
+                <a:latin typeface="Times New Roman" panose="02020503050405090304" pitchFamily="18" charset="0"/>
+                <a:cs typeface="Times New Roman" panose="02020503050405090304" pitchFamily="18" charset="0"/>
               </a:rPr>
               <a:t>private</a:t>
             </a:r>
             <a:r>
               <a:rPr lang="nb-NO" altLang="zh-CN" dirty="0">
-                <a:latin typeface="Times New Roman" panose="02020603050405020304" pitchFamily="18" charset="0"/>
-                <a:cs typeface="Times New Roman" panose="02020603050405020304" pitchFamily="18" charset="0"/>
+                <a:latin typeface="Times New Roman" panose="02020503050405090304" pitchFamily="18" charset="0"/>
+                <a:cs typeface="Times New Roman" panose="02020503050405090304" pitchFamily="18" charset="0"/>
               </a:rPr>
               <a:t> String </a:t>
             </a:r>
@@ -7862,18 +7903,22 @@
                 <a:solidFill>
                   <a:srgbClr val="FF00FF"/>
                 </a:solidFill>
-                <a:latin typeface="Times New Roman" panose="02020603050405020304" pitchFamily="18" charset="0"/>
-                <a:cs typeface="Times New Roman" panose="02020603050405020304" pitchFamily="18" charset="0"/>
+                <a:latin typeface="Times New Roman" panose="02020503050405090304" pitchFamily="18" charset="0"/>
+                <a:cs typeface="Times New Roman" panose="02020503050405090304" pitchFamily="18" charset="0"/>
               </a:rPr>
               <a:t>username</a:t>
             </a:r>
             <a:r>
               <a:rPr lang="nb-NO" altLang="zh-CN" dirty="0">
-                <a:latin typeface="Times New Roman" panose="02020603050405020304" pitchFamily="18" charset="0"/>
-                <a:cs typeface="Times New Roman" panose="02020603050405020304" pitchFamily="18" charset="0"/>
+                <a:latin typeface="Times New Roman" panose="02020503050405090304" pitchFamily="18" charset="0"/>
+                <a:cs typeface="Times New Roman" panose="02020503050405090304" pitchFamily="18" charset="0"/>
               </a:rPr>
               <a:t>;</a:t>
             </a:r>
+            <a:endParaRPr lang="nb-NO" altLang="zh-CN" dirty="0">
+              <a:latin typeface="Times New Roman" panose="02020503050405090304" pitchFamily="18" charset="0"/>
+              <a:cs typeface="Times New Roman" panose="02020503050405090304" pitchFamily="18" charset="0"/>
+            </a:endParaRPr>
           </a:p>
           <a:p>
             <a:pPr algn="just">
@@ -7883,8 +7928,8 @@
             </a:pPr>
             <a:r>
               <a:rPr lang="nb-NO" altLang="zh-CN" dirty="0">
-                <a:latin typeface="Times New Roman" panose="02020603050405020304" pitchFamily="18" charset="0"/>
-                <a:cs typeface="Times New Roman" panose="02020603050405020304" pitchFamily="18" charset="0"/>
+                <a:latin typeface="Times New Roman" panose="02020503050405090304" pitchFamily="18" charset="0"/>
+                <a:cs typeface="Times New Roman" panose="02020503050405090304" pitchFamily="18" charset="0"/>
               </a:rPr>
               <a:t>    </a:t>
             </a:r>
@@ -7893,15 +7938,15 @@
                 <a:solidFill>
                   <a:schemeClr val="accent2"/>
                 </a:solidFill>
-                <a:latin typeface="Times New Roman" panose="02020603050405020304" pitchFamily="18" charset="0"/>
-                <a:cs typeface="Times New Roman" panose="02020603050405020304" pitchFamily="18" charset="0"/>
+                <a:latin typeface="Times New Roman" panose="02020503050405090304" pitchFamily="18" charset="0"/>
+                <a:cs typeface="Times New Roman" panose="02020503050405090304" pitchFamily="18" charset="0"/>
               </a:rPr>
               <a:t>public</a:t>
             </a:r>
             <a:r>
               <a:rPr lang="nb-NO" altLang="zh-CN" dirty="0">
-                <a:latin typeface="Times New Roman" panose="02020603050405020304" pitchFamily="18" charset="0"/>
-                <a:cs typeface="Times New Roman" panose="02020603050405020304" pitchFamily="18" charset="0"/>
+                <a:latin typeface="Times New Roman" panose="02020503050405090304" pitchFamily="18" charset="0"/>
+                <a:cs typeface="Times New Roman" panose="02020503050405090304" pitchFamily="18" charset="0"/>
               </a:rPr>
               <a:t> </a:t>
             </a:r>
@@ -7910,18 +7955,22 @@
                 <a:solidFill>
                   <a:srgbClr val="00B0F0"/>
                 </a:solidFill>
-                <a:latin typeface="Times New Roman" panose="02020603050405020304" pitchFamily="18" charset="0"/>
-                <a:cs typeface="Times New Roman" panose="02020603050405020304" pitchFamily="18" charset="0"/>
+                <a:latin typeface="Times New Roman" panose="02020503050405090304" pitchFamily="18" charset="0"/>
+                <a:cs typeface="Times New Roman" panose="02020503050405090304" pitchFamily="18" charset="0"/>
               </a:rPr>
               <a:t>Client</a:t>
             </a:r>
             <a:r>
               <a:rPr lang="nb-NO" altLang="zh-CN" dirty="0">
-                <a:latin typeface="Times New Roman" panose="02020603050405020304" pitchFamily="18" charset="0"/>
-                <a:cs typeface="Times New Roman" panose="02020603050405020304" pitchFamily="18" charset="0"/>
+                <a:latin typeface="Times New Roman" panose="02020503050405090304" pitchFamily="18" charset="0"/>
+                <a:cs typeface="Times New Roman" panose="02020503050405090304" pitchFamily="18" charset="0"/>
               </a:rPr>
               <a:t>(Socket socket, String username){</a:t>
             </a:r>
+            <a:endParaRPr lang="nb-NO" altLang="zh-CN" dirty="0">
+              <a:latin typeface="Times New Roman" panose="02020503050405090304" pitchFamily="18" charset="0"/>
+              <a:cs typeface="Times New Roman" panose="02020503050405090304" pitchFamily="18" charset="0"/>
+            </a:endParaRPr>
           </a:p>
           <a:p>
             <a:pPr algn="just">
@@ -7931,8 +7980,8 @@
             </a:pPr>
             <a:r>
               <a:rPr lang="nb-NO" altLang="zh-CN" dirty="0">
-                <a:latin typeface="Times New Roman" panose="02020603050405020304" pitchFamily="18" charset="0"/>
-                <a:cs typeface="Times New Roman" panose="02020603050405020304" pitchFamily="18" charset="0"/>
+                <a:latin typeface="Times New Roman" panose="02020503050405090304" pitchFamily="18" charset="0"/>
+                <a:cs typeface="Times New Roman" panose="02020503050405090304" pitchFamily="18" charset="0"/>
               </a:rPr>
               <a:t>       </a:t>
             </a:r>
@@ -7941,15 +7990,15 @@
                 <a:solidFill>
                   <a:schemeClr val="accent2"/>
                 </a:solidFill>
-                <a:latin typeface="Times New Roman" panose="02020603050405020304" pitchFamily="18" charset="0"/>
-                <a:cs typeface="Times New Roman" panose="02020603050405020304" pitchFamily="18" charset="0"/>
+                <a:latin typeface="Times New Roman" panose="02020503050405090304" pitchFamily="18" charset="0"/>
+                <a:cs typeface="Times New Roman" panose="02020503050405090304" pitchFamily="18" charset="0"/>
               </a:rPr>
               <a:t> this</a:t>
             </a:r>
             <a:r>
               <a:rPr lang="nb-NO" altLang="zh-CN" dirty="0">
-                <a:latin typeface="Times New Roman" panose="02020603050405020304" pitchFamily="18" charset="0"/>
-                <a:cs typeface="Times New Roman" panose="02020603050405020304" pitchFamily="18" charset="0"/>
+                <a:latin typeface="Times New Roman" panose="02020503050405090304" pitchFamily="18" charset="0"/>
+                <a:cs typeface="Times New Roman" panose="02020503050405090304" pitchFamily="18" charset="0"/>
               </a:rPr>
               <a:t>.</a:t>
             </a:r>
@@ -7958,18 +8007,22 @@
                 <a:solidFill>
                   <a:srgbClr val="FF00FF"/>
                 </a:solidFill>
-                <a:latin typeface="Times New Roman" panose="02020603050405020304" pitchFamily="18" charset="0"/>
-                <a:cs typeface="Times New Roman" panose="02020603050405020304" pitchFamily="18" charset="0"/>
+                <a:latin typeface="Times New Roman" panose="02020503050405090304" pitchFamily="18" charset="0"/>
+                <a:cs typeface="Times New Roman" panose="02020503050405090304" pitchFamily="18" charset="0"/>
               </a:rPr>
               <a:t>socket</a:t>
             </a:r>
             <a:r>
               <a:rPr lang="nb-NO" altLang="zh-CN" dirty="0">
-                <a:latin typeface="Times New Roman" panose="02020603050405020304" pitchFamily="18" charset="0"/>
-                <a:cs typeface="Times New Roman" panose="02020603050405020304" pitchFamily="18" charset="0"/>
+                <a:latin typeface="Times New Roman" panose="02020503050405090304" pitchFamily="18" charset="0"/>
+                <a:cs typeface="Times New Roman" panose="02020503050405090304" pitchFamily="18" charset="0"/>
               </a:rPr>
               <a:t> = socket;</a:t>
             </a:r>
+            <a:endParaRPr lang="nb-NO" altLang="zh-CN" dirty="0">
+              <a:latin typeface="Times New Roman" panose="02020503050405090304" pitchFamily="18" charset="0"/>
+              <a:cs typeface="Times New Roman" panose="02020503050405090304" pitchFamily="18" charset="0"/>
+            </a:endParaRPr>
           </a:p>
           <a:p>
             <a:pPr algn="just">
@@ -7979,8 +8032,8 @@
             </a:pPr>
             <a:r>
               <a:rPr lang="nb-NO" altLang="zh-CN" dirty="0">
-                <a:latin typeface="Times New Roman" panose="02020603050405020304" pitchFamily="18" charset="0"/>
-                <a:cs typeface="Times New Roman" panose="02020603050405020304" pitchFamily="18" charset="0"/>
+                <a:latin typeface="Times New Roman" panose="02020503050405090304" pitchFamily="18" charset="0"/>
+                <a:cs typeface="Times New Roman" panose="02020503050405090304" pitchFamily="18" charset="0"/>
               </a:rPr>
               <a:t>        </a:t>
             </a:r>
@@ -7989,15 +8042,15 @@
                 <a:solidFill>
                   <a:schemeClr val="accent2"/>
                 </a:solidFill>
-                <a:latin typeface="Times New Roman" panose="02020603050405020304" pitchFamily="18" charset="0"/>
-                <a:cs typeface="Times New Roman" panose="02020603050405020304" pitchFamily="18" charset="0"/>
+                <a:latin typeface="Times New Roman" panose="02020503050405090304" pitchFamily="18" charset="0"/>
+                <a:cs typeface="Times New Roman" panose="02020503050405090304" pitchFamily="18" charset="0"/>
               </a:rPr>
               <a:t>this</a:t>
             </a:r>
             <a:r>
               <a:rPr lang="nb-NO" altLang="zh-CN" dirty="0">
-                <a:latin typeface="Times New Roman" panose="02020603050405020304" pitchFamily="18" charset="0"/>
-                <a:cs typeface="Times New Roman" panose="02020603050405020304" pitchFamily="18" charset="0"/>
+                <a:latin typeface="Times New Roman" panose="02020503050405090304" pitchFamily="18" charset="0"/>
+                <a:cs typeface="Times New Roman" panose="02020503050405090304" pitchFamily="18" charset="0"/>
               </a:rPr>
               <a:t>.</a:t>
             </a:r>
@@ -8006,15 +8059,15 @@
                 <a:solidFill>
                   <a:srgbClr val="FF00FF"/>
                 </a:solidFill>
-                <a:latin typeface="Times New Roman" panose="02020603050405020304" pitchFamily="18" charset="0"/>
-                <a:cs typeface="Times New Roman" panose="02020603050405020304" pitchFamily="18" charset="0"/>
+                <a:latin typeface="Times New Roman" panose="02020503050405090304" pitchFamily="18" charset="0"/>
+                <a:cs typeface="Times New Roman" panose="02020503050405090304" pitchFamily="18" charset="0"/>
               </a:rPr>
               <a:t>bufferedWriter</a:t>
             </a:r>
             <a:r>
               <a:rPr lang="nb-NO" altLang="zh-CN" dirty="0">
-                <a:latin typeface="Times New Roman" panose="02020603050405020304" pitchFamily="18" charset="0"/>
-                <a:cs typeface="Times New Roman" panose="02020603050405020304" pitchFamily="18" charset="0"/>
+                <a:latin typeface="Times New Roman" panose="02020503050405090304" pitchFamily="18" charset="0"/>
+                <a:cs typeface="Times New Roman" panose="02020503050405090304" pitchFamily="18" charset="0"/>
               </a:rPr>
               <a:t> = </a:t>
             </a:r>
@@ -8023,15 +8076,15 @@
                 <a:solidFill>
                   <a:schemeClr val="accent2"/>
                 </a:solidFill>
-                <a:latin typeface="Times New Roman" panose="02020603050405020304" pitchFamily="18" charset="0"/>
-                <a:cs typeface="Times New Roman" panose="02020603050405020304" pitchFamily="18" charset="0"/>
+                <a:latin typeface="Times New Roman" panose="02020503050405090304" pitchFamily="18" charset="0"/>
+                <a:cs typeface="Times New Roman" panose="02020503050405090304" pitchFamily="18" charset="0"/>
               </a:rPr>
               <a:t>new </a:t>
             </a:r>
             <a:r>
               <a:rPr lang="nb-NO" altLang="zh-CN" dirty="0">
-                <a:latin typeface="Times New Roman" panose="02020603050405020304" pitchFamily="18" charset="0"/>
-                <a:cs typeface="Times New Roman" panose="02020603050405020304" pitchFamily="18" charset="0"/>
+                <a:latin typeface="Times New Roman" panose="02020503050405090304" pitchFamily="18" charset="0"/>
+                <a:cs typeface="Times New Roman" panose="02020503050405090304" pitchFamily="18" charset="0"/>
               </a:rPr>
               <a:t>BufferedWriter(</a:t>
             </a:r>
@@ -8040,18 +8093,22 @@
                 <a:solidFill>
                   <a:schemeClr val="accent2"/>
                 </a:solidFill>
-                <a:latin typeface="Times New Roman" panose="02020603050405020304" pitchFamily="18" charset="0"/>
-                <a:cs typeface="Times New Roman" panose="02020603050405020304" pitchFamily="18" charset="0"/>
+                <a:latin typeface="Times New Roman" panose="02020503050405090304" pitchFamily="18" charset="0"/>
+                <a:cs typeface="Times New Roman" panose="02020503050405090304" pitchFamily="18" charset="0"/>
               </a:rPr>
               <a:t>new</a:t>
             </a:r>
             <a:r>
               <a:rPr lang="nb-NO" altLang="zh-CN" dirty="0">
-                <a:latin typeface="Times New Roman" panose="02020603050405020304" pitchFamily="18" charset="0"/>
-                <a:cs typeface="Times New Roman" panose="02020603050405020304" pitchFamily="18" charset="0"/>
+                <a:latin typeface="Times New Roman" panose="02020503050405090304" pitchFamily="18" charset="0"/>
+                <a:cs typeface="Times New Roman" panose="02020503050405090304" pitchFamily="18" charset="0"/>
               </a:rPr>
               <a:t> OutputStreamWriter((socket.getOutputStream())));</a:t>
             </a:r>
+            <a:endParaRPr lang="nb-NO" altLang="zh-CN" dirty="0">
+              <a:latin typeface="Times New Roman" panose="02020503050405090304" pitchFamily="18" charset="0"/>
+              <a:cs typeface="Times New Roman" panose="02020503050405090304" pitchFamily="18" charset="0"/>
+            </a:endParaRPr>
           </a:p>
           <a:p>
             <a:pPr algn="just">
@@ -8061,8 +8118,8 @@
             </a:pPr>
             <a:r>
               <a:rPr lang="nb-NO" altLang="zh-CN" dirty="0">
-                <a:latin typeface="Times New Roman" panose="02020603050405020304" pitchFamily="18" charset="0"/>
-                <a:cs typeface="Times New Roman" panose="02020603050405020304" pitchFamily="18" charset="0"/>
+                <a:latin typeface="Times New Roman" panose="02020503050405090304" pitchFamily="18" charset="0"/>
+                <a:cs typeface="Times New Roman" panose="02020503050405090304" pitchFamily="18" charset="0"/>
               </a:rPr>
               <a:t>       </a:t>
             </a:r>
@@ -8071,15 +8128,15 @@
                 <a:solidFill>
                   <a:schemeClr val="accent2"/>
                 </a:solidFill>
-                <a:latin typeface="Times New Roman" panose="02020603050405020304" pitchFamily="18" charset="0"/>
-                <a:cs typeface="Times New Roman" panose="02020603050405020304" pitchFamily="18" charset="0"/>
+                <a:latin typeface="Times New Roman" panose="02020503050405090304" pitchFamily="18" charset="0"/>
+                <a:cs typeface="Times New Roman" panose="02020503050405090304" pitchFamily="18" charset="0"/>
               </a:rPr>
               <a:t> this</a:t>
             </a:r>
             <a:r>
               <a:rPr lang="nb-NO" altLang="zh-CN" dirty="0">
-                <a:latin typeface="Times New Roman" panose="02020603050405020304" pitchFamily="18" charset="0"/>
-                <a:cs typeface="Times New Roman" panose="02020603050405020304" pitchFamily="18" charset="0"/>
+                <a:latin typeface="Times New Roman" panose="02020503050405090304" pitchFamily="18" charset="0"/>
+                <a:cs typeface="Times New Roman" panose="02020503050405090304" pitchFamily="18" charset="0"/>
               </a:rPr>
               <a:t>.</a:t>
             </a:r>
@@ -8088,15 +8145,15 @@
                 <a:solidFill>
                   <a:srgbClr val="FF00FF"/>
                 </a:solidFill>
-                <a:latin typeface="Times New Roman" panose="02020603050405020304" pitchFamily="18" charset="0"/>
-                <a:cs typeface="Times New Roman" panose="02020603050405020304" pitchFamily="18" charset="0"/>
+                <a:latin typeface="Times New Roman" panose="02020503050405090304" pitchFamily="18" charset="0"/>
+                <a:cs typeface="Times New Roman" panose="02020503050405090304" pitchFamily="18" charset="0"/>
               </a:rPr>
               <a:t>bufferedReader</a:t>
             </a:r>
             <a:r>
               <a:rPr lang="nb-NO" altLang="zh-CN" dirty="0">
-                <a:latin typeface="Times New Roman" panose="02020603050405020304" pitchFamily="18" charset="0"/>
-                <a:cs typeface="Times New Roman" panose="02020603050405020304" pitchFamily="18" charset="0"/>
+                <a:latin typeface="Times New Roman" panose="02020503050405090304" pitchFamily="18" charset="0"/>
+                <a:cs typeface="Times New Roman" panose="02020503050405090304" pitchFamily="18" charset="0"/>
               </a:rPr>
               <a:t> = </a:t>
             </a:r>
@@ -8105,15 +8162,15 @@
                 <a:solidFill>
                   <a:schemeClr val="accent2"/>
                 </a:solidFill>
-                <a:latin typeface="Times New Roman" panose="02020603050405020304" pitchFamily="18" charset="0"/>
-                <a:cs typeface="Times New Roman" panose="02020603050405020304" pitchFamily="18" charset="0"/>
+                <a:latin typeface="Times New Roman" panose="02020503050405090304" pitchFamily="18" charset="0"/>
+                <a:cs typeface="Times New Roman" panose="02020503050405090304" pitchFamily="18" charset="0"/>
               </a:rPr>
               <a:t>new </a:t>
             </a:r>
             <a:r>
               <a:rPr lang="nb-NO" altLang="zh-CN" dirty="0">
-                <a:latin typeface="Times New Roman" panose="02020603050405020304" pitchFamily="18" charset="0"/>
-                <a:cs typeface="Times New Roman" panose="02020603050405020304" pitchFamily="18" charset="0"/>
+                <a:latin typeface="Times New Roman" panose="02020503050405090304" pitchFamily="18" charset="0"/>
+                <a:cs typeface="Times New Roman" panose="02020503050405090304" pitchFamily="18" charset="0"/>
               </a:rPr>
               <a:t>BufferedReader((</a:t>
             </a:r>
@@ -8122,18 +8179,22 @@
                 <a:solidFill>
                   <a:schemeClr val="accent2"/>
                 </a:solidFill>
-                <a:latin typeface="Times New Roman" panose="02020603050405020304" pitchFamily="18" charset="0"/>
-                <a:cs typeface="Times New Roman" panose="02020603050405020304" pitchFamily="18" charset="0"/>
+                <a:latin typeface="Times New Roman" panose="02020503050405090304" pitchFamily="18" charset="0"/>
+                <a:cs typeface="Times New Roman" panose="02020503050405090304" pitchFamily="18" charset="0"/>
               </a:rPr>
               <a:t>new</a:t>
             </a:r>
             <a:r>
               <a:rPr lang="nb-NO" altLang="zh-CN" dirty="0">
-                <a:latin typeface="Times New Roman" panose="02020603050405020304" pitchFamily="18" charset="0"/>
-                <a:cs typeface="Times New Roman" panose="02020603050405020304" pitchFamily="18" charset="0"/>
+                <a:latin typeface="Times New Roman" panose="02020503050405090304" pitchFamily="18" charset="0"/>
+                <a:cs typeface="Times New Roman" panose="02020503050405090304" pitchFamily="18" charset="0"/>
               </a:rPr>
               <a:t> InputStreamReader(socket.getInputStream())));</a:t>
             </a:r>
+            <a:endParaRPr lang="nb-NO" altLang="zh-CN" dirty="0">
+              <a:latin typeface="Times New Roman" panose="02020503050405090304" pitchFamily="18" charset="0"/>
+              <a:cs typeface="Times New Roman" panose="02020503050405090304" pitchFamily="18" charset="0"/>
+            </a:endParaRPr>
           </a:p>
           <a:p>
             <a:pPr algn="just">
@@ -8143,8 +8204,8 @@
             </a:pPr>
             <a:r>
               <a:rPr lang="nb-NO" altLang="zh-CN" dirty="0">
-                <a:latin typeface="Times New Roman" panose="02020603050405020304" pitchFamily="18" charset="0"/>
-                <a:cs typeface="Times New Roman" panose="02020603050405020304" pitchFamily="18" charset="0"/>
+                <a:latin typeface="Times New Roman" panose="02020503050405090304" pitchFamily="18" charset="0"/>
+                <a:cs typeface="Times New Roman" panose="02020503050405090304" pitchFamily="18" charset="0"/>
               </a:rPr>
               <a:t>       </a:t>
             </a:r>
@@ -8153,15 +8214,15 @@
                 <a:solidFill>
                   <a:schemeClr val="accent2"/>
                 </a:solidFill>
-                <a:latin typeface="Times New Roman" panose="02020603050405020304" pitchFamily="18" charset="0"/>
-                <a:cs typeface="Times New Roman" panose="02020603050405020304" pitchFamily="18" charset="0"/>
+                <a:latin typeface="Times New Roman" panose="02020503050405090304" pitchFamily="18" charset="0"/>
+                <a:cs typeface="Times New Roman" panose="02020503050405090304" pitchFamily="18" charset="0"/>
               </a:rPr>
               <a:t> this</a:t>
             </a:r>
             <a:r>
               <a:rPr lang="nb-NO" altLang="zh-CN" dirty="0">
-                <a:latin typeface="Times New Roman" panose="02020603050405020304" pitchFamily="18" charset="0"/>
-                <a:cs typeface="Times New Roman" panose="02020603050405020304" pitchFamily="18" charset="0"/>
+                <a:latin typeface="Times New Roman" panose="02020503050405090304" pitchFamily="18" charset="0"/>
+                <a:cs typeface="Times New Roman" panose="02020503050405090304" pitchFamily="18" charset="0"/>
               </a:rPr>
               <a:t>.</a:t>
             </a:r>
@@ -8170,21 +8231,21 @@
                 <a:solidFill>
                   <a:srgbClr val="FF00FF"/>
                 </a:solidFill>
-                <a:latin typeface="Times New Roman" panose="02020603050405020304" pitchFamily="18" charset="0"/>
-                <a:cs typeface="Times New Roman" panose="02020603050405020304" pitchFamily="18" charset="0"/>
+                <a:latin typeface="Times New Roman" panose="02020503050405090304" pitchFamily="18" charset="0"/>
+                <a:cs typeface="Times New Roman" panose="02020503050405090304" pitchFamily="18" charset="0"/>
               </a:rPr>
               <a:t>username</a:t>
             </a:r>
             <a:r>
               <a:rPr lang="nb-NO" altLang="zh-CN" dirty="0">
-                <a:latin typeface="Times New Roman" panose="02020603050405020304" pitchFamily="18" charset="0"/>
-                <a:cs typeface="Times New Roman" panose="02020603050405020304" pitchFamily="18" charset="0"/>
+                <a:latin typeface="Times New Roman" panose="02020503050405090304" pitchFamily="18" charset="0"/>
+                <a:cs typeface="Times New Roman" panose="02020503050405090304" pitchFamily="18" charset="0"/>
               </a:rPr>
               <a:t> = username;}</a:t>
             </a:r>
             <a:endParaRPr lang="en-US" altLang="zh-CN" dirty="0">
-              <a:latin typeface="Times New Roman" panose="02020603050405020304" pitchFamily="18" charset="0"/>
-              <a:cs typeface="Times New Roman" panose="02020603050405020304" pitchFamily="18" charset="0"/>
+              <a:latin typeface="Times New Roman" panose="02020503050405090304" pitchFamily="18" charset="0"/>
+              <a:cs typeface="Times New Roman" panose="02020503050405090304" pitchFamily="18" charset="0"/>
             </a:endParaRPr>
           </a:p>
           <a:p>
@@ -8195,8 +8256,8 @@
             </a:pPr>
             <a:r>
               <a:rPr lang="en-US" altLang="zh-CN" dirty="0">
-                <a:latin typeface="Times New Roman" panose="02020603050405020304" pitchFamily="18" charset="0"/>
-                <a:cs typeface="Times New Roman" panose="02020603050405020304" pitchFamily="18" charset="0"/>
+                <a:latin typeface="Times New Roman" panose="02020503050405090304" pitchFamily="18" charset="0"/>
+                <a:cs typeface="Times New Roman" panose="02020503050405090304" pitchFamily="18" charset="0"/>
               </a:rPr>
               <a:t>   </a:t>
             </a:r>
@@ -8205,8 +8266,8 @@
                 <a:solidFill>
                   <a:schemeClr val="accent2"/>
                 </a:solidFill>
-                <a:latin typeface="Times New Roman" panose="02020603050405020304" pitchFamily="18" charset="0"/>
-                <a:cs typeface="Times New Roman" panose="02020603050405020304" pitchFamily="18" charset="0"/>
+                <a:latin typeface="Times New Roman" panose="02020503050405090304" pitchFamily="18" charset="0"/>
+                <a:cs typeface="Times New Roman" panose="02020503050405090304" pitchFamily="18" charset="0"/>
               </a:rPr>
               <a:t> public void </a:t>
             </a:r>
@@ -8215,15 +8276,15 @@
                 <a:solidFill>
                   <a:srgbClr val="00B0F0"/>
                 </a:solidFill>
-                <a:latin typeface="Times New Roman" panose="02020603050405020304" pitchFamily="18" charset="0"/>
-                <a:cs typeface="Times New Roman" panose="02020603050405020304" pitchFamily="18" charset="0"/>
+                <a:latin typeface="Times New Roman" panose="02020503050405090304" pitchFamily="18" charset="0"/>
+                <a:cs typeface="Times New Roman" panose="02020503050405090304" pitchFamily="18" charset="0"/>
               </a:rPr>
               <a:t>sendMessage</a:t>
             </a:r>
             <a:r>
               <a:rPr lang="en-US" altLang="zh-CN" dirty="0">
-                <a:latin typeface="Times New Roman" panose="02020603050405020304" pitchFamily="18" charset="0"/>
-                <a:cs typeface="Times New Roman" panose="02020603050405020304" pitchFamily="18" charset="0"/>
+                <a:latin typeface="Times New Roman" panose="02020503050405090304" pitchFamily="18" charset="0"/>
+                <a:cs typeface="Times New Roman" panose="02020503050405090304" pitchFamily="18" charset="0"/>
               </a:rPr>
               <a:t>(){</a:t>
             </a:r>
@@ -8232,8 +8293,8 @@
                 <a:solidFill>
                   <a:srgbClr val="FF0000"/>
                 </a:solidFill>
-                <a:latin typeface="Times New Roman" panose="02020603050405020304" pitchFamily="18" charset="0"/>
-                <a:cs typeface="Times New Roman" panose="02020603050405020304" pitchFamily="18" charset="0"/>
+                <a:latin typeface="Times New Roman" panose="02020503050405090304" pitchFamily="18" charset="0"/>
+                <a:cs typeface="Times New Roman" panose="02020503050405090304" pitchFamily="18" charset="0"/>
               </a:rPr>
               <a:t>// Functions leveraging </a:t>
             </a:r>
@@ -8242,18 +8303,22 @@
                 <a:solidFill>
                   <a:srgbClr val="FF0000"/>
                 </a:solidFill>
-                <a:latin typeface="Times New Roman" panose="02020603050405020304" pitchFamily="18" charset="0"/>
-                <a:cs typeface="Times New Roman" panose="02020603050405020304" pitchFamily="18" charset="0"/>
+                <a:latin typeface="Times New Roman" panose="02020503050405090304" pitchFamily="18" charset="0"/>
+                <a:cs typeface="Times New Roman" panose="02020503050405090304" pitchFamily="18" charset="0"/>
               </a:rPr>
               <a:t>bufferedWriter</a:t>
             </a:r>
             <a:r>
               <a:rPr lang="en-US" altLang="zh-CN" dirty="0">
-                <a:latin typeface="Times New Roman" panose="02020603050405020304" pitchFamily="18" charset="0"/>
-                <a:cs typeface="Times New Roman" panose="02020603050405020304" pitchFamily="18" charset="0"/>
+                <a:latin typeface="Times New Roman" panose="02020503050405090304" pitchFamily="18" charset="0"/>
+                <a:cs typeface="Times New Roman" panose="02020503050405090304" pitchFamily="18" charset="0"/>
               </a:rPr>
               <a:t>}</a:t>
             </a:r>
+            <a:endParaRPr lang="en-US" altLang="zh-CN" dirty="0">
+              <a:latin typeface="Times New Roman" panose="02020503050405090304" pitchFamily="18" charset="0"/>
+              <a:cs typeface="Times New Roman" panose="02020503050405090304" pitchFamily="18" charset="0"/>
+            </a:endParaRPr>
           </a:p>
           <a:p>
             <a:pPr algn="just">
@@ -8263,8 +8328,8 @@
             </a:pPr>
             <a:r>
               <a:rPr lang="en-US" altLang="zh-CN" dirty="0">
-                <a:latin typeface="Times New Roman" panose="02020603050405020304" pitchFamily="18" charset="0"/>
-                <a:cs typeface="Times New Roman" panose="02020603050405020304" pitchFamily="18" charset="0"/>
+                <a:latin typeface="Times New Roman" panose="02020503050405090304" pitchFamily="18" charset="0"/>
+                <a:cs typeface="Times New Roman" panose="02020503050405090304" pitchFamily="18" charset="0"/>
               </a:rPr>
               <a:t>    </a:t>
             </a:r>
@@ -8273,8 +8338,8 @@
                 <a:solidFill>
                   <a:schemeClr val="accent2"/>
                 </a:solidFill>
-                <a:latin typeface="Times New Roman" panose="02020603050405020304" pitchFamily="18" charset="0"/>
-                <a:cs typeface="Times New Roman" panose="02020603050405020304" pitchFamily="18" charset="0"/>
+                <a:latin typeface="Times New Roman" panose="02020503050405090304" pitchFamily="18" charset="0"/>
+                <a:cs typeface="Times New Roman" panose="02020503050405090304" pitchFamily="18" charset="0"/>
               </a:rPr>
               <a:t>public void </a:t>
             </a:r>
@@ -8283,15 +8348,15 @@
                 <a:solidFill>
                   <a:srgbClr val="00B0F0"/>
                 </a:solidFill>
-                <a:latin typeface="Times New Roman" panose="02020603050405020304" pitchFamily="18" charset="0"/>
-                <a:cs typeface="Times New Roman" panose="02020603050405020304" pitchFamily="18" charset="0"/>
+                <a:latin typeface="Times New Roman" panose="02020503050405090304" pitchFamily="18" charset="0"/>
+                <a:cs typeface="Times New Roman" panose="02020503050405090304" pitchFamily="18" charset="0"/>
               </a:rPr>
               <a:t>listenForMessage</a:t>
             </a:r>
             <a:r>
               <a:rPr lang="en-US" altLang="zh-CN" dirty="0">
-                <a:latin typeface="Times New Roman" panose="02020603050405020304" pitchFamily="18" charset="0"/>
-                <a:cs typeface="Times New Roman" panose="02020603050405020304" pitchFamily="18" charset="0"/>
+                <a:latin typeface="Times New Roman" panose="02020503050405090304" pitchFamily="18" charset="0"/>
+                <a:cs typeface="Times New Roman" panose="02020503050405090304" pitchFamily="18" charset="0"/>
               </a:rPr>
               <a:t>(){</a:t>
             </a:r>
@@ -8300,8 +8365,8 @@
                 <a:solidFill>
                   <a:srgbClr val="FF0000"/>
                 </a:solidFill>
-                <a:latin typeface="Times New Roman" panose="02020603050405020304" pitchFamily="18" charset="0"/>
-                <a:cs typeface="Times New Roman" panose="02020603050405020304" pitchFamily="18" charset="0"/>
+                <a:latin typeface="Times New Roman" panose="02020503050405090304" pitchFamily="18" charset="0"/>
+                <a:cs typeface="Times New Roman" panose="02020503050405090304" pitchFamily="18" charset="0"/>
               </a:rPr>
               <a:t>// Functions leveraging </a:t>
             </a:r>
@@ -8310,18 +8375,22 @@
                 <a:solidFill>
                   <a:srgbClr val="FF0000"/>
                 </a:solidFill>
-                <a:latin typeface="Times New Roman" panose="02020603050405020304" pitchFamily="18" charset="0"/>
-                <a:cs typeface="Times New Roman" panose="02020603050405020304" pitchFamily="18" charset="0"/>
+                <a:latin typeface="Times New Roman" panose="02020503050405090304" pitchFamily="18" charset="0"/>
+                <a:cs typeface="Times New Roman" panose="02020503050405090304" pitchFamily="18" charset="0"/>
               </a:rPr>
               <a:t>bufferedReader</a:t>
             </a:r>
             <a:r>
               <a:rPr lang="en-US" altLang="zh-CN" dirty="0">
-                <a:latin typeface="Times New Roman" panose="02020603050405020304" pitchFamily="18" charset="0"/>
-                <a:cs typeface="Times New Roman" panose="02020603050405020304" pitchFamily="18" charset="0"/>
+                <a:latin typeface="Times New Roman" panose="02020503050405090304" pitchFamily="18" charset="0"/>
+                <a:cs typeface="Times New Roman" panose="02020503050405090304" pitchFamily="18" charset="0"/>
               </a:rPr>
               <a:t>}</a:t>
             </a:r>
+            <a:endParaRPr lang="en-US" altLang="zh-CN" dirty="0">
+              <a:latin typeface="Times New Roman" panose="02020503050405090304" pitchFamily="18" charset="0"/>
+              <a:cs typeface="Times New Roman" panose="02020503050405090304" pitchFamily="18" charset="0"/>
+            </a:endParaRPr>
           </a:p>
           <a:p>
             <a:pPr algn="just">
@@ -8331,8 +8400,8 @@
             </a:pPr>
             <a:r>
               <a:rPr lang="en-US" altLang="zh-CN" dirty="0">
-                <a:latin typeface="Times New Roman" panose="02020603050405020304" pitchFamily="18" charset="0"/>
-                <a:cs typeface="Times New Roman" panose="02020603050405020304" pitchFamily="18" charset="0"/>
+                <a:latin typeface="Times New Roman" panose="02020503050405090304" pitchFamily="18" charset="0"/>
+                <a:cs typeface="Times New Roman" panose="02020503050405090304" pitchFamily="18" charset="0"/>
               </a:rPr>
               <a:t>     </a:t>
             </a:r>
@@ -8341,14 +8410,14 @@
                 <a:solidFill>
                   <a:srgbClr val="FF0000"/>
                 </a:solidFill>
-                <a:latin typeface="Times New Roman" panose="02020603050405020304" pitchFamily="18" charset="0"/>
-                <a:cs typeface="Times New Roman" panose="02020603050405020304" pitchFamily="18" charset="0"/>
+                <a:latin typeface="Times New Roman" panose="02020503050405090304" pitchFamily="18" charset="0"/>
+                <a:cs typeface="Times New Roman" panose="02020503050405090304" pitchFamily="18" charset="0"/>
               </a:rPr>
               <a:t>// Note that other functions, e.g., closing the client, are required</a:t>
             </a:r>
             <a:endParaRPr lang="en-US" altLang="zh-CN" dirty="0">
-              <a:latin typeface="Times New Roman" panose="02020603050405020304" pitchFamily="18" charset="0"/>
-              <a:cs typeface="Times New Roman" panose="02020603050405020304" pitchFamily="18" charset="0"/>
+              <a:latin typeface="Times New Roman" panose="02020503050405090304" pitchFamily="18" charset="0"/>
+              <a:cs typeface="Times New Roman" panose="02020503050405090304" pitchFamily="18" charset="0"/>
             </a:endParaRPr>
           </a:p>
           <a:p>
@@ -8359,8 +8428,8 @@
             </a:pPr>
             <a:r>
               <a:rPr lang="en-US" altLang="zh-CN" dirty="0">
-                <a:latin typeface="Times New Roman" panose="02020603050405020304" pitchFamily="18" charset="0"/>
-                <a:cs typeface="Times New Roman" panose="02020603050405020304" pitchFamily="18" charset="0"/>
+                <a:latin typeface="Times New Roman" panose="02020503050405090304" pitchFamily="18" charset="0"/>
+                <a:cs typeface="Times New Roman" panose="02020503050405090304" pitchFamily="18" charset="0"/>
               </a:rPr>
               <a:t>    </a:t>
             </a:r>
@@ -8369,8 +8438,8 @@
                 <a:solidFill>
                   <a:schemeClr val="accent2"/>
                 </a:solidFill>
-                <a:latin typeface="Times New Roman" panose="02020603050405020304" pitchFamily="18" charset="0"/>
-                <a:cs typeface="Times New Roman" panose="02020603050405020304" pitchFamily="18" charset="0"/>
+                <a:latin typeface="Times New Roman" panose="02020503050405090304" pitchFamily="18" charset="0"/>
+                <a:cs typeface="Times New Roman" panose="02020503050405090304" pitchFamily="18" charset="0"/>
               </a:rPr>
               <a:t>public static void </a:t>
             </a:r>
@@ -8379,43 +8448,43 @@
                 <a:solidFill>
                   <a:srgbClr val="00B0F0"/>
                 </a:solidFill>
-                <a:latin typeface="Times New Roman" panose="02020603050405020304" pitchFamily="18" charset="0"/>
-                <a:cs typeface="Times New Roman" panose="02020603050405020304" pitchFamily="18" charset="0"/>
+                <a:latin typeface="Times New Roman" panose="02020503050405090304" pitchFamily="18" charset="0"/>
+                <a:cs typeface="Times New Roman" panose="02020503050405090304" pitchFamily="18" charset="0"/>
               </a:rPr>
               <a:t>main</a:t>
             </a:r>
             <a:r>
               <a:rPr lang="en-US" altLang="zh-CN" dirty="0">
-                <a:latin typeface="Times New Roman" panose="02020603050405020304" pitchFamily="18" charset="0"/>
-                <a:cs typeface="Times New Roman" panose="02020603050405020304" pitchFamily="18" charset="0"/>
+                <a:latin typeface="Times New Roman" panose="02020503050405090304" pitchFamily="18" charset="0"/>
+                <a:cs typeface="Times New Roman" panose="02020503050405090304" pitchFamily="18" charset="0"/>
               </a:rPr>
               <a:t>(String[] </a:t>
             </a:r>
             <a:r>
               <a:rPr lang="en-US" altLang="zh-CN" dirty="0" err="1">
-                <a:latin typeface="Times New Roman" panose="02020603050405020304" pitchFamily="18" charset="0"/>
-                <a:cs typeface="Times New Roman" panose="02020603050405020304" pitchFamily="18" charset="0"/>
+                <a:latin typeface="Times New Roman" panose="02020503050405090304" pitchFamily="18" charset="0"/>
+                <a:cs typeface="Times New Roman" panose="02020503050405090304" pitchFamily="18" charset="0"/>
               </a:rPr>
               <a:t>args</a:t>
             </a:r>
             <a:r>
               <a:rPr lang="en-US" altLang="zh-CN" dirty="0">
-                <a:latin typeface="Times New Roman" panose="02020603050405020304" pitchFamily="18" charset="0"/>
-                <a:cs typeface="Times New Roman" panose="02020603050405020304" pitchFamily="18" charset="0"/>
+                <a:latin typeface="Times New Roman" panose="02020503050405090304" pitchFamily="18" charset="0"/>
+                <a:cs typeface="Times New Roman" panose="02020503050405090304" pitchFamily="18" charset="0"/>
               </a:rPr>
               <a:t>) throws </a:t>
             </a:r>
             <a:r>
               <a:rPr lang="en-US" altLang="zh-CN" dirty="0" err="1">
-                <a:latin typeface="Times New Roman" panose="02020603050405020304" pitchFamily="18" charset="0"/>
-                <a:cs typeface="Times New Roman" panose="02020603050405020304" pitchFamily="18" charset="0"/>
+                <a:latin typeface="Times New Roman" panose="02020503050405090304" pitchFamily="18" charset="0"/>
+                <a:cs typeface="Times New Roman" panose="02020503050405090304" pitchFamily="18" charset="0"/>
               </a:rPr>
               <a:t>IOException</a:t>
             </a:r>
             <a:r>
               <a:rPr lang="en-US" altLang="zh-CN" dirty="0">
-                <a:latin typeface="Times New Roman" panose="02020603050405020304" pitchFamily="18" charset="0"/>
-                <a:cs typeface="Times New Roman" panose="02020603050405020304" pitchFamily="18" charset="0"/>
+                <a:latin typeface="Times New Roman" panose="02020503050405090304" pitchFamily="18" charset="0"/>
+                <a:cs typeface="Times New Roman" panose="02020503050405090304" pitchFamily="18" charset="0"/>
               </a:rPr>
               <a:t> {</a:t>
             </a:r>
@@ -8424,14 +8493,14 @@
                 <a:solidFill>
                   <a:srgbClr val="FF0000"/>
                 </a:solidFill>
-                <a:latin typeface="Times New Roman" panose="02020603050405020304" pitchFamily="18" charset="0"/>
-                <a:cs typeface="Times New Roman" panose="02020603050405020304" pitchFamily="18" charset="0"/>
+                <a:latin typeface="Times New Roman" panose="02020503050405090304" pitchFamily="18" charset="0"/>
+                <a:cs typeface="Times New Roman" panose="02020503050405090304" pitchFamily="18" charset="0"/>
               </a:rPr>
               <a:t>// the “main” function</a:t>
             </a:r>
             <a:endParaRPr lang="en-US" altLang="zh-CN" dirty="0">
-              <a:latin typeface="Times New Roman" panose="02020603050405020304" pitchFamily="18" charset="0"/>
-              <a:cs typeface="Times New Roman" panose="02020603050405020304" pitchFamily="18" charset="0"/>
+              <a:latin typeface="Times New Roman" panose="02020503050405090304" pitchFamily="18" charset="0"/>
+              <a:cs typeface="Times New Roman" panose="02020503050405090304" pitchFamily="18" charset="0"/>
             </a:endParaRPr>
           </a:p>
           <a:p>
@@ -8442,22 +8511,22 @@
             </a:pPr>
             <a:r>
               <a:rPr lang="en-US" altLang="zh-CN" dirty="0">
-                <a:latin typeface="Times New Roman" panose="02020603050405020304" pitchFamily="18" charset="0"/>
-                <a:cs typeface="Times New Roman" panose="02020603050405020304" pitchFamily="18" charset="0"/>
+                <a:latin typeface="Times New Roman" panose="02020503050405090304" pitchFamily="18" charset="0"/>
+                <a:cs typeface="Times New Roman" panose="02020503050405090304" pitchFamily="18" charset="0"/>
               </a:rPr>
               <a:t>        Socket </a:t>
             </a:r>
             <a:r>
               <a:rPr lang="en-US" altLang="zh-CN" dirty="0" err="1">
-                <a:latin typeface="Times New Roman" panose="02020603050405020304" pitchFamily="18" charset="0"/>
-                <a:cs typeface="Times New Roman" panose="02020603050405020304" pitchFamily="18" charset="0"/>
+                <a:latin typeface="Times New Roman" panose="02020503050405090304" pitchFamily="18" charset="0"/>
+                <a:cs typeface="Times New Roman" panose="02020503050405090304" pitchFamily="18" charset="0"/>
               </a:rPr>
               <a:t>socket</a:t>
             </a:r>
             <a:r>
               <a:rPr lang="en-US" altLang="zh-CN" dirty="0">
-                <a:latin typeface="Times New Roman" panose="02020603050405020304" pitchFamily="18" charset="0"/>
-                <a:cs typeface="Times New Roman" panose="02020603050405020304" pitchFamily="18" charset="0"/>
+                <a:latin typeface="Times New Roman" panose="02020503050405090304" pitchFamily="18" charset="0"/>
+                <a:cs typeface="Times New Roman" panose="02020503050405090304" pitchFamily="18" charset="0"/>
               </a:rPr>
               <a:t> = </a:t>
             </a:r>
@@ -8466,15 +8535,15 @@
                 <a:solidFill>
                   <a:schemeClr val="accent2"/>
                 </a:solidFill>
-                <a:latin typeface="Times New Roman" panose="02020603050405020304" pitchFamily="18" charset="0"/>
-                <a:cs typeface="Times New Roman" panose="02020603050405020304" pitchFamily="18" charset="0"/>
+                <a:latin typeface="Times New Roman" panose="02020503050405090304" pitchFamily="18" charset="0"/>
+                <a:cs typeface="Times New Roman" panose="02020503050405090304" pitchFamily="18" charset="0"/>
               </a:rPr>
               <a:t>new </a:t>
             </a:r>
             <a:r>
               <a:rPr lang="en-US" altLang="zh-CN" dirty="0">
-                <a:latin typeface="Times New Roman" panose="02020603050405020304" pitchFamily="18" charset="0"/>
-                <a:cs typeface="Times New Roman" panose="02020603050405020304" pitchFamily="18" charset="0"/>
+                <a:latin typeface="Times New Roman" panose="02020503050405090304" pitchFamily="18" charset="0"/>
+                <a:cs typeface="Times New Roman" panose="02020503050405090304" pitchFamily="18" charset="0"/>
               </a:rPr>
               <a:t>Socket(</a:t>
             </a:r>
@@ -8483,15 +8552,15 @@
                 <a:solidFill>
                   <a:srgbClr val="00B050"/>
                 </a:solidFill>
-                <a:latin typeface="Times New Roman" panose="02020603050405020304" pitchFamily="18" charset="0"/>
-                <a:cs typeface="Times New Roman" panose="02020603050405020304" pitchFamily="18" charset="0"/>
+                <a:latin typeface="Times New Roman" panose="02020503050405090304" pitchFamily="18" charset="0"/>
+                <a:cs typeface="Times New Roman" panose="02020503050405090304" pitchFamily="18" charset="0"/>
               </a:rPr>
               <a:t>"localhost"</a:t>
             </a:r>
             <a:r>
               <a:rPr lang="en-US" altLang="zh-CN" dirty="0">
-                <a:latin typeface="Times New Roman" panose="02020603050405020304" pitchFamily="18" charset="0"/>
-                <a:cs typeface="Times New Roman" panose="02020603050405020304" pitchFamily="18" charset="0"/>
+                <a:latin typeface="Times New Roman" panose="02020503050405090304" pitchFamily="18" charset="0"/>
+                <a:cs typeface="Times New Roman" panose="02020503050405090304" pitchFamily="18" charset="0"/>
               </a:rPr>
               <a:t>, </a:t>
             </a:r>
@@ -8500,15 +8569,15 @@
                 <a:solidFill>
                   <a:schemeClr val="accent5"/>
                 </a:solidFill>
-                <a:latin typeface="Times New Roman" panose="02020603050405020304" pitchFamily="18" charset="0"/>
-                <a:cs typeface="Times New Roman" panose="02020603050405020304" pitchFamily="18" charset="0"/>
+                <a:latin typeface="Times New Roman" panose="02020503050405090304" pitchFamily="18" charset="0"/>
+                <a:cs typeface="Times New Roman" panose="02020503050405090304" pitchFamily="18" charset="0"/>
               </a:rPr>
               <a:t>1004</a:t>
             </a:r>
             <a:r>
               <a:rPr lang="en-US" altLang="zh-CN" dirty="0">
-                <a:latin typeface="Times New Roman" panose="02020603050405020304" pitchFamily="18" charset="0"/>
-                <a:cs typeface="Times New Roman" panose="02020603050405020304" pitchFamily="18" charset="0"/>
+                <a:latin typeface="Times New Roman" panose="02020503050405090304" pitchFamily="18" charset="0"/>
+                <a:cs typeface="Times New Roman" panose="02020503050405090304" pitchFamily="18" charset="0"/>
               </a:rPr>
               <a:t>); </a:t>
             </a:r>
@@ -8517,8 +8586,8 @@
                 <a:solidFill>
                   <a:srgbClr val="FF0000"/>
                 </a:solidFill>
-                <a:latin typeface="Times New Roman" panose="02020603050405020304" pitchFamily="18" charset="0"/>
-                <a:cs typeface="Times New Roman" panose="02020603050405020304" pitchFamily="18" charset="0"/>
+                <a:latin typeface="Times New Roman" panose="02020503050405090304" pitchFamily="18" charset="0"/>
+                <a:cs typeface="Times New Roman" panose="02020503050405090304" pitchFamily="18" charset="0"/>
               </a:rPr>
               <a:t>// In this project “localhost” is fine. Also, the port number should be equal to the </a:t>
             </a:r>
@@ -8527,8 +8596,8 @@
                 <a:solidFill>
                   <a:srgbClr val="FF0000"/>
                 </a:solidFill>
-                <a:latin typeface="Times New Roman" panose="02020603050405020304" pitchFamily="18" charset="0"/>
-                <a:cs typeface="Times New Roman" panose="02020603050405020304" pitchFamily="18" charset="0"/>
+                <a:latin typeface="Times New Roman" panose="02020503050405090304" pitchFamily="18" charset="0"/>
+                <a:cs typeface="Times New Roman" panose="02020503050405090304" pitchFamily="18" charset="0"/>
               </a:rPr>
               <a:t>serverSocket</a:t>
             </a:r>
@@ -8537,11 +8606,18 @@
                 <a:solidFill>
                   <a:srgbClr val="FF0000"/>
                 </a:solidFill>
-                <a:latin typeface="Times New Roman" panose="02020603050405020304" pitchFamily="18" charset="0"/>
-                <a:cs typeface="Times New Roman" panose="02020603050405020304" pitchFamily="18" charset="0"/>
+                <a:latin typeface="Times New Roman" panose="02020503050405090304" pitchFamily="18" charset="0"/>
+                <a:cs typeface="Times New Roman" panose="02020503050405090304" pitchFamily="18" charset="0"/>
               </a:rPr>
               <a:t>.</a:t>
             </a:r>
+            <a:endParaRPr lang="en-US" altLang="zh-CN" dirty="0">
+              <a:solidFill>
+                <a:srgbClr val="FF0000"/>
+              </a:solidFill>
+              <a:latin typeface="Times New Roman" panose="02020503050405090304" pitchFamily="18" charset="0"/>
+              <a:cs typeface="Times New Roman" panose="02020503050405090304" pitchFamily="18" charset="0"/>
+            </a:endParaRPr>
           </a:p>
           <a:p>
             <a:pPr algn="just">
@@ -8551,22 +8627,22 @@
             </a:pPr>
             <a:r>
               <a:rPr lang="en-US" altLang="zh-CN" dirty="0">
-                <a:latin typeface="Times New Roman" panose="02020603050405020304" pitchFamily="18" charset="0"/>
-                <a:cs typeface="Times New Roman" panose="02020603050405020304" pitchFamily="18" charset="0"/>
+                <a:latin typeface="Times New Roman" panose="02020503050405090304" pitchFamily="18" charset="0"/>
+                <a:cs typeface="Times New Roman" panose="02020503050405090304" pitchFamily="18" charset="0"/>
               </a:rPr>
               <a:t>        Client </a:t>
             </a:r>
             <a:r>
               <a:rPr lang="en-US" altLang="zh-CN" dirty="0" err="1">
-                <a:latin typeface="Times New Roman" panose="02020603050405020304" pitchFamily="18" charset="0"/>
-                <a:cs typeface="Times New Roman" panose="02020603050405020304" pitchFamily="18" charset="0"/>
+                <a:latin typeface="Times New Roman" panose="02020503050405090304" pitchFamily="18" charset="0"/>
+                <a:cs typeface="Times New Roman" panose="02020503050405090304" pitchFamily="18" charset="0"/>
               </a:rPr>
               <a:t>client</a:t>
             </a:r>
             <a:r>
               <a:rPr lang="en-US" altLang="zh-CN" dirty="0">
-                <a:latin typeface="Times New Roman" panose="02020603050405020304" pitchFamily="18" charset="0"/>
-                <a:cs typeface="Times New Roman" panose="02020603050405020304" pitchFamily="18" charset="0"/>
+                <a:latin typeface="Times New Roman" panose="02020503050405090304" pitchFamily="18" charset="0"/>
+                <a:cs typeface="Times New Roman" panose="02020503050405090304" pitchFamily="18" charset="0"/>
               </a:rPr>
               <a:t> = </a:t>
             </a:r>
@@ -8575,18 +8651,22 @@
                 <a:solidFill>
                   <a:schemeClr val="accent2"/>
                 </a:solidFill>
-                <a:latin typeface="Times New Roman" panose="02020603050405020304" pitchFamily="18" charset="0"/>
-                <a:cs typeface="Times New Roman" panose="02020603050405020304" pitchFamily="18" charset="0"/>
+                <a:latin typeface="Times New Roman" panose="02020503050405090304" pitchFamily="18" charset="0"/>
+                <a:cs typeface="Times New Roman" panose="02020503050405090304" pitchFamily="18" charset="0"/>
               </a:rPr>
               <a:t>new </a:t>
             </a:r>
             <a:r>
               <a:rPr lang="en-US" altLang="zh-CN" dirty="0">
-                <a:latin typeface="Times New Roman" panose="02020603050405020304" pitchFamily="18" charset="0"/>
-                <a:cs typeface="Times New Roman" panose="02020603050405020304" pitchFamily="18" charset="0"/>
+                <a:latin typeface="Times New Roman" panose="02020503050405090304" pitchFamily="18" charset="0"/>
+                <a:cs typeface="Times New Roman" panose="02020503050405090304" pitchFamily="18" charset="0"/>
               </a:rPr>
               <a:t>Client(socket, username);</a:t>
             </a:r>
+            <a:endParaRPr lang="en-US" altLang="zh-CN" dirty="0">
+              <a:latin typeface="Times New Roman" panose="02020503050405090304" pitchFamily="18" charset="0"/>
+              <a:cs typeface="Times New Roman" panose="02020503050405090304" pitchFamily="18" charset="0"/>
+            </a:endParaRPr>
           </a:p>
           <a:p>
             <a:pPr algn="just">
@@ -8596,25 +8676,29 @@
             </a:pPr>
             <a:r>
               <a:rPr lang="en-US" altLang="zh-CN" dirty="0">
-                <a:latin typeface="Times New Roman" panose="02020603050405020304" pitchFamily="18" charset="0"/>
-                <a:cs typeface="Times New Roman" panose="02020603050405020304" pitchFamily="18" charset="0"/>
+                <a:latin typeface="Times New Roman" panose="02020503050405090304" pitchFamily="18" charset="0"/>
+                <a:cs typeface="Times New Roman" panose="02020503050405090304" pitchFamily="18" charset="0"/>
               </a:rPr>
               <a:t>        </a:t>
             </a:r>
             <a:r>
               <a:rPr lang="en-US" altLang="zh-CN" dirty="0" err="1">
-                <a:latin typeface="Times New Roman" panose="02020603050405020304" pitchFamily="18" charset="0"/>
-                <a:cs typeface="Times New Roman" panose="02020603050405020304" pitchFamily="18" charset="0"/>
+                <a:latin typeface="Times New Roman" panose="02020503050405090304" pitchFamily="18" charset="0"/>
+                <a:cs typeface="Times New Roman" panose="02020503050405090304" pitchFamily="18" charset="0"/>
               </a:rPr>
               <a:t>client.listenForMessage</a:t>
             </a:r>
             <a:r>
               <a:rPr lang="en-US" altLang="zh-CN" dirty="0">
-                <a:latin typeface="Times New Roman" panose="02020603050405020304" pitchFamily="18" charset="0"/>
-                <a:cs typeface="Times New Roman" panose="02020603050405020304" pitchFamily="18" charset="0"/>
+                <a:latin typeface="Times New Roman" panose="02020503050405090304" pitchFamily="18" charset="0"/>
+                <a:cs typeface="Times New Roman" panose="02020503050405090304" pitchFamily="18" charset="0"/>
               </a:rPr>
               <a:t>();</a:t>
             </a:r>
+            <a:endParaRPr lang="en-US" altLang="zh-CN" dirty="0">
+              <a:latin typeface="Times New Roman" panose="02020503050405090304" pitchFamily="18" charset="0"/>
+              <a:cs typeface="Times New Roman" panose="02020503050405090304" pitchFamily="18" charset="0"/>
+            </a:endParaRPr>
           </a:p>
           <a:p>
             <a:pPr algn="just">
@@ -8624,25 +8708,29 @@
             </a:pPr>
             <a:r>
               <a:rPr lang="en-US" altLang="zh-CN" dirty="0">
-                <a:latin typeface="Times New Roman" panose="02020603050405020304" pitchFamily="18" charset="0"/>
-                <a:cs typeface="Times New Roman" panose="02020603050405020304" pitchFamily="18" charset="0"/>
+                <a:latin typeface="Times New Roman" panose="02020503050405090304" pitchFamily="18" charset="0"/>
+                <a:cs typeface="Times New Roman" panose="02020503050405090304" pitchFamily="18" charset="0"/>
               </a:rPr>
               <a:t>        </a:t>
             </a:r>
             <a:r>
               <a:rPr lang="en-US" altLang="zh-CN" dirty="0" err="1">
-                <a:latin typeface="Times New Roman" panose="02020603050405020304" pitchFamily="18" charset="0"/>
-                <a:cs typeface="Times New Roman" panose="02020603050405020304" pitchFamily="18" charset="0"/>
+                <a:latin typeface="Times New Roman" panose="02020503050405090304" pitchFamily="18" charset="0"/>
+                <a:cs typeface="Times New Roman" panose="02020503050405090304" pitchFamily="18" charset="0"/>
               </a:rPr>
               <a:t>client.sendMessage</a:t>
             </a:r>
             <a:r>
               <a:rPr lang="en-US" altLang="zh-CN" dirty="0">
-                <a:latin typeface="Times New Roman" panose="02020603050405020304" pitchFamily="18" charset="0"/>
-                <a:cs typeface="Times New Roman" panose="02020603050405020304" pitchFamily="18" charset="0"/>
+                <a:latin typeface="Times New Roman" panose="02020503050405090304" pitchFamily="18" charset="0"/>
+                <a:cs typeface="Times New Roman" panose="02020503050405090304" pitchFamily="18" charset="0"/>
               </a:rPr>
               <a:t>();}</a:t>
             </a:r>
+            <a:endParaRPr lang="en-US" altLang="zh-CN" dirty="0">
+              <a:latin typeface="Times New Roman" panose="02020503050405090304" pitchFamily="18" charset="0"/>
+              <a:cs typeface="Times New Roman" panose="02020503050405090304" pitchFamily="18" charset="0"/>
+            </a:endParaRPr>
           </a:p>
           <a:p>
             <a:pPr algn="just">
@@ -8652,23 +8740,21 @@
             </a:pPr>
             <a:r>
               <a:rPr lang="en-US" altLang="zh-CN" dirty="0">
-                <a:latin typeface="Times New Roman" panose="02020603050405020304" pitchFamily="18" charset="0"/>
-                <a:cs typeface="Times New Roman" panose="02020603050405020304" pitchFamily="18" charset="0"/>
+                <a:latin typeface="Times New Roman" panose="02020503050405090304" pitchFamily="18" charset="0"/>
+                <a:cs typeface="Times New Roman" panose="02020503050405090304" pitchFamily="18" charset="0"/>
               </a:rPr>
               <a:t>}</a:t>
             </a:r>
+            <a:endParaRPr lang="en-US" altLang="zh-CN" dirty="0">
+              <a:latin typeface="Times New Roman" panose="02020503050405090304" pitchFamily="18" charset="0"/>
+              <a:cs typeface="Times New Roman" panose="02020503050405090304" pitchFamily="18" charset="0"/>
+            </a:endParaRPr>
           </a:p>
         </p:txBody>
       </p:sp>
       <p:sp>
         <p:nvSpPr>
-          <p:cNvPr id="5" name="Rectangle 3">
-            <a:extLst>
-              <a:ext uri="{FF2B5EF4-FFF2-40B4-BE49-F238E27FC236}">
-                <a16:creationId xmlns:a16="http://schemas.microsoft.com/office/drawing/2014/main" id="{08E24C01-847A-1004-1FD3-C6322E2FE4AE}"/>
-              </a:ext>
-            </a:extLst>
-          </p:cNvPr>
+          <p:cNvPr id="5" name="Rectangle 3"/>
           <p:cNvSpPr>
             <a:spLocks noChangeArrowheads="1"/>
           </p:cNvSpPr>
@@ -8713,9 +8799,6 @@
         </p:spPr>
         <p:txBody>
           <a:bodyPr vert="horz" wrap="none" lIns="91440" tIns="45720" rIns="91440" bIns="45720" numCol="1" anchor="ctr" anchorCtr="0" compatLnSpc="1">
-            <a:prstTxWarp prst="textNoShape">
-              <a:avLst/>
-            </a:prstTxWarp>
             <a:spAutoFit/>
           </a:bodyPr>
           <a:lstStyle/>
@@ -8734,7 +8817,6 @@
               <a:buSzTx/>
               <a:buFontTx/>
               <a:buNone/>
-              <a:tabLst/>
             </a:pPr>
             <a:endParaRPr kumimoji="0" lang="zh-CN" altLang="zh-CN" sz="1800" b="0" i="0" u="none" strike="noStrike" cap="none" normalizeH="0" baseline="0" dirty="0">
               <a:ln>
@@ -8744,17 +8826,12 @@
                 <a:schemeClr val="tx1"/>
               </a:solidFill>
               <a:effectLst/>
-              <a:latin typeface="Arial" panose="020B0604020202020204" pitchFamily="34" charset="0"/>
+              <a:latin typeface="Arial" panose="020B0604020202090204" pitchFamily="34" charset="0"/>
             </a:endParaRPr>
           </a:p>
         </p:txBody>
       </p:sp>
     </p:spTree>
-    <p:extLst>
-      <p:ext uri="{BB962C8B-B14F-4D97-AF65-F5344CB8AC3E}">
-        <p14:creationId xmlns:p14="http://schemas.microsoft.com/office/powerpoint/2010/main" val="830530718"/>
-      </p:ext>
-    </p:extLst>
   </p:cSld>
   <p:clrMapOvr>
     <a:masterClrMapping/>
@@ -9880,20 +9957,14 @@
       </p:grpSpPr>
       <p:pic>
         <p:nvPicPr>
-          <p:cNvPr id="6" name="图片 5">
-            <a:extLst>
-              <a:ext uri="{FF2B5EF4-FFF2-40B4-BE49-F238E27FC236}">
-                <a16:creationId xmlns:a16="http://schemas.microsoft.com/office/drawing/2014/main" id="{21BAA09D-0346-9A11-A3D0-DE5FF91DFCA2}"/>
-              </a:ext>
-            </a:extLst>
-          </p:cNvPr>
+          <p:cNvPr id="6" name="图片 5"/>
           <p:cNvPicPr>
             <a:picLocks noChangeAspect="1"/>
           </p:cNvPicPr>
           <p:nvPr/>
         </p:nvPicPr>
         <p:blipFill>
-          <a:blip r:embed="rId2"/>
+          <a:blip r:embed="rId1"/>
           <a:stretch>
             <a:fillRect/>
           </a:stretch>
@@ -9935,13 +10006,7 @@
       </p:sp>
       <p:sp>
         <p:nvSpPr>
-          <p:cNvPr id="2" name="文本框 1">
-            <a:extLst>
-              <a:ext uri="{FF2B5EF4-FFF2-40B4-BE49-F238E27FC236}">
-                <a16:creationId xmlns:a16="http://schemas.microsoft.com/office/drawing/2014/main" id="{033100C0-1433-7D72-A7D3-BB65F6A92211}"/>
-              </a:ext>
-            </a:extLst>
-          </p:cNvPr>
+          <p:cNvPr id="2" name="文本框 1"/>
           <p:cNvSpPr txBox="1"/>
           <p:nvPr/>
         </p:nvSpPr>
@@ -9976,11 +10041,15 @@
             </a:pPr>
             <a:r>
               <a:rPr lang="en-US" altLang="zh-CN" dirty="0">
-                <a:latin typeface="Times New Roman" panose="02020603050405020304" pitchFamily="18" charset="0"/>
-                <a:cs typeface="Times New Roman" panose="02020603050405020304" pitchFamily="18" charset="0"/>
+                <a:latin typeface="Times New Roman" panose="02020503050405090304" pitchFamily="18" charset="0"/>
+                <a:cs typeface="Times New Roman" panose="02020503050405090304" pitchFamily="18" charset="0"/>
               </a:rPr>
               <a:t>First, find and click the “Edit Configuration” button on the upper-right position of IntelliJ IDEA.</a:t>
             </a:r>
+            <a:endParaRPr lang="en-US" altLang="zh-CN" dirty="0">
+              <a:latin typeface="Times New Roman" panose="02020503050405090304" pitchFamily="18" charset="0"/>
+              <a:cs typeface="Times New Roman" panose="02020503050405090304" pitchFamily="18" charset="0"/>
+            </a:endParaRPr>
           </a:p>
           <a:p>
             <a:pPr marL="285750" indent="-285750" algn="just">
@@ -9997,8 +10066,8 @@
               <a:buChar char="u"/>
             </a:pPr>
             <a:endParaRPr lang="en-US" altLang="zh-CN" dirty="0">
-              <a:latin typeface="Times New Roman" panose="02020603050405020304" pitchFamily="18" charset="0"/>
-              <a:cs typeface="Times New Roman" panose="02020603050405020304" pitchFamily="18" charset="0"/>
+              <a:latin typeface="Times New Roman" panose="02020503050405090304" pitchFamily="18" charset="0"/>
+              <a:cs typeface="Times New Roman" panose="02020503050405090304" pitchFamily="18" charset="0"/>
             </a:endParaRPr>
           </a:p>
           <a:p>
@@ -10016,8 +10085,8 @@
               <a:buChar char="u"/>
             </a:pPr>
             <a:endParaRPr lang="en-US" altLang="zh-CN" dirty="0">
-              <a:latin typeface="Times New Roman" panose="02020603050405020304" pitchFamily="18" charset="0"/>
-              <a:cs typeface="Times New Roman" panose="02020603050405020304" pitchFamily="18" charset="0"/>
+              <a:latin typeface="Times New Roman" panose="02020503050405090304" pitchFamily="18" charset="0"/>
+              <a:cs typeface="Times New Roman" panose="02020503050405090304" pitchFamily="18" charset="0"/>
             </a:endParaRPr>
           </a:p>
           <a:p>
@@ -10035,8 +10104,8 @@
               <a:buChar char="u"/>
             </a:pPr>
             <a:endParaRPr lang="en-US" altLang="zh-CN" dirty="0">
-              <a:latin typeface="Times New Roman" panose="02020603050405020304" pitchFamily="18" charset="0"/>
-              <a:cs typeface="Times New Roman" panose="02020603050405020304" pitchFamily="18" charset="0"/>
+              <a:latin typeface="Times New Roman" panose="02020503050405090304" pitchFamily="18" charset="0"/>
+              <a:cs typeface="Times New Roman" panose="02020503050405090304" pitchFamily="18" charset="0"/>
             </a:endParaRPr>
           </a:p>
           <a:p>
@@ -10054,8 +10123,8 @@
               <a:buChar char="u"/>
             </a:pPr>
             <a:endParaRPr lang="en-US" altLang="zh-CN" dirty="0">
-              <a:latin typeface="Times New Roman" panose="02020603050405020304" pitchFamily="18" charset="0"/>
-              <a:cs typeface="Times New Roman" panose="02020603050405020304" pitchFamily="18" charset="0"/>
+              <a:latin typeface="Times New Roman" panose="02020503050405090304" pitchFamily="18" charset="0"/>
+              <a:cs typeface="Times New Roman" panose="02020503050405090304" pitchFamily="18" charset="0"/>
             </a:endParaRPr>
           </a:p>
           <a:p>
@@ -10071,8 +10140,8 @@
               </a:buClr>
             </a:pPr>
             <a:endParaRPr lang="en-US" altLang="zh-CN" dirty="0">
-              <a:latin typeface="Times New Roman" panose="02020603050405020304" pitchFamily="18" charset="0"/>
-              <a:cs typeface="Times New Roman" panose="02020603050405020304" pitchFamily="18" charset="0"/>
+              <a:latin typeface="Times New Roman" panose="02020503050405090304" pitchFamily="18" charset="0"/>
+              <a:cs typeface="Times New Roman" panose="02020503050405090304" pitchFamily="18" charset="0"/>
             </a:endParaRPr>
           </a:p>
           <a:p>
@@ -10091,11 +10160,15 @@
             </a:pPr>
             <a:r>
               <a:rPr lang="en-US" altLang="zh-CN" dirty="0">
-                <a:latin typeface="Times New Roman" panose="02020603050405020304" pitchFamily="18" charset="0"/>
-                <a:cs typeface="Times New Roman" panose="02020603050405020304" pitchFamily="18" charset="0"/>
+                <a:latin typeface="Times New Roman" panose="02020503050405090304" pitchFamily="18" charset="0"/>
+                <a:cs typeface="Times New Roman" panose="02020503050405090304" pitchFamily="18" charset="0"/>
               </a:rPr>
               <a:t>Next, click “Modify options” button.</a:t>
             </a:r>
+            <a:endParaRPr lang="en-US" altLang="zh-CN" dirty="0">
+              <a:latin typeface="Times New Roman" panose="02020503050405090304" pitchFamily="18" charset="0"/>
+              <a:cs typeface="Times New Roman" panose="02020503050405090304" pitchFamily="18" charset="0"/>
+            </a:endParaRPr>
           </a:p>
           <a:p>
             <a:pPr marL="285750" indent="-285750" algn="just">
@@ -10113,11 +10186,15 @@
             </a:pPr>
             <a:r>
               <a:rPr lang="en-US" altLang="zh-CN" dirty="0">
-                <a:latin typeface="Times New Roman" panose="02020603050405020304" pitchFamily="18" charset="0"/>
-                <a:cs typeface="Times New Roman" panose="02020603050405020304" pitchFamily="18" charset="0"/>
+                <a:latin typeface="Times New Roman" panose="02020503050405090304" pitchFamily="18" charset="0"/>
+                <a:cs typeface="Times New Roman" panose="02020503050405090304" pitchFamily="18" charset="0"/>
               </a:rPr>
               <a:t>Then, select “Allow multiple instances” as show in this page.</a:t>
             </a:r>
+            <a:endParaRPr lang="en-US" altLang="zh-CN" dirty="0">
+              <a:latin typeface="Times New Roman" panose="02020503050405090304" pitchFamily="18" charset="0"/>
+              <a:cs typeface="Times New Roman" panose="02020503050405090304" pitchFamily="18" charset="0"/>
+            </a:endParaRPr>
           </a:p>
           <a:p>
             <a:pPr marL="285750" indent="-285750" algn="just">
@@ -10135,23 +10212,21 @@
             </a:pPr>
             <a:r>
               <a:rPr lang="en-US" altLang="zh-CN" dirty="0">
-                <a:latin typeface="Times New Roman" panose="02020603050405020304" pitchFamily="18" charset="0"/>
-                <a:cs typeface="Times New Roman" panose="02020603050405020304" pitchFamily="18" charset="0"/>
+                <a:latin typeface="Times New Roman" panose="02020503050405090304" pitchFamily="18" charset="0"/>
+                <a:cs typeface="Times New Roman" panose="02020503050405090304" pitchFamily="18" charset="0"/>
               </a:rPr>
               <a:t>Therefore, multiple clients could be run…</a:t>
             </a:r>
+            <a:endParaRPr lang="en-US" altLang="zh-CN" dirty="0">
+              <a:latin typeface="Times New Roman" panose="02020503050405090304" pitchFamily="18" charset="0"/>
+              <a:cs typeface="Times New Roman" panose="02020503050405090304" pitchFamily="18" charset="0"/>
+            </a:endParaRPr>
           </a:p>
         </p:txBody>
       </p:sp>
       <p:sp>
         <p:nvSpPr>
-          <p:cNvPr id="5" name="Rectangle 3">
-            <a:extLst>
-              <a:ext uri="{FF2B5EF4-FFF2-40B4-BE49-F238E27FC236}">
-                <a16:creationId xmlns:a16="http://schemas.microsoft.com/office/drawing/2014/main" id="{08E24C01-847A-1004-1FD3-C6322E2FE4AE}"/>
-              </a:ext>
-            </a:extLst>
-          </p:cNvPr>
+          <p:cNvPr id="5" name="Rectangle 3"/>
           <p:cNvSpPr>
             <a:spLocks noChangeArrowheads="1"/>
           </p:cNvSpPr>
@@ -10196,9 +10271,6 @@
         </p:spPr>
         <p:txBody>
           <a:bodyPr vert="horz" wrap="none" lIns="91440" tIns="45720" rIns="91440" bIns="45720" numCol="1" anchor="ctr" anchorCtr="0" compatLnSpc="1">
-            <a:prstTxWarp prst="textNoShape">
-              <a:avLst/>
-            </a:prstTxWarp>
             <a:spAutoFit/>
           </a:bodyPr>
           <a:lstStyle/>
@@ -10217,7 +10289,6 @@
               <a:buSzTx/>
               <a:buFontTx/>
               <a:buNone/>
-              <a:tabLst/>
             </a:pPr>
             <a:endParaRPr kumimoji="0" lang="zh-CN" altLang="zh-CN" sz="1800" b="0" i="0" u="none" strike="noStrike" cap="none" normalizeH="0" baseline="0" dirty="0">
               <a:ln>
@@ -10227,27 +10298,21 @@
                 <a:schemeClr val="tx1"/>
               </a:solidFill>
               <a:effectLst/>
-              <a:latin typeface="Arial" panose="020B0604020202020204" pitchFamily="34" charset="0"/>
+              <a:latin typeface="Arial" panose="020B0604020202090204" pitchFamily="34" charset="0"/>
             </a:endParaRPr>
           </a:p>
         </p:txBody>
       </p:sp>
       <p:pic>
         <p:nvPicPr>
-          <p:cNvPr id="4" name="图片 3">
-            <a:extLst>
-              <a:ext uri="{FF2B5EF4-FFF2-40B4-BE49-F238E27FC236}">
-                <a16:creationId xmlns:a16="http://schemas.microsoft.com/office/drawing/2014/main" id="{3C77376E-6739-FECE-D81F-7BE516D6D79D}"/>
-              </a:ext>
-            </a:extLst>
-          </p:cNvPr>
+          <p:cNvPr id="4" name="图片 3"/>
           <p:cNvPicPr>
             <a:picLocks noChangeAspect="1"/>
           </p:cNvPicPr>
           <p:nvPr/>
         </p:nvPicPr>
         <p:blipFill>
-          <a:blip r:embed="rId3"/>
+          <a:blip r:embed="rId2"/>
           <a:stretch>
             <a:fillRect/>
           </a:stretch>
@@ -10264,13 +10329,7 @@
       </p:pic>
       <p:sp>
         <p:nvSpPr>
-          <p:cNvPr id="7" name="文本框 6">
-            <a:extLst>
-              <a:ext uri="{FF2B5EF4-FFF2-40B4-BE49-F238E27FC236}">
-                <a16:creationId xmlns:a16="http://schemas.microsoft.com/office/drawing/2014/main" id="{4E8D5670-9034-2905-81E2-7D306670BE47}"/>
-              </a:ext>
-            </a:extLst>
-          </p:cNvPr>
+          <p:cNvPr id="7" name="文本框 6"/>
           <p:cNvSpPr txBox="1"/>
           <p:nvPr/>
         </p:nvSpPr>
@@ -10308,7 +10367,7 @@
                 </a:solidFill>
                 <a:latin typeface="Segoe UI Symbol" panose="020B0502040204020203" pitchFamily="34" charset="0"/>
                 <a:ea typeface="Segoe UI Symbol" panose="020B0502040204020203" pitchFamily="34" charset="0"/>
-                <a:cs typeface="Times New Roman" panose="02020603050405020304" pitchFamily="18" charset="0"/>
+                <a:cs typeface="Times New Roman" panose="02020503050405090304" pitchFamily="18" charset="0"/>
               </a:rPr>
               <a:t>⓵</a:t>
             </a:r>
@@ -10316,21 +10375,15 @@
               <a:solidFill>
                 <a:srgbClr val="FF0000"/>
               </a:solidFill>
-              <a:latin typeface="Times New Roman" panose="02020603050405020304" pitchFamily="18" charset="0"/>
-              <a:cs typeface="Times New Roman" panose="02020603050405020304" pitchFamily="18" charset="0"/>
+              <a:latin typeface="Times New Roman" panose="02020503050405090304" pitchFamily="18" charset="0"/>
+              <a:cs typeface="Times New Roman" panose="02020503050405090304" pitchFamily="18" charset="0"/>
             </a:endParaRPr>
           </a:p>
         </p:txBody>
       </p:sp>
       <p:sp>
         <p:nvSpPr>
-          <p:cNvPr id="8" name="文本框 7">
-            <a:extLst>
-              <a:ext uri="{FF2B5EF4-FFF2-40B4-BE49-F238E27FC236}">
-                <a16:creationId xmlns:a16="http://schemas.microsoft.com/office/drawing/2014/main" id="{F48C8274-9E40-AE7C-2905-BFA892D511DF}"/>
-              </a:ext>
-            </a:extLst>
-          </p:cNvPr>
+          <p:cNvPr id="8" name="文本框 7"/>
           <p:cNvSpPr txBox="1"/>
           <p:nvPr/>
         </p:nvSpPr>
@@ -10368,7 +10421,7 @@
                 </a:solidFill>
                 <a:latin typeface="Segoe UI Symbol" panose="020B0502040204020203" pitchFamily="34" charset="0"/>
                 <a:ea typeface="Segoe UI Symbol" panose="020B0502040204020203" pitchFamily="34" charset="0"/>
-                <a:cs typeface="Times New Roman" panose="02020603050405020304" pitchFamily="18" charset="0"/>
+                <a:cs typeface="Times New Roman" panose="02020503050405090304" pitchFamily="18" charset="0"/>
               </a:rPr>
               <a:t>⓶</a:t>
             </a:r>
@@ -10376,21 +10429,15 @@
               <a:solidFill>
                 <a:srgbClr val="FF0000"/>
               </a:solidFill>
-              <a:latin typeface="Times New Roman" panose="02020603050405020304" pitchFamily="18" charset="0"/>
-              <a:cs typeface="Times New Roman" panose="02020603050405020304" pitchFamily="18" charset="0"/>
+              <a:latin typeface="Times New Roman" panose="02020503050405090304" pitchFamily="18" charset="0"/>
+              <a:cs typeface="Times New Roman" panose="02020503050405090304" pitchFamily="18" charset="0"/>
             </a:endParaRPr>
           </a:p>
         </p:txBody>
       </p:sp>
       <p:sp>
         <p:nvSpPr>
-          <p:cNvPr id="9" name="文本框 8">
-            <a:extLst>
-              <a:ext uri="{FF2B5EF4-FFF2-40B4-BE49-F238E27FC236}">
-                <a16:creationId xmlns:a16="http://schemas.microsoft.com/office/drawing/2014/main" id="{C9C9A00F-E9A0-E7E7-43E8-B88343CDEC85}"/>
-              </a:ext>
-            </a:extLst>
-          </p:cNvPr>
+          <p:cNvPr id="9" name="文本框 8"/>
           <p:cNvSpPr txBox="1"/>
           <p:nvPr/>
         </p:nvSpPr>
@@ -10428,7 +10475,7 @@
                 </a:solidFill>
                 <a:latin typeface="Segoe UI Symbol" panose="020B0502040204020203" pitchFamily="34" charset="0"/>
                 <a:ea typeface="Segoe UI Symbol" panose="020B0502040204020203" pitchFamily="34" charset="0"/>
-                <a:cs typeface="Times New Roman" panose="02020603050405020304" pitchFamily="18" charset="0"/>
+                <a:cs typeface="Times New Roman" panose="02020503050405090304" pitchFamily="18" charset="0"/>
               </a:rPr>
               <a:t>⓷</a:t>
             </a:r>
@@ -10436,21 +10483,15 @@
               <a:solidFill>
                 <a:srgbClr val="FF0000"/>
               </a:solidFill>
-              <a:latin typeface="Times New Roman" panose="02020603050405020304" pitchFamily="18" charset="0"/>
-              <a:cs typeface="Times New Roman" panose="02020603050405020304" pitchFamily="18" charset="0"/>
+              <a:latin typeface="Times New Roman" panose="02020503050405090304" pitchFamily="18" charset="0"/>
+              <a:cs typeface="Times New Roman" panose="02020503050405090304" pitchFamily="18" charset="0"/>
             </a:endParaRPr>
           </a:p>
         </p:txBody>
       </p:sp>
       <p:sp>
         <p:nvSpPr>
-          <p:cNvPr id="10" name="文本框 9">
-            <a:extLst>
-              <a:ext uri="{FF2B5EF4-FFF2-40B4-BE49-F238E27FC236}">
-                <a16:creationId xmlns:a16="http://schemas.microsoft.com/office/drawing/2014/main" id="{8FC44DCF-186B-318A-2AEE-671056135056}"/>
-              </a:ext>
-            </a:extLst>
-          </p:cNvPr>
+          <p:cNvPr id="10" name="文本框 9"/>
           <p:cNvSpPr txBox="1"/>
           <p:nvPr/>
         </p:nvSpPr>
@@ -10487,21 +10528,15 @@
               </a:buClr>
             </a:pPr>
             <a:endParaRPr lang="zh-CN" altLang="en-US" dirty="0">
-              <a:latin typeface="Times New Roman" panose="02020603050405020304" pitchFamily="18" charset="0"/>
-              <a:cs typeface="Times New Roman" panose="02020603050405020304" pitchFamily="18" charset="0"/>
+              <a:latin typeface="Times New Roman" panose="02020503050405090304" pitchFamily="18" charset="0"/>
+              <a:cs typeface="Times New Roman" panose="02020503050405090304" pitchFamily="18" charset="0"/>
             </a:endParaRPr>
           </a:p>
         </p:txBody>
       </p:sp>
       <p:sp>
         <p:nvSpPr>
-          <p:cNvPr id="11" name="文本框 10">
-            <a:extLst>
-              <a:ext uri="{FF2B5EF4-FFF2-40B4-BE49-F238E27FC236}">
-                <a16:creationId xmlns:a16="http://schemas.microsoft.com/office/drawing/2014/main" id="{530AC590-6F39-14CB-ADE8-6DADBA3F1E7B}"/>
-              </a:ext>
-            </a:extLst>
-          </p:cNvPr>
+          <p:cNvPr id="11" name="文本框 10"/>
           <p:cNvSpPr txBox="1"/>
           <p:nvPr/>
         </p:nvSpPr>
@@ -10538,21 +10573,15 @@
               </a:buClr>
             </a:pPr>
             <a:endParaRPr lang="zh-CN" altLang="en-US" dirty="0">
-              <a:latin typeface="Times New Roman" panose="02020603050405020304" pitchFamily="18" charset="0"/>
-              <a:cs typeface="Times New Roman" panose="02020603050405020304" pitchFamily="18" charset="0"/>
+              <a:latin typeface="Times New Roman" panose="02020503050405090304" pitchFamily="18" charset="0"/>
+              <a:cs typeface="Times New Roman" panose="02020503050405090304" pitchFamily="18" charset="0"/>
             </a:endParaRPr>
           </a:p>
         </p:txBody>
       </p:sp>
       <p:sp>
         <p:nvSpPr>
-          <p:cNvPr id="12" name="文本框 11">
-            <a:extLst>
-              <a:ext uri="{FF2B5EF4-FFF2-40B4-BE49-F238E27FC236}">
-                <a16:creationId xmlns:a16="http://schemas.microsoft.com/office/drawing/2014/main" id="{977BBDCC-F511-4057-13C4-A2A7F8DD5234}"/>
-              </a:ext>
-            </a:extLst>
-          </p:cNvPr>
+          <p:cNvPr id="12" name="文本框 11"/>
           <p:cNvSpPr txBox="1"/>
           <p:nvPr/>
         </p:nvSpPr>
@@ -10589,18 +10618,13 @@
               </a:buClr>
             </a:pPr>
             <a:endParaRPr lang="zh-CN" altLang="en-US" dirty="0">
-              <a:latin typeface="Times New Roman" panose="02020603050405020304" pitchFamily="18" charset="0"/>
-              <a:cs typeface="Times New Roman" panose="02020603050405020304" pitchFamily="18" charset="0"/>
+              <a:latin typeface="Times New Roman" panose="02020503050405090304" pitchFamily="18" charset="0"/>
+              <a:cs typeface="Times New Roman" panose="02020503050405090304" pitchFamily="18" charset="0"/>
             </a:endParaRPr>
           </a:p>
         </p:txBody>
       </p:sp>
     </p:spTree>
-    <p:extLst>
-      <p:ext uri="{BB962C8B-B14F-4D97-AF65-F5344CB8AC3E}">
-        <p14:creationId xmlns:p14="http://schemas.microsoft.com/office/powerpoint/2010/main" val="3825937819"/>
-      </p:ext>
-    </p:extLst>
   </p:cSld>
   <p:clrMapOvr>
     <a:masterClrMapping/>
@@ -11243,7 +11267,7 @@
 </file>
 
 <file path=ppt/tags/tag1.xml><?xml version="1.0" encoding="utf-8"?>
-<p:tagLst xmlns:a="http://schemas.openxmlformats.org/drawingml/2006/main" xmlns:r="http://schemas.openxmlformats.org/officeDocument/2006/relationships" xmlns:p="http://schemas.openxmlformats.org/presentationml/2006/main">
+<p:tagLst xmlns:p="http://schemas.openxmlformats.org/presentationml/2006/main">
   <p:tag name="KSO_WPP_MARK_KEY" val="1fe9a046-a2a9-43bc-a645-b850c7246860"/>
   <p:tag name="COMMONDATA" val="eyJoZGlkIjoiZTA3OWNmMjM5Yzk3NTBiMmZkZTUxNTExMWY5ZTUxMGQifQ=="/>
 </p:tagLst>
@@ -11520,14 +11544,13 @@
             <a:srgbClr val="FF0000"/>
           </a:buClr>
           <a:defRPr dirty="0">
-            <a:latin typeface="Times New Roman" panose="02020603050405020304" pitchFamily="18" charset="0"/>
-            <a:cs typeface="Times New Roman" panose="02020603050405020304" pitchFamily="18" charset="0"/>
+            <a:latin typeface="Times New Roman" panose="02020503050405090304" pitchFamily="18" charset="0"/>
+            <a:cs typeface="Times New Roman" panose="02020503050405090304" pitchFamily="18" charset="0"/>
           </a:defRPr>
         </a:defPPr>
       </a:lstStyle>
     </a:txDef>
   </a:objectDefaults>
-  <a:extraClrSchemeLst/>
   <a:extLst>
     <a:ext uri="{05A4C25C-085E-4340-85A3-A5531E510DB2}">
       <thm15:themeFamily xmlns:thm15="http://schemas.microsoft.com/office/thememl/2012/main" name="Office Theme" id="{62F939B6-93AF-4DB8-9C6B-D6C7DFDC589F}" vid="{4A3C46E8-61CC-4603-A589-7422A47A8E4A}"/>
@@ -11787,8 +11810,6 @@
       </a:bgFillStyleLst>
     </a:fmtScheme>
   </a:themeElements>
-  <a:objectDefaults/>
-  <a:extraClrSchemeLst/>
   <a:extLst>
     <a:ext uri="{05A4C25C-085E-4340-85A3-A5531E510DB2}">
       <thm15:themeFamily xmlns:thm15="http://schemas.microsoft.com/office/thememl/2012/main" name="Office Theme" id="{62F939B6-93AF-4DB8-9C6B-D6C7DFDC589F}" vid="{4A3C46E8-61CC-4603-A589-7422A47A8E4A}"/>
